--- a/03 - Delay effects/B - Vibrato/LFOs.pptx
+++ b/03 - Delay effects/B - Vibrato/LFOs.pptx
@@ -121,6 +121,5376 @@
 </p:presentation>
 </file>
 
+<file path=ppt/charts/chart1.xml><?xml version="1.0" encoding="utf-8"?>
+<c:chartSpace xmlns:c="http://schemas.openxmlformats.org/drawingml/2006/chart" xmlns:a="http://schemas.openxmlformats.org/drawingml/2006/main" xmlns:r="http://schemas.openxmlformats.org/officeDocument/2006/relationships" xmlns:c16r2="http://schemas.microsoft.com/office/drawing/2015/06/chart">
+  <c:date1904 val="0"/>
+  <c:lang val="en-US"/>
+  <c:roundedCorners val="0"/>
+  <mc:AlternateContent xmlns:mc="http://schemas.openxmlformats.org/markup-compatibility/2006">
+    <mc:Choice xmlns:c14="http://schemas.microsoft.com/office/drawing/2007/8/2/chart" Requires="c14">
+      <c14:style val="102"/>
+    </mc:Choice>
+    <mc:Fallback>
+      <c:style val="2"/>
+    </mc:Fallback>
+  </mc:AlternateContent>
+  <c:chart>
+    <c:title>
+      <c:overlay val="0"/>
+      <c:spPr>
+        <a:noFill/>
+        <a:ln>
+          <a:noFill/>
+        </a:ln>
+        <a:effectLst/>
+      </c:spPr>
+      <c:txPr>
+        <a:bodyPr rot="0" spcFirstLastPara="1" vertOverflow="ellipsis" vert="horz" wrap="square" anchor="ctr" anchorCtr="1"/>
+        <a:lstStyle/>
+        <a:p>
+          <a:pPr>
+            <a:defRPr sz="1400" b="0" i="0" u="none" strike="noStrike" kern="1200" spc="0" baseline="0">
+              <a:solidFill>
+                <a:schemeClr val="tx1">
+                  <a:lumMod val="65000"/>
+                  <a:lumOff val="35000"/>
+                </a:schemeClr>
+              </a:solidFill>
+              <a:latin typeface="+mn-lt"/>
+              <a:ea typeface="+mn-ea"/>
+              <a:cs typeface="+mn-cs"/>
+            </a:defRPr>
+          </a:pPr>
+          <a:endParaRPr lang="en-US"/>
+        </a:p>
+      </c:txPr>
+    </c:title>
+    <c:autoTitleDeleted val="0"/>
+    <c:plotArea>
+      <c:layout/>
+      <c:lineChart>
+        <c:grouping val="standard"/>
+        <c:varyColors val="0"/>
+        <c:ser>
+          <c:idx val="0"/>
+          <c:order val="0"/>
+          <c:tx>
+            <c:strRef>
+              <c:f>Sheet1!$F$1</c:f>
+              <c:strCache>
+                <c:ptCount val="1"/>
+                <c:pt idx="0">
+                  <c:v>Triangle</c:v>
+                </c:pt>
+              </c:strCache>
+            </c:strRef>
+          </c:tx>
+          <c:spPr>
+            <a:ln w="28575" cap="rnd">
+              <a:solidFill>
+                <a:schemeClr val="accent1"/>
+              </a:solidFill>
+              <a:round/>
+            </a:ln>
+            <a:effectLst/>
+          </c:spPr>
+          <c:marker>
+            <c:symbol val="none"/>
+          </c:marker>
+          <c:val>
+            <c:numRef>
+              <c:f>Sheet1!$F$2:$F$181</c:f>
+              <c:numCache>
+                <c:formatCode>General</c:formatCode>
+                <c:ptCount val="180"/>
+                <c:pt idx="0">
+                  <c:v>0</c:v>
+                </c:pt>
+                <c:pt idx="1">
+                  <c:v>0.08</c:v>
+                </c:pt>
+                <c:pt idx="2">
+                  <c:v>0.16</c:v>
+                </c:pt>
+                <c:pt idx="3">
+                  <c:v>0.24</c:v>
+                </c:pt>
+                <c:pt idx="4">
+                  <c:v>0.32</c:v>
+                </c:pt>
+                <c:pt idx="5">
+                  <c:v>0.4</c:v>
+                </c:pt>
+                <c:pt idx="6">
+                  <c:v>0.48</c:v>
+                </c:pt>
+                <c:pt idx="7">
+                  <c:v>0.56000000000000005</c:v>
+                </c:pt>
+                <c:pt idx="8">
+                  <c:v>0.64</c:v>
+                </c:pt>
+                <c:pt idx="9">
+                  <c:v>0.72</c:v>
+                </c:pt>
+                <c:pt idx="10">
+                  <c:v>0.8</c:v>
+                </c:pt>
+                <c:pt idx="11">
+                  <c:v>0.88</c:v>
+                </c:pt>
+                <c:pt idx="12">
+                  <c:v>0.96</c:v>
+                </c:pt>
+                <c:pt idx="13">
+                  <c:v>0.96</c:v>
+                </c:pt>
+                <c:pt idx="14">
+                  <c:v>0.87999999999999989</c:v>
+                </c:pt>
+                <c:pt idx="15">
+                  <c:v>0.8</c:v>
+                </c:pt>
+                <c:pt idx="16">
+                  <c:v>0.72</c:v>
+                </c:pt>
+                <c:pt idx="17">
+                  <c:v>0.6399999999999999</c:v>
+                </c:pt>
+                <c:pt idx="18">
+                  <c:v>0.56000000000000005</c:v>
+                </c:pt>
+                <c:pt idx="19">
+                  <c:v>0.48</c:v>
+                </c:pt>
+                <c:pt idx="20">
+                  <c:v>0.39999999999999991</c:v>
+                </c:pt>
+                <c:pt idx="21">
+                  <c:v>0.32000000000000006</c:v>
+                </c:pt>
+                <c:pt idx="22">
+                  <c:v>0.24</c:v>
+                </c:pt>
+                <c:pt idx="23">
+                  <c:v>0.15999999999999992</c:v>
+                </c:pt>
+                <c:pt idx="24">
+                  <c:v>8.0000000000000071E-2</c:v>
+                </c:pt>
+                <c:pt idx="25">
+                  <c:v>0</c:v>
+                </c:pt>
+                <c:pt idx="26">
+                  <c:v>-8.0000000000000071E-2</c:v>
+                </c:pt>
+                <c:pt idx="27">
+                  <c:v>-0.16000000000000014</c:v>
+                </c:pt>
+                <c:pt idx="28">
+                  <c:v>-0.24000000000000021</c:v>
+                </c:pt>
+                <c:pt idx="29">
+                  <c:v>-0.31999999999999984</c:v>
+                </c:pt>
+                <c:pt idx="30">
+                  <c:v>-0.39999999999999991</c:v>
+                </c:pt>
+                <c:pt idx="31">
+                  <c:v>-0.48</c:v>
+                </c:pt>
+                <c:pt idx="32">
+                  <c:v>-0.56000000000000005</c:v>
+                </c:pt>
+                <c:pt idx="33">
+                  <c:v>-0.64000000000000012</c:v>
+                </c:pt>
+                <c:pt idx="34">
+                  <c:v>-0.7200000000000002</c:v>
+                </c:pt>
+                <c:pt idx="35">
+                  <c:v>-0.80000000000000027</c:v>
+                </c:pt>
+                <c:pt idx="36">
+                  <c:v>-0.87999999999999989</c:v>
+                </c:pt>
+                <c:pt idx="37">
+                  <c:v>-0.96</c:v>
+                </c:pt>
+                <c:pt idx="38">
+                  <c:v>-0.96</c:v>
+                </c:pt>
+                <c:pt idx="39">
+                  <c:v>-0.87999999999999989</c:v>
+                </c:pt>
+                <c:pt idx="40">
+                  <c:v>-0.79999999999999982</c:v>
+                </c:pt>
+                <c:pt idx="41">
+                  <c:v>-0.71999999999999975</c:v>
+                </c:pt>
+                <c:pt idx="42">
+                  <c:v>-0.64000000000000012</c:v>
+                </c:pt>
+                <c:pt idx="43">
+                  <c:v>-0.56000000000000005</c:v>
+                </c:pt>
+                <c:pt idx="44">
+                  <c:v>-0.48</c:v>
+                </c:pt>
+                <c:pt idx="45">
+                  <c:v>-0.39999999999999991</c:v>
+                </c:pt>
+                <c:pt idx="46">
+                  <c:v>-0.31999999999999984</c:v>
+                </c:pt>
+                <c:pt idx="47">
+                  <c:v>-0.23999999999999977</c:v>
+                </c:pt>
+                <c:pt idx="48">
+                  <c:v>-0.16000000000000014</c:v>
+                </c:pt>
+                <c:pt idx="49">
+                  <c:v>-8.0000000000000071E-2</c:v>
+                </c:pt>
+                <c:pt idx="50">
+                  <c:v>0</c:v>
+                </c:pt>
+                <c:pt idx="51">
+                  <c:v>8.0000000000000071E-2</c:v>
+                </c:pt>
+                <c:pt idx="52">
+                  <c:v>0.16000000000000014</c:v>
+                </c:pt>
+                <c:pt idx="53">
+                  <c:v>0.24000000000000021</c:v>
+                </c:pt>
+                <c:pt idx="54">
+                  <c:v>0.32000000000000028</c:v>
+                </c:pt>
+                <c:pt idx="55">
+                  <c:v>0.40000000000000036</c:v>
+                </c:pt>
+                <c:pt idx="56">
+                  <c:v>0.48000000000000043</c:v>
+                </c:pt>
+                <c:pt idx="57">
+                  <c:v>0.5600000000000005</c:v>
+                </c:pt>
+                <c:pt idx="58">
+                  <c:v>0.63999999999999968</c:v>
+                </c:pt>
+                <c:pt idx="59">
+                  <c:v>0.71999999999999975</c:v>
+                </c:pt>
+                <c:pt idx="60">
+                  <c:v>0.79999999999999982</c:v>
+                </c:pt>
+                <c:pt idx="61">
+                  <c:v>0.87999999999999989</c:v>
+                </c:pt>
+                <c:pt idx="62">
+                  <c:v>0.96</c:v>
+                </c:pt>
+                <c:pt idx="63">
+                  <c:v>0.96</c:v>
+                </c:pt>
+                <c:pt idx="64">
+                  <c:v>0.87999999999999989</c:v>
+                </c:pt>
+                <c:pt idx="65">
+                  <c:v>0.79999999999999982</c:v>
+                </c:pt>
+                <c:pt idx="66">
+                  <c:v>0.71999999999999975</c:v>
+                </c:pt>
+                <c:pt idx="67">
+                  <c:v>0.63999999999999968</c:v>
+                </c:pt>
+                <c:pt idx="68">
+                  <c:v>0.55999999999999961</c:v>
+                </c:pt>
+                <c:pt idx="69">
+                  <c:v>0.47999999999999954</c:v>
+                </c:pt>
+                <c:pt idx="70">
+                  <c:v>0.39999999999999947</c:v>
+                </c:pt>
+                <c:pt idx="71">
+                  <c:v>0.32000000000000028</c:v>
+                </c:pt>
+                <c:pt idx="72">
+                  <c:v>0.24000000000000021</c:v>
+                </c:pt>
+                <c:pt idx="73">
+                  <c:v>0.16000000000000014</c:v>
+                </c:pt>
+                <c:pt idx="74">
+                  <c:v>8.0000000000000071E-2</c:v>
+                </c:pt>
+                <c:pt idx="75">
+                  <c:v>0</c:v>
+                </c:pt>
+                <c:pt idx="76">
+                  <c:v>-8.0000000000000071E-2</c:v>
+                </c:pt>
+                <c:pt idx="77">
+                  <c:v>-0.16000000000000014</c:v>
+                </c:pt>
+                <c:pt idx="78">
+                  <c:v>-0.24000000000000021</c:v>
+                </c:pt>
+                <c:pt idx="79">
+                  <c:v>-0.32000000000000028</c:v>
+                </c:pt>
+                <c:pt idx="80">
+                  <c:v>-0.40000000000000036</c:v>
+                </c:pt>
+                <c:pt idx="81">
+                  <c:v>-0.48000000000000043</c:v>
+                </c:pt>
+                <c:pt idx="82">
+                  <c:v>-0.5600000000000005</c:v>
+                </c:pt>
+                <c:pt idx="83">
+                  <c:v>-0.64000000000000057</c:v>
+                </c:pt>
+                <c:pt idx="84">
+                  <c:v>-0.71999999999999975</c:v>
+                </c:pt>
+                <c:pt idx="85">
+                  <c:v>-0.79999999999999982</c:v>
+                </c:pt>
+                <c:pt idx="86">
+                  <c:v>-0.87999999999999989</c:v>
+                </c:pt>
+                <c:pt idx="87">
+                  <c:v>-0.96</c:v>
+                </c:pt>
+                <c:pt idx="88">
+                  <c:v>-0.96</c:v>
+                </c:pt>
+                <c:pt idx="89">
+                  <c:v>-0.87999999999999989</c:v>
+                </c:pt>
+                <c:pt idx="90">
+                  <c:v>-0.79999999999999982</c:v>
+                </c:pt>
+                <c:pt idx="91">
+                  <c:v>-0.71999999999999975</c:v>
+                </c:pt>
+                <c:pt idx="92">
+                  <c:v>-0.63999999999999968</c:v>
+                </c:pt>
+                <c:pt idx="93">
+                  <c:v>-0.55999999999999961</c:v>
+                </c:pt>
+                <c:pt idx="94">
+                  <c:v>-0.47999999999999954</c:v>
+                </c:pt>
+                <c:pt idx="95">
+                  <c:v>-0.39999999999999947</c:v>
+                </c:pt>
+                <c:pt idx="96">
+                  <c:v>-0.32000000000000028</c:v>
+                </c:pt>
+                <c:pt idx="97">
+                  <c:v>-0.24000000000000021</c:v>
+                </c:pt>
+                <c:pt idx="98">
+                  <c:v>-0.16000000000000014</c:v>
+                </c:pt>
+                <c:pt idx="99">
+                  <c:v>-8.0000000000000071E-2</c:v>
+                </c:pt>
+                <c:pt idx="100">
+                  <c:v>0</c:v>
+                </c:pt>
+                <c:pt idx="101">
+                  <c:v>8.0000000000000071E-2</c:v>
+                </c:pt>
+                <c:pt idx="102">
+                  <c:v>0.16000000000000014</c:v>
+                </c:pt>
+                <c:pt idx="103">
+                  <c:v>0.24000000000000021</c:v>
+                </c:pt>
+                <c:pt idx="104">
+                  <c:v>0.32000000000000028</c:v>
+                </c:pt>
+                <c:pt idx="105">
+                  <c:v>0.40000000000000036</c:v>
+                </c:pt>
+                <c:pt idx="106">
+                  <c:v>0.48000000000000043</c:v>
+                </c:pt>
+                <c:pt idx="107">
+                  <c:v>0.5600000000000005</c:v>
+                </c:pt>
+                <c:pt idx="108">
+                  <c:v>0.64000000000000057</c:v>
+                </c:pt>
+                <c:pt idx="109">
+                  <c:v>0.72000000000000064</c:v>
+                </c:pt>
+                <c:pt idx="110">
+                  <c:v>0.80000000000000071</c:v>
+                </c:pt>
+                <c:pt idx="111">
+                  <c:v>0.88000000000000078</c:v>
+                </c:pt>
+                <c:pt idx="112">
+                  <c:v>0.96000000000000085</c:v>
+                </c:pt>
+                <c:pt idx="113">
+                  <c:v>0.95999999999999908</c:v>
+                </c:pt>
+                <c:pt idx="114">
+                  <c:v>0.87999999999999901</c:v>
+                </c:pt>
+                <c:pt idx="115">
+                  <c:v>0.79999999999999893</c:v>
+                </c:pt>
+                <c:pt idx="116">
+                  <c:v>0.72000000000000064</c:v>
+                </c:pt>
+                <c:pt idx="117">
+                  <c:v>0.64000000000000057</c:v>
+                </c:pt>
+                <c:pt idx="118">
+                  <c:v>0.5600000000000005</c:v>
+                </c:pt>
+                <c:pt idx="119">
+                  <c:v>0.48000000000000043</c:v>
+                </c:pt>
+                <c:pt idx="120">
+                  <c:v>0.40000000000000036</c:v>
+                </c:pt>
+                <c:pt idx="121">
+                  <c:v>0.32000000000000028</c:v>
+                </c:pt>
+                <c:pt idx="122">
+                  <c:v>0.24000000000000021</c:v>
+                </c:pt>
+                <c:pt idx="123">
+                  <c:v>0.16000000000000014</c:v>
+                </c:pt>
+                <c:pt idx="124">
+                  <c:v>8.0000000000000071E-2</c:v>
+                </c:pt>
+                <c:pt idx="125">
+                  <c:v>0</c:v>
+                </c:pt>
+                <c:pt idx="126">
+                  <c:v>-8.0000000000000071E-2</c:v>
+                </c:pt>
+                <c:pt idx="127">
+                  <c:v>-0.16000000000000014</c:v>
+                </c:pt>
+                <c:pt idx="128">
+                  <c:v>-0.24000000000000021</c:v>
+                </c:pt>
+                <c:pt idx="129">
+                  <c:v>-0.32000000000000028</c:v>
+                </c:pt>
+                <c:pt idx="130">
+                  <c:v>-0.40000000000000036</c:v>
+                </c:pt>
+                <c:pt idx="131">
+                  <c:v>-0.48000000000000043</c:v>
+                </c:pt>
+                <c:pt idx="132">
+                  <c:v>-0.5600000000000005</c:v>
+                </c:pt>
+                <c:pt idx="133">
+                  <c:v>-0.64000000000000057</c:v>
+                </c:pt>
+                <c:pt idx="134">
+                  <c:v>-0.72000000000000064</c:v>
+                </c:pt>
+                <c:pt idx="135">
+                  <c:v>-0.80000000000000071</c:v>
+                </c:pt>
+                <c:pt idx="136">
+                  <c:v>-0.88000000000000078</c:v>
+                </c:pt>
+                <c:pt idx="137">
+                  <c:v>-0.96000000000000085</c:v>
+                </c:pt>
+                <c:pt idx="138">
+                  <c:v>-0.95999999999999908</c:v>
+                </c:pt>
+                <c:pt idx="139">
+                  <c:v>-0.87999999999999901</c:v>
+                </c:pt>
+                <c:pt idx="140">
+                  <c:v>-0.79999999999999893</c:v>
+                </c:pt>
+                <c:pt idx="141">
+                  <c:v>-0.72000000000000064</c:v>
+                </c:pt>
+                <c:pt idx="142">
+                  <c:v>-0.64000000000000057</c:v>
+                </c:pt>
+                <c:pt idx="143">
+                  <c:v>-0.5600000000000005</c:v>
+                </c:pt>
+                <c:pt idx="144">
+                  <c:v>-0.48000000000000043</c:v>
+                </c:pt>
+                <c:pt idx="145">
+                  <c:v>-0.40000000000000036</c:v>
+                </c:pt>
+                <c:pt idx="146">
+                  <c:v>-0.32000000000000028</c:v>
+                </c:pt>
+                <c:pt idx="147">
+                  <c:v>-0.24000000000000021</c:v>
+                </c:pt>
+                <c:pt idx="148">
+                  <c:v>-0.16000000000000014</c:v>
+                </c:pt>
+                <c:pt idx="149">
+                  <c:v>-8.0000000000000071E-2</c:v>
+                </c:pt>
+                <c:pt idx="150">
+                  <c:v>0</c:v>
+                </c:pt>
+              </c:numCache>
+            </c:numRef>
+          </c:val>
+          <c:smooth val="0"/>
+          <c:extLst>
+            <c:ext xmlns:c16="http://schemas.microsoft.com/office/drawing/2014/chart" uri="{C3380CC4-5D6E-409C-BE32-E72D297353CC}">
+              <c16:uniqueId val="{00000000-2D4C-4AB6-B91F-B48FD7BF9097}"/>
+            </c:ext>
+          </c:extLst>
+        </c:ser>
+        <c:dLbls>
+          <c:showLegendKey val="0"/>
+          <c:showVal val="0"/>
+          <c:showCatName val="0"/>
+          <c:showSerName val="0"/>
+          <c:showPercent val="0"/>
+          <c:showBubbleSize val="0"/>
+        </c:dLbls>
+        <c:smooth val="0"/>
+        <c:axId val="1189388047"/>
+        <c:axId val="1178337839"/>
+      </c:lineChart>
+      <c:catAx>
+        <c:axId val="1189388047"/>
+        <c:scaling>
+          <c:orientation val="minMax"/>
+        </c:scaling>
+        <c:delete val="1"/>
+        <c:axPos val="b"/>
+        <c:numFmt formatCode="General" sourceLinked="1"/>
+        <c:majorTickMark val="none"/>
+        <c:minorTickMark val="none"/>
+        <c:tickLblPos val="nextTo"/>
+        <c:crossAx val="1178337839"/>
+        <c:crosses val="autoZero"/>
+        <c:auto val="1"/>
+        <c:lblAlgn val="ctr"/>
+        <c:lblOffset val="100"/>
+        <c:tickLblSkip val="25"/>
+        <c:tickMarkSkip val="5"/>
+        <c:noMultiLvlLbl val="0"/>
+      </c:catAx>
+      <c:valAx>
+        <c:axId val="1178337839"/>
+        <c:scaling>
+          <c:orientation val="minMax"/>
+          <c:max val="1"/>
+          <c:min val="-1"/>
+        </c:scaling>
+        <c:delete val="0"/>
+        <c:axPos val="l"/>
+        <c:majorGridlines>
+          <c:spPr>
+            <a:ln w="9525" cap="flat" cmpd="sng" algn="ctr">
+              <a:solidFill>
+                <a:schemeClr val="tx1">
+                  <a:lumMod val="15000"/>
+                  <a:lumOff val="85000"/>
+                </a:schemeClr>
+              </a:solidFill>
+              <a:round/>
+            </a:ln>
+            <a:effectLst/>
+          </c:spPr>
+        </c:majorGridlines>
+        <c:numFmt formatCode="General" sourceLinked="1"/>
+        <c:majorTickMark val="none"/>
+        <c:minorTickMark val="none"/>
+        <c:tickLblPos val="nextTo"/>
+        <c:spPr>
+          <a:noFill/>
+          <a:ln>
+            <a:noFill/>
+          </a:ln>
+          <a:effectLst/>
+        </c:spPr>
+        <c:txPr>
+          <a:bodyPr rot="-60000000" spcFirstLastPara="1" vertOverflow="ellipsis" vert="horz" wrap="square" anchor="ctr" anchorCtr="1"/>
+          <a:lstStyle/>
+          <a:p>
+            <a:pPr>
+              <a:defRPr sz="900" b="0" i="0" u="none" strike="noStrike" kern="1200" baseline="0">
+                <a:solidFill>
+                  <a:schemeClr val="tx1">
+                    <a:lumMod val="65000"/>
+                    <a:lumOff val="35000"/>
+                  </a:schemeClr>
+                </a:solidFill>
+                <a:latin typeface="+mn-lt"/>
+                <a:ea typeface="+mn-ea"/>
+                <a:cs typeface="+mn-cs"/>
+              </a:defRPr>
+            </a:pPr>
+            <a:endParaRPr lang="en-US"/>
+          </a:p>
+        </c:txPr>
+        <c:crossAx val="1189388047"/>
+        <c:crosses val="autoZero"/>
+        <c:crossBetween val="between"/>
+        <c:majorUnit val="1"/>
+      </c:valAx>
+      <c:spPr>
+        <a:noFill/>
+        <a:ln>
+          <a:noFill/>
+        </a:ln>
+        <a:effectLst/>
+      </c:spPr>
+    </c:plotArea>
+    <c:plotVisOnly val="1"/>
+    <c:dispBlanksAs val="gap"/>
+    <c:showDLblsOverMax val="0"/>
+  </c:chart>
+  <c:spPr>
+    <a:noFill/>
+    <a:ln>
+      <a:noFill/>
+    </a:ln>
+    <a:effectLst/>
+  </c:spPr>
+  <c:txPr>
+    <a:bodyPr/>
+    <a:lstStyle/>
+    <a:p>
+      <a:pPr>
+        <a:defRPr/>
+      </a:pPr>
+      <a:endParaRPr lang="en-US"/>
+    </a:p>
+  </c:txPr>
+  <c:externalData r:id="rId3">
+    <c:autoUpdate val="0"/>
+  </c:externalData>
+</c:chartSpace>
+</file>
+
+<file path=ppt/charts/chart2.xml><?xml version="1.0" encoding="utf-8"?>
+<c:chartSpace xmlns:c="http://schemas.openxmlformats.org/drawingml/2006/chart" xmlns:a="http://schemas.openxmlformats.org/drawingml/2006/main" xmlns:r="http://schemas.openxmlformats.org/officeDocument/2006/relationships" xmlns:c16r2="http://schemas.microsoft.com/office/drawing/2015/06/chart">
+  <c:date1904 val="0"/>
+  <c:lang val="en-US"/>
+  <c:roundedCorners val="0"/>
+  <mc:AlternateContent xmlns:mc="http://schemas.openxmlformats.org/markup-compatibility/2006">
+    <mc:Choice xmlns:c14="http://schemas.microsoft.com/office/drawing/2007/8/2/chart" Requires="c14">
+      <c14:style val="102"/>
+    </mc:Choice>
+    <mc:Fallback>
+      <c:style val="2"/>
+    </mc:Fallback>
+  </mc:AlternateContent>
+  <c:chart>
+    <c:title>
+      <c:overlay val="0"/>
+      <c:spPr>
+        <a:noFill/>
+        <a:ln>
+          <a:noFill/>
+        </a:ln>
+        <a:effectLst/>
+      </c:spPr>
+      <c:txPr>
+        <a:bodyPr rot="0" spcFirstLastPara="1" vertOverflow="ellipsis" vert="horz" wrap="square" anchor="ctr" anchorCtr="1"/>
+        <a:lstStyle/>
+        <a:p>
+          <a:pPr>
+            <a:defRPr sz="1400" b="0" i="0" u="none" strike="noStrike" kern="1200" spc="0" baseline="0">
+              <a:solidFill>
+                <a:schemeClr val="tx1">
+                  <a:lumMod val="65000"/>
+                  <a:lumOff val="35000"/>
+                </a:schemeClr>
+              </a:solidFill>
+              <a:latin typeface="+mn-lt"/>
+              <a:ea typeface="+mn-ea"/>
+              <a:cs typeface="+mn-cs"/>
+            </a:defRPr>
+          </a:pPr>
+          <a:endParaRPr lang="en-US"/>
+        </a:p>
+      </c:txPr>
+    </c:title>
+    <c:autoTitleDeleted val="0"/>
+    <c:plotArea>
+      <c:layout/>
+      <c:lineChart>
+        <c:grouping val="standard"/>
+        <c:varyColors val="0"/>
+        <c:ser>
+          <c:idx val="0"/>
+          <c:order val="0"/>
+          <c:tx>
+            <c:strRef>
+              <c:f>Sheet1!$E$1</c:f>
+              <c:strCache>
+                <c:ptCount val="1"/>
+                <c:pt idx="0">
+                  <c:v>Sawtooth</c:v>
+                </c:pt>
+              </c:strCache>
+            </c:strRef>
+          </c:tx>
+          <c:spPr>
+            <a:ln w="28575" cap="rnd">
+              <a:solidFill>
+                <a:schemeClr val="accent1"/>
+              </a:solidFill>
+              <a:round/>
+            </a:ln>
+            <a:effectLst/>
+          </c:spPr>
+          <c:marker>
+            <c:symbol val="none"/>
+          </c:marker>
+          <c:val>
+            <c:numRef>
+              <c:f>Sheet1!$E$2:$E$181</c:f>
+              <c:numCache>
+                <c:formatCode>General</c:formatCode>
+                <c:ptCount val="180"/>
+                <c:pt idx="0">
+                  <c:v>0</c:v>
+                </c:pt>
+                <c:pt idx="1">
+                  <c:v>0.04</c:v>
+                </c:pt>
+                <c:pt idx="2">
+                  <c:v>0.08</c:v>
+                </c:pt>
+                <c:pt idx="3">
+                  <c:v>0.12</c:v>
+                </c:pt>
+                <c:pt idx="4">
+                  <c:v>0.16</c:v>
+                </c:pt>
+                <c:pt idx="5">
+                  <c:v>0.2</c:v>
+                </c:pt>
+                <c:pt idx="6">
+                  <c:v>0.24</c:v>
+                </c:pt>
+                <c:pt idx="7">
+                  <c:v>0.28000000000000003</c:v>
+                </c:pt>
+                <c:pt idx="8">
+                  <c:v>0.32</c:v>
+                </c:pt>
+                <c:pt idx="9">
+                  <c:v>0.36</c:v>
+                </c:pt>
+                <c:pt idx="10">
+                  <c:v>0.4</c:v>
+                </c:pt>
+                <c:pt idx="11">
+                  <c:v>0.44</c:v>
+                </c:pt>
+                <c:pt idx="12">
+                  <c:v>0.48</c:v>
+                </c:pt>
+                <c:pt idx="13">
+                  <c:v>0.52</c:v>
+                </c:pt>
+                <c:pt idx="14">
+                  <c:v>0.56000000000000005</c:v>
+                </c:pt>
+                <c:pt idx="15">
+                  <c:v>0.6</c:v>
+                </c:pt>
+                <c:pt idx="16">
+                  <c:v>0.64</c:v>
+                </c:pt>
+                <c:pt idx="17">
+                  <c:v>0.68</c:v>
+                </c:pt>
+                <c:pt idx="18">
+                  <c:v>0.72</c:v>
+                </c:pt>
+                <c:pt idx="19">
+                  <c:v>0.76</c:v>
+                </c:pt>
+                <c:pt idx="20">
+                  <c:v>0.8</c:v>
+                </c:pt>
+                <c:pt idx="21">
+                  <c:v>0.84</c:v>
+                </c:pt>
+                <c:pt idx="22">
+                  <c:v>0.88</c:v>
+                </c:pt>
+                <c:pt idx="23">
+                  <c:v>0.92</c:v>
+                </c:pt>
+                <c:pt idx="24">
+                  <c:v>0.96</c:v>
+                </c:pt>
+                <c:pt idx="25">
+                  <c:v>-1</c:v>
+                </c:pt>
+                <c:pt idx="26">
+                  <c:v>-0.96</c:v>
+                </c:pt>
+                <c:pt idx="27">
+                  <c:v>-0.91999999999999993</c:v>
+                </c:pt>
+                <c:pt idx="28">
+                  <c:v>-0.87999999999999989</c:v>
+                </c:pt>
+                <c:pt idx="29">
+                  <c:v>-0.84000000000000008</c:v>
+                </c:pt>
+                <c:pt idx="30">
+                  <c:v>-0.8</c:v>
+                </c:pt>
+                <c:pt idx="31">
+                  <c:v>-0.76</c:v>
+                </c:pt>
+                <c:pt idx="32">
+                  <c:v>-0.72</c:v>
+                </c:pt>
+                <c:pt idx="33">
+                  <c:v>-0.67999999999999994</c:v>
+                </c:pt>
+                <c:pt idx="34">
+                  <c:v>-0.6399999999999999</c:v>
+                </c:pt>
+                <c:pt idx="35">
+                  <c:v>-0.59999999999999987</c:v>
+                </c:pt>
+                <c:pt idx="36">
+                  <c:v>-0.56000000000000005</c:v>
+                </c:pt>
+                <c:pt idx="37">
+                  <c:v>-0.52</c:v>
+                </c:pt>
+                <c:pt idx="38">
+                  <c:v>-0.48</c:v>
+                </c:pt>
+                <c:pt idx="39">
+                  <c:v>-0.43999999999999995</c:v>
+                </c:pt>
+                <c:pt idx="40">
+                  <c:v>-0.39999999999999991</c:v>
+                </c:pt>
+                <c:pt idx="41">
+                  <c:v>-0.35999999999999988</c:v>
+                </c:pt>
+                <c:pt idx="42">
+                  <c:v>-0.32000000000000006</c:v>
+                </c:pt>
+                <c:pt idx="43">
+                  <c:v>-0.28000000000000003</c:v>
+                </c:pt>
+                <c:pt idx="44">
+                  <c:v>-0.24</c:v>
+                </c:pt>
+                <c:pt idx="45">
+                  <c:v>-0.19999999999999996</c:v>
+                </c:pt>
+                <c:pt idx="46">
+                  <c:v>-0.15999999999999992</c:v>
+                </c:pt>
+                <c:pt idx="47">
+                  <c:v>-0.11999999999999988</c:v>
+                </c:pt>
+                <c:pt idx="48">
+                  <c:v>-8.0000000000000071E-2</c:v>
+                </c:pt>
+                <c:pt idx="49">
+                  <c:v>-4.0000000000000036E-2</c:v>
+                </c:pt>
+                <c:pt idx="50">
+                  <c:v>0</c:v>
+                </c:pt>
+                <c:pt idx="51">
+                  <c:v>4.0000000000000036E-2</c:v>
+                </c:pt>
+                <c:pt idx="52">
+                  <c:v>8.0000000000000071E-2</c:v>
+                </c:pt>
+                <c:pt idx="53">
+                  <c:v>0.12000000000000011</c:v>
+                </c:pt>
+                <c:pt idx="54">
+                  <c:v>0.16000000000000014</c:v>
+                </c:pt>
+                <c:pt idx="55">
+                  <c:v>0.20000000000000018</c:v>
+                </c:pt>
+                <c:pt idx="56">
+                  <c:v>0.24000000000000021</c:v>
+                </c:pt>
+                <c:pt idx="57">
+                  <c:v>0.28000000000000025</c:v>
+                </c:pt>
+                <c:pt idx="58">
+                  <c:v>0.31999999999999984</c:v>
+                </c:pt>
+                <c:pt idx="59">
+                  <c:v>0.35999999999999988</c:v>
+                </c:pt>
+                <c:pt idx="60">
+                  <c:v>0.39999999999999991</c:v>
+                </c:pt>
+                <c:pt idx="61">
+                  <c:v>0.43999999999999995</c:v>
+                </c:pt>
+                <c:pt idx="62">
+                  <c:v>0.48</c:v>
+                </c:pt>
+                <c:pt idx="63">
+                  <c:v>0.52</c:v>
+                </c:pt>
+                <c:pt idx="64">
+                  <c:v>0.56000000000000005</c:v>
+                </c:pt>
+                <c:pt idx="65">
+                  <c:v>0.60000000000000009</c:v>
+                </c:pt>
+                <c:pt idx="66">
+                  <c:v>0.64000000000000012</c:v>
+                </c:pt>
+                <c:pt idx="67">
+                  <c:v>0.68000000000000016</c:v>
+                </c:pt>
+                <c:pt idx="68">
+                  <c:v>0.7200000000000002</c:v>
+                </c:pt>
+                <c:pt idx="69">
+                  <c:v>0.76000000000000023</c:v>
+                </c:pt>
+                <c:pt idx="70">
+                  <c:v>0.80000000000000027</c:v>
+                </c:pt>
+                <c:pt idx="71">
+                  <c:v>0.83999999999999986</c:v>
+                </c:pt>
+                <c:pt idx="72">
+                  <c:v>0.87999999999999989</c:v>
+                </c:pt>
+                <c:pt idx="73">
+                  <c:v>0.91999999999999993</c:v>
+                </c:pt>
+                <c:pt idx="74">
+                  <c:v>0.96</c:v>
+                </c:pt>
+                <c:pt idx="75">
+                  <c:v>-1</c:v>
+                </c:pt>
+                <c:pt idx="76">
+                  <c:v>-0.96</c:v>
+                </c:pt>
+                <c:pt idx="77">
+                  <c:v>-0.91999999999999993</c:v>
+                </c:pt>
+                <c:pt idx="78">
+                  <c:v>-0.87999999999999989</c:v>
+                </c:pt>
+                <c:pt idx="79">
+                  <c:v>-0.83999999999999986</c:v>
+                </c:pt>
+                <c:pt idx="80">
+                  <c:v>-0.79999999999999982</c:v>
+                </c:pt>
+                <c:pt idx="81">
+                  <c:v>-0.75999999999999979</c:v>
+                </c:pt>
+                <c:pt idx="82">
+                  <c:v>-0.71999999999999975</c:v>
+                </c:pt>
+                <c:pt idx="83">
+                  <c:v>-0.67999999999999972</c:v>
+                </c:pt>
+                <c:pt idx="84">
+                  <c:v>-0.64000000000000012</c:v>
+                </c:pt>
+                <c:pt idx="85">
+                  <c:v>-0.60000000000000009</c:v>
+                </c:pt>
+                <c:pt idx="86">
+                  <c:v>-0.56000000000000005</c:v>
+                </c:pt>
+                <c:pt idx="87">
+                  <c:v>-0.52</c:v>
+                </c:pt>
+                <c:pt idx="88">
+                  <c:v>-0.48</c:v>
+                </c:pt>
+                <c:pt idx="89">
+                  <c:v>-0.43999999999999995</c:v>
+                </c:pt>
+                <c:pt idx="90">
+                  <c:v>-0.39999999999999991</c:v>
+                </c:pt>
+                <c:pt idx="91">
+                  <c:v>-0.35999999999999988</c:v>
+                </c:pt>
+                <c:pt idx="92">
+                  <c:v>-0.31999999999999984</c:v>
+                </c:pt>
+                <c:pt idx="93">
+                  <c:v>-0.2799999999999998</c:v>
+                </c:pt>
+                <c:pt idx="94">
+                  <c:v>-0.23999999999999977</c:v>
+                </c:pt>
+                <c:pt idx="95">
+                  <c:v>-0.19999999999999973</c:v>
+                </c:pt>
+                <c:pt idx="96">
+                  <c:v>-0.16000000000000014</c:v>
+                </c:pt>
+                <c:pt idx="97">
+                  <c:v>-0.12000000000000011</c:v>
+                </c:pt>
+                <c:pt idx="98">
+                  <c:v>-8.0000000000000071E-2</c:v>
+                </c:pt>
+                <c:pt idx="99">
+                  <c:v>-4.0000000000000036E-2</c:v>
+                </c:pt>
+                <c:pt idx="100">
+                  <c:v>0</c:v>
+                </c:pt>
+                <c:pt idx="101">
+                  <c:v>4.0000000000000036E-2</c:v>
+                </c:pt>
+                <c:pt idx="102">
+                  <c:v>8.0000000000000071E-2</c:v>
+                </c:pt>
+                <c:pt idx="103">
+                  <c:v>0.12000000000000011</c:v>
+                </c:pt>
+                <c:pt idx="104">
+                  <c:v>0.16000000000000014</c:v>
+                </c:pt>
+                <c:pt idx="105">
+                  <c:v>0.20000000000000018</c:v>
+                </c:pt>
+                <c:pt idx="106">
+                  <c:v>0.24000000000000021</c:v>
+                </c:pt>
+                <c:pt idx="107">
+                  <c:v>0.28000000000000025</c:v>
+                </c:pt>
+                <c:pt idx="108">
+                  <c:v>0.32000000000000028</c:v>
+                </c:pt>
+                <c:pt idx="109">
+                  <c:v>0.36000000000000032</c:v>
+                </c:pt>
+                <c:pt idx="110">
+                  <c:v>0.40000000000000036</c:v>
+                </c:pt>
+                <c:pt idx="111">
+                  <c:v>0.44000000000000039</c:v>
+                </c:pt>
+                <c:pt idx="112">
+                  <c:v>0.48000000000000043</c:v>
+                </c:pt>
+                <c:pt idx="113">
+                  <c:v>0.52000000000000046</c:v>
+                </c:pt>
+                <c:pt idx="114">
+                  <c:v>0.5600000000000005</c:v>
+                </c:pt>
+                <c:pt idx="115">
+                  <c:v>0.60000000000000053</c:v>
+                </c:pt>
+                <c:pt idx="116">
+                  <c:v>0.63999999999999968</c:v>
+                </c:pt>
+                <c:pt idx="117">
+                  <c:v>0.67999999999999972</c:v>
+                </c:pt>
+                <c:pt idx="118">
+                  <c:v>0.71999999999999975</c:v>
+                </c:pt>
+                <c:pt idx="119">
+                  <c:v>0.75999999999999979</c:v>
+                </c:pt>
+                <c:pt idx="120">
+                  <c:v>0.79999999999999982</c:v>
+                </c:pt>
+                <c:pt idx="121">
+                  <c:v>0.83999999999999986</c:v>
+                </c:pt>
+                <c:pt idx="122">
+                  <c:v>0.87999999999999989</c:v>
+                </c:pt>
+                <c:pt idx="123">
+                  <c:v>0.91999999999999993</c:v>
+                </c:pt>
+                <c:pt idx="124">
+                  <c:v>0.96</c:v>
+                </c:pt>
+                <c:pt idx="125">
+                  <c:v>-1</c:v>
+                </c:pt>
+                <c:pt idx="126">
+                  <c:v>-0.96</c:v>
+                </c:pt>
+                <c:pt idx="127">
+                  <c:v>-0.91999999999999993</c:v>
+                </c:pt>
+                <c:pt idx="128">
+                  <c:v>-0.87999999999999989</c:v>
+                </c:pt>
+                <c:pt idx="129">
+                  <c:v>-0.83999999999999986</c:v>
+                </c:pt>
+                <c:pt idx="130">
+                  <c:v>-0.79999999999999982</c:v>
+                </c:pt>
+                <c:pt idx="131">
+                  <c:v>-0.75999999999999979</c:v>
+                </c:pt>
+                <c:pt idx="132">
+                  <c:v>-0.71999999999999975</c:v>
+                </c:pt>
+                <c:pt idx="133">
+                  <c:v>-0.67999999999999972</c:v>
+                </c:pt>
+                <c:pt idx="134">
+                  <c:v>-0.63999999999999968</c:v>
+                </c:pt>
+                <c:pt idx="135">
+                  <c:v>-0.59999999999999964</c:v>
+                </c:pt>
+                <c:pt idx="136">
+                  <c:v>-0.55999999999999961</c:v>
+                </c:pt>
+                <c:pt idx="137">
+                  <c:v>-0.51999999999999957</c:v>
+                </c:pt>
+                <c:pt idx="138">
+                  <c:v>-0.47999999999999954</c:v>
+                </c:pt>
+                <c:pt idx="139">
+                  <c:v>-0.4399999999999995</c:v>
+                </c:pt>
+                <c:pt idx="140">
+                  <c:v>-0.39999999999999947</c:v>
+                </c:pt>
+                <c:pt idx="141">
+                  <c:v>-0.36000000000000032</c:v>
+                </c:pt>
+                <c:pt idx="142">
+                  <c:v>-0.32000000000000028</c:v>
+                </c:pt>
+                <c:pt idx="143">
+                  <c:v>-0.28000000000000025</c:v>
+                </c:pt>
+                <c:pt idx="144">
+                  <c:v>-0.24000000000000021</c:v>
+                </c:pt>
+                <c:pt idx="145">
+                  <c:v>-0.20000000000000018</c:v>
+                </c:pt>
+                <c:pt idx="146">
+                  <c:v>-0.16000000000000014</c:v>
+                </c:pt>
+                <c:pt idx="147">
+                  <c:v>-0.12000000000000011</c:v>
+                </c:pt>
+                <c:pt idx="148">
+                  <c:v>-8.0000000000000071E-2</c:v>
+                </c:pt>
+                <c:pt idx="149">
+                  <c:v>-4.0000000000000036E-2</c:v>
+                </c:pt>
+                <c:pt idx="150">
+                  <c:v>0</c:v>
+                </c:pt>
+              </c:numCache>
+            </c:numRef>
+          </c:val>
+          <c:smooth val="0"/>
+          <c:extLst>
+            <c:ext xmlns:c16="http://schemas.microsoft.com/office/drawing/2014/chart" uri="{C3380CC4-5D6E-409C-BE32-E72D297353CC}">
+              <c16:uniqueId val="{00000000-D136-4805-84E5-D63C15F2A0BC}"/>
+            </c:ext>
+          </c:extLst>
+        </c:ser>
+        <c:dLbls>
+          <c:showLegendKey val="0"/>
+          <c:showVal val="0"/>
+          <c:showCatName val="0"/>
+          <c:showSerName val="0"/>
+          <c:showPercent val="0"/>
+          <c:showBubbleSize val="0"/>
+        </c:dLbls>
+        <c:smooth val="0"/>
+        <c:axId val="1189388047"/>
+        <c:axId val="1178337839"/>
+      </c:lineChart>
+      <c:catAx>
+        <c:axId val="1189388047"/>
+        <c:scaling>
+          <c:orientation val="minMax"/>
+        </c:scaling>
+        <c:delete val="1"/>
+        <c:axPos val="b"/>
+        <c:numFmt formatCode="General" sourceLinked="1"/>
+        <c:majorTickMark val="none"/>
+        <c:minorTickMark val="none"/>
+        <c:tickLblPos val="nextTo"/>
+        <c:crossAx val="1178337839"/>
+        <c:crosses val="autoZero"/>
+        <c:auto val="1"/>
+        <c:lblAlgn val="ctr"/>
+        <c:lblOffset val="100"/>
+        <c:tickLblSkip val="25"/>
+        <c:tickMarkSkip val="5"/>
+        <c:noMultiLvlLbl val="0"/>
+      </c:catAx>
+      <c:valAx>
+        <c:axId val="1178337839"/>
+        <c:scaling>
+          <c:orientation val="minMax"/>
+          <c:max val="1"/>
+          <c:min val="-1"/>
+        </c:scaling>
+        <c:delete val="0"/>
+        <c:axPos val="l"/>
+        <c:majorGridlines>
+          <c:spPr>
+            <a:ln w="9525" cap="flat" cmpd="sng" algn="ctr">
+              <a:solidFill>
+                <a:schemeClr val="tx1">
+                  <a:lumMod val="15000"/>
+                  <a:lumOff val="85000"/>
+                </a:schemeClr>
+              </a:solidFill>
+              <a:round/>
+            </a:ln>
+            <a:effectLst/>
+          </c:spPr>
+        </c:majorGridlines>
+        <c:numFmt formatCode="General" sourceLinked="1"/>
+        <c:majorTickMark val="none"/>
+        <c:minorTickMark val="none"/>
+        <c:tickLblPos val="nextTo"/>
+        <c:spPr>
+          <a:noFill/>
+          <a:ln>
+            <a:noFill/>
+          </a:ln>
+          <a:effectLst/>
+        </c:spPr>
+        <c:txPr>
+          <a:bodyPr rot="-60000000" spcFirstLastPara="1" vertOverflow="ellipsis" vert="horz" wrap="square" anchor="ctr" anchorCtr="1"/>
+          <a:lstStyle/>
+          <a:p>
+            <a:pPr>
+              <a:defRPr sz="900" b="0" i="0" u="none" strike="noStrike" kern="1200" baseline="0">
+                <a:solidFill>
+                  <a:schemeClr val="tx1">
+                    <a:lumMod val="65000"/>
+                    <a:lumOff val="35000"/>
+                  </a:schemeClr>
+                </a:solidFill>
+                <a:latin typeface="+mn-lt"/>
+                <a:ea typeface="+mn-ea"/>
+                <a:cs typeface="+mn-cs"/>
+              </a:defRPr>
+            </a:pPr>
+            <a:endParaRPr lang="en-US"/>
+          </a:p>
+        </c:txPr>
+        <c:crossAx val="1189388047"/>
+        <c:crosses val="autoZero"/>
+        <c:crossBetween val="between"/>
+        <c:majorUnit val="1"/>
+      </c:valAx>
+      <c:spPr>
+        <a:noFill/>
+        <a:ln>
+          <a:noFill/>
+        </a:ln>
+        <a:effectLst/>
+      </c:spPr>
+    </c:plotArea>
+    <c:plotVisOnly val="1"/>
+    <c:dispBlanksAs val="gap"/>
+    <c:showDLblsOverMax val="0"/>
+  </c:chart>
+  <c:spPr>
+    <a:noFill/>
+    <a:ln>
+      <a:noFill/>
+    </a:ln>
+    <a:effectLst/>
+  </c:spPr>
+  <c:txPr>
+    <a:bodyPr/>
+    <a:lstStyle/>
+    <a:p>
+      <a:pPr>
+        <a:defRPr/>
+      </a:pPr>
+      <a:endParaRPr lang="en-US"/>
+    </a:p>
+  </c:txPr>
+  <c:externalData r:id="rId3">
+    <c:autoUpdate val="0"/>
+  </c:externalData>
+</c:chartSpace>
+</file>
+
+<file path=ppt/charts/chart3.xml><?xml version="1.0" encoding="utf-8"?>
+<c:chartSpace xmlns:c="http://schemas.openxmlformats.org/drawingml/2006/chart" xmlns:a="http://schemas.openxmlformats.org/drawingml/2006/main" xmlns:r="http://schemas.openxmlformats.org/officeDocument/2006/relationships" xmlns:c16r2="http://schemas.microsoft.com/office/drawing/2015/06/chart">
+  <c:date1904 val="0"/>
+  <c:lang val="en-US"/>
+  <c:roundedCorners val="0"/>
+  <mc:AlternateContent xmlns:mc="http://schemas.openxmlformats.org/markup-compatibility/2006">
+    <mc:Choice xmlns:c14="http://schemas.microsoft.com/office/drawing/2007/8/2/chart" Requires="c14">
+      <c14:style val="102"/>
+    </mc:Choice>
+    <mc:Fallback>
+      <c:style val="2"/>
+    </mc:Fallback>
+  </mc:AlternateContent>
+  <c:chart>
+    <c:title>
+      <c:overlay val="0"/>
+      <c:spPr>
+        <a:noFill/>
+        <a:ln>
+          <a:noFill/>
+        </a:ln>
+        <a:effectLst/>
+      </c:spPr>
+      <c:txPr>
+        <a:bodyPr rot="0" spcFirstLastPara="1" vertOverflow="ellipsis" vert="horz" wrap="square" anchor="ctr" anchorCtr="1"/>
+        <a:lstStyle/>
+        <a:p>
+          <a:pPr>
+            <a:defRPr sz="1400" b="0" i="0" u="none" strike="noStrike" kern="1200" spc="0" baseline="0">
+              <a:solidFill>
+                <a:schemeClr val="tx1">
+                  <a:lumMod val="65000"/>
+                  <a:lumOff val="35000"/>
+                </a:schemeClr>
+              </a:solidFill>
+              <a:latin typeface="+mn-lt"/>
+              <a:ea typeface="+mn-ea"/>
+              <a:cs typeface="+mn-cs"/>
+            </a:defRPr>
+          </a:pPr>
+          <a:endParaRPr lang="en-US"/>
+        </a:p>
+      </c:txPr>
+    </c:title>
+    <c:autoTitleDeleted val="0"/>
+    <c:plotArea>
+      <c:layout/>
+      <c:lineChart>
+        <c:grouping val="standard"/>
+        <c:varyColors val="0"/>
+        <c:ser>
+          <c:idx val="0"/>
+          <c:order val="0"/>
+          <c:tx>
+            <c:strRef>
+              <c:f>Sheet1!$D$1</c:f>
+              <c:strCache>
+                <c:ptCount val="1"/>
+                <c:pt idx="0">
+                  <c:v>Square</c:v>
+                </c:pt>
+              </c:strCache>
+            </c:strRef>
+          </c:tx>
+          <c:spPr>
+            <a:ln w="28575" cap="rnd">
+              <a:solidFill>
+                <a:schemeClr val="accent1"/>
+              </a:solidFill>
+              <a:round/>
+            </a:ln>
+            <a:effectLst/>
+          </c:spPr>
+          <c:marker>
+            <c:symbol val="none"/>
+          </c:marker>
+          <c:val>
+            <c:numRef>
+              <c:f>Sheet1!$D$2:$D$181</c:f>
+              <c:numCache>
+                <c:formatCode>General</c:formatCode>
+                <c:ptCount val="180"/>
+                <c:pt idx="0">
+                  <c:v>1</c:v>
+                </c:pt>
+                <c:pt idx="1">
+                  <c:v>1</c:v>
+                </c:pt>
+                <c:pt idx="2">
+                  <c:v>1</c:v>
+                </c:pt>
+                <c:pt idx="3">
+                  <c:v>1</c:v>
+                </c:pt>
+                <c:pt idx="4">
+                  <c:v>1</c:v>
+                </c:pt>
+                <c:pt idx="5">
+                  <c:v>1</c:v>
+                </c:pt>
+                <c:pt idx="6">
+                  <c:v>1</c:v>
+                </c:pt>
+                <c:pt idx="7">
+                  <c:v>1</c:v>
+                </c:pt>
+                <c:pt idx="8">
+                  <c:v>1</c:v>
+                </c:pt>
+                <c:pt idx="9">
+                  <c:v>1</c:v>
+                </c:pt>
+                <c:pt idx="10">
+                  <c:v>1</c:v>
+                </c:pt>
+                <c:pt idx="11">
+                  <c:v>1</c:v>
+                </c:pt>
+                <c:pt idx="12">
+                  <c:v>1</c:v>
+                </c:pt>
+                <c:pt idx="13">
+                  <c:v>1</c:v>
+                </c:pt>
+                <c:pt idx="14">
+                  <c:v>1</c:v>
+                </c:pt>
+                <c:pt idx="15">
+                  <c:v>1</c:v>
+                </c:pt>
+                <c:pt idx="16">
+                  <c:v>1</c:v>
+                </c:pt>
+                <c:pt idx="17">
+                  <c:v>1</c:v>
+                </c:pt>
+                <c:pt idx="18">
+                  <c:v>1</c:v>
+                </c:pt>
+                <c:pt idx="19">
+                  <c:v>1</c:v>
+                </c:pt>
+                <c:pt idx="20">
+                  <c:v>1</c:v>
+                </c:pt>
+                <c:pt idx="21">
+                  <c:v>1</c:v>
+                </c:pt>
+                <c:pt idx="22">
+                  <c:v>1</c:v>
+                </c:pt>
+                <c:pt idx="23">
+                  <c:v>1</c:v>
+                </c:pt>
+                <c:pt idx="24">
+                  <c:v>1</c:v>
+                </c:pt>
+                <c:pt idx="25">
+                  <c:v>-1</c:v>
+                </c:pt>
+                <c:pt idx="26">
+                  <c:v>-1</c:v>
+                </c:pt>
+                <c:pt idx="27">
+                  <c:v>-1</c:v>
+                </c:pt>
+                <c:pt idx="28">
+                  <c:v>-1</c:v>
+                </c:pt>
+                <c:pt idx="29">
+                  <c:v>-1</c:v>
+                </c:pt>
+                <c:pt idx="30">
+                  <c:v>-1</c:v>
+                </c:pt>
+                <c:pt idx="31">
+                  <c:v>-1</c:v>
+                </c:pt>
+                <c:pt idx="32">
+                  <c:v>-1</c:v>
+                </c:pt>
+                <c:pt idx="33">
+                  <c:v>-1</c:v>
+                </c:pt>
+                <c:pt idx="34">
+                  <c:v>-1</c:v>
+                </c:pt>
+                <c:pt idx="35">
+                  <c:v>-1</c:v>
+                </c:pt>
+                <c:pt idx="36">
+                  <c:v>-1</c:v>
+                </c:pt>
+                <c:pt idx="37">
+                  <c:v>-1</c:v>
+                </c:pt>
+                <c:pt idx="38">
+                  <c:v>-1</c:v>
+                </c:pt>
+                <c:pt idx="39">
+                  <c:v>-1</c:v>
+                </c:pt>
+                <c:pt idx="40">
+                  <c:v>-1</c:v>
+                </c:pt>
+                <c:pt idx="41">
+                  <c:v>-1</c:v>
+                </c:pt>
+                <c:pt idx="42">
+                  <c:v>-1</c:v>
+                </c:pt>
+                <c:pt idx="43">
+                  <c:v>-1</c:v>
+                </c:pt>
+                <c:pt idx="44">
+                  <c:v>-1</c:v>
+                </c:pt>
+                <c:pt idx="45">
+                  <c:v>-1</c:v>
+                </c:pt>
+                <c:pt idx="46">
+                  <c:v>-1</c:v>
+                </c:pt>
+                <c:pt idx="47">
+                  <c:v>-1</c:v>
+                </c:pt>
+                <c:pt idx="48">
+                  <c:v>-1</c:v>
+                </c:pt>
+                <c:pt idx="49">
+                  <c:v>-1</c:v>
+                </c:pt>
+                <c:pt idx="50">
+                  <c:v>1</c:v>
+                </c:pt>
+                <c:pt idx="51">
+                  <c:v>1</c:v>
+                </c:pt>
+                <c:pt idx="52">
+                  <c:v>1</c:v>
+                </c:pt>
+                <c:pt idx="53">
+                  <c:v>1</c:v>
+                </c:pt>
+                <c:pt idx="54">
+                  <c:v>1</c:v>
+                </c:pt>
+                <c:pt idx="55">
+                  <c:v>1</c:v>
+                </c:pt>
+                <c:pt idx="56">
+                  <c:v>1</c:v>
+                </c:pt>
+                <c:pt idx="57">
+                  <c:v>1</c:v>
+                </c:pt>
+                <c:pt idx="58">
+                  <c:v>1</c:v>
+                </c:pt>
+                <c:pt idx="59">
+                  <c:v>1</c:v>
+                </c:pt>
+                <c:pt idx="60">
+                  <c:v>1</c:v>
+                </c:pt>
+                <c:pt idx="61">
+                  <c:v>1</c:v>
+                </c:pt>
+                <c:pt idx="62">
+                  <c:v>1</c:v>
+                </c:pt>
+                <c:pt idx="63">
+                  <c:v>1</c:v>
+                </c:pt>
+                <c:pt idx="64">
+                  <c:v>1</c:v>
+                </c:pt>
+                <c:pt idx="65">
+                  <c:v>1</c:v>
+                </c:pt>
+                <c:pt idx="66">
+                  <c:v>1</c:v>
+                </c:pt>
+                <c:pt idx="67">
+                  <c:v>1</c:v>
+                </c:pt>
+                <c:pt idx="68">
+                  <c:v>1</c:v>
+                </c:pt>
+                <c:pt idx="69">
+                  <c:v>1</c:v>
+                </c:pt>
+                <c:pt idx="70">
+                  <c:v>1</c:v>
+                </c:pt>
+                <c:pt idx="71">
+                  <c:v>1</c:v>
+                </c:pt>
+                <c:pt idx="72">
+                  <c:v>1</c:v>
+                </c:pt>
+                <c:pt idx="73">
+                  <c:v>1</c:v>
+                </c:pt>
+                <c:pt idx="74">
+                  <c:v>1</c:v>
+                </c:pt>
+                <c:pt idx="75">
+                  <c:v>-1</c:v>
+                </c:pt>
+                <c:pt idx="76">
+                  <c:v>-1</c:v>
+                </c:pt>
+                <c:pt idx="77">
+                  <c:v>-1</c:v>
+                </c:pt>
+                <c:pt idx="78">
+                  <c:v>-1</c:v>
+                </c:pt>
+                <c:pt idx="79">
+                  <c:v>-1</c:v>
+                </c:pt>
+                <c:pt idx="80">
+                  <c:v>-1</c:v>
+                </c:pt>
+                <c:pt idx="81">
+                  <c:v>-1</c:v>
+                </c:pt>
+                <c:pt idx="82">
+                  <c:v>-1</c:v>
+                </c:pt>
+                <c:pt idx="83">
+                  <c:v>-1</c:v>
+                </c:pt>
+                <c:pt idx="84">
+                  <c:v>-1</c:v>
+                </c:pt>
+                <c:pt idx="85">
+                  <c:v>-1</c:v>
+                </c:pt>
+                <c:pt idx="86">
+                  <c:v>-1</c:v>
+                </c:pt>
+                <c:pt idx="87">
+                  <c:v>-1</c:v>
+                </c:pt>
+                <c:pt idx="88">
+                  <c:v>-1</c:v>
+                </c:pt>
+                <c:pt idx="89">
+                  <c:v>-1</c:v>
+                </c:pt>
+                <c:pt idx="90">
+                  <c:v>-1</c:v>
+                </c:pt>
+                <c:pt idx="91">
+                  <c:v>-1</c:v>
+                </c:pt>
+                <c:pt idx="92">
+                  <c:v>-1</c:v>
+                </c:pt>
+                <c:pt idx="93">
+                  <c:v>-1</c:v>
+                </c:pt>
+                <c:pt idx="94">
+                  <c:v>-1</c:v>
+                </c:pt>
+                <c:pt idx="95">
+                  <c:v>-1</c:v>
+                </c:pt>
+                <c:pt idx="96">
+                  <c:v>-1</c:v>
+                </c:pt>
+                <c:pt idx="97">
+                  <c:v>-1</c:v>
+                </c:pt>
+                <c:pt idx="98">
+                  <c:v>-1</c:v>
+                </c:pt>
+                <c:pt idx="99">
+                  <c:v>-1</c:v>
+                </c:pt>
+                <c:pt idx="100">
+                  <c:v>1</c:v>
+                </c:pt>
+                <c:pt idx="101">
+                  <c:v>1</c:v>
+                </c:pt>
+                <c:pt idx="102">
+                  <c:v>1</c:v>
+                </c:pt>
+                <c:pt idx="103">
+                  <c:v>1</c:v>
+                </c:pt>
+                <c:pt idx="104">
+                  <c:v>1</c:v>
+                </c:pt>
+                <c:pt idx="105">
+                  <c:v>1</c:v>
+                </c:pt>
+                <c:pt idx="106">
+                  <c:v>1</c:v>
+                </c:pt>
+                <c:pt idx="107">
+                  <c:v>1</c:v>
+                </c:pt>
+                <c:pt idx="108">
+                  <c:v>1</c:v>
+                </c:pt>
+                <c:pt idx="109">
+                  <c:v>1</c:v>
+                </c:pt>
+                <c:pt idx="110">
+                  <c:v>1</c:v>
+                </c:pt>
+                <c:pt idx="111">
+                  <c:v>1</c:v>
+                </c:pt>
+                <c:pt idx="112">
+                  <c:v>1</c:v>
+                </c:pt>
+                <c:pt idx="113">
+                  <c:v>1</c:v>
+                </c:pt>
+                <c:pt idx="114">
+                  <c:v>1</c:v>
+                </c:pt>
+                <c:pt idx="115">
+                  <c:v>1</c:v>
+                </c:pt>
+                <c:pt idx="116">
+                  <c:v>1</c:v>
+                </c:pt>
+                <c:pt idx="117">
+                  <c:v>1</c:v>
+                </c:pt>
+                <c:pt idx="118">
+                  <c:v>1</c:v>
+                </c:pt>
+                <c:pt idx="119">
+                  <c:v>1</c:v>
+                </c:pt>
+                <c:pt idx="120">
+                  <c:v>1</c:v>
+                </c:pt>
+                <c:pt idx="121">
+                  <c:v>1</c:v>
+                </c:pt>
+                <c:pt idx="122">
+                  <c:v>1</c:v>
+                </c:pt>
+                <c:pt idx="123">
+                  <c:v>1</c:v>
+                </c:pt>
+                <c:pt idx="124">
+                  <c:v>1</c:v>
+                </c:pt>
+                <c:pt idx="125">
+                  <c:v>-1</c:v>
+                </c:pt>
+                <c:pt idx="126">
+                  <c:v>-1</c:v>
+                </c:pt>
+                <c:pt idx="127">
+                  <c:v>-1</c:v>
+                </c:pt>
+                <c:pt idx="128">
+                  <c:v>-1</c:v>
+                </c:pt>
+                <c:pt idx="129">
+                  <c:v>-1</c:v>
+                </c:pt>
+                <c:pt idx="130">
+                  <c:v>-1</c:v>
+                </c:pt>
+                <c:pt idx="131">
+                  <c:v>-1</c:v>
+                </c:pt>
+                <c:pt idx="132">
+                  <c:v>-1</c:v>
+                </c:pt>
+                <c:pt idx="133">
+                  <c:v>-1</c:v>
+                </c:pt>
+                <c:pt idx="134">
+                  <c:v>-1</c:v>
+                </c:pt>
+                <c:pt idx="135">
+                  <c:v>-1</c:v>
+                </c:pt>
+                <c:pt idx="136">
+                  <c:v>-1</c:v>
+                </c:pt>
+                <c:pt idx="137">
+                  <c:v>-1</c:v>
+                </c:pt>
+                <c:pt idx="138">
+                  <c:v>-1</c:v>
+                </c:pt>
+                <c:pt idx="139">
+                  <c:v>-1</c:v>
+                </c:pt>
+                <c:pt idx="140">
+                  <c:v>-1</c:v>
+                </c:pt>
+                <c:pt idx="141">
+                  <c:v>-1</c:v>
+                </c:pt>
+                <c:pt idx="142">
+                  <c:v>-1</c:v>
+                </c:pt>
+                <c:pt idx="143">
+                  <c:v>-1</c:v>
+                </c:pt>
+                <c:pt idx="144">
+                  <c:v>-1</c:v>
+                </c:pt>
+                <c:pt idx="145">
+                  <c:v>-1</c:v>
+                </c:pt>
+                <c:pt idx="146">
+                  <c:v>-1</c:v>
+                </c:pt>
+                <c:pt idx="147">
+                  <c:v>-1</c:v>
+                </c:pt>
+                <c:pt idx="148">
+                  <c:v>-1</c:v>
+                </c:pt>
+                <c:pt idx="149">
+                  <c:v>-1</c:v>
+                </c:pt>
+                <c:pt idx="150">
+                  <c:v>1</c:v>
+                </c:pt>
+              </c:numCache>
+            </c:numRef>
+          </c:val>
+          <c:smooth val="0"/>
+          <c:extLst>
+            <c:ext xmlns:c16="http://schemas.microsoft.com/office/drawing/2014/chart" uri="{C3380CC4-5D6E-409C-BE32-E72D297353CC}">
+              <c16:uniqueId val="{00000000-76EA-498A-93C0-F97246058C76}"/>
+            </c:ext>
+          </c:extLst>
+        </c:ser>
+        <c:dLbls>
+          <c:showLegendKey val="0"/>
+          <c:showVal val="0"/>
+          <c:showCatName val="0"/>
+          <c:showSerName val="0"/>
+          <c:showPercent val="0"/>
+          <c:showBubbleSize val="0"/>
+        </c:dLbls>
+        <c:smooth val="0"/>
+        <c:axId val="1189388047"/>
+        <c:axId val="1178337839"/>
+      </c:lineChart>
+      <c:catAx>
+        <c:axId val="1189388047"/>
+        <c:scaling>
+          <c:orientation val="minMax"/>
+        </c:scaling>
+        <c:delete val="1"/>
+        <c:axPos val="b"/>
+        <c:numFmt formatCode="General" sourceLinked="1"/>
+        <c:majorTickMark val="none"/>
+        <c:minorTickMark val="none"/>
+        <c:tickLblPos val="nextTo"/>
+        <c:crossAx val="1178337839"/>
+        <c:crosses val="autoZero"/>
+        <c:auto val="1"/>
+        <c:lblAlgn val="ctr"/>
+        <c:lblOffset val="100"/>
+        <c:tickLblSkip val="25"/>
+        <c:tickMarkSkip val="5"/>
+        <c:noMultiLvlLbl val="0"/>
+      </c:catAx>
+      <c:valAx>
+        <c:axId val="1178337839"/>
+        <c:scaling>
+          <c:orientation val="minMax"/>
+          <c:max val="1"/>
+          <c:min val="-1"/>
+        </c:scaling>
+        <c:delete val="0"/>
+        <c:axPos val="l"/>
+        <c:majorGridlines>
+          <c:spPr>
+            <a:ln w="9525" cap="flat" cmpd="sng" algn="ctr">
+              <a:solidFill>
+                <a:schemeClr val="tx1">
+                  <a:lumMod val="15000"/>
+                  <a:lumOff val="85000"/>
+                </a:schemeClr>
+              </a:solidFill>
+              <a:round/>
+            </a:ln>
+            <a:effectLst/>
+          </c:spPr>
+        </c:majorGridlines>
+        <c:numFmt formatCode="General" sourceLinked="1"/>
+        <c:majorTickMark val="none"/>
+        <c:minorTickMark val="none"/>
+        <c:tickLblPos val="nextTo"/>
+        <c:spPr>
+          <a:noFill/>
+          <a:ln>
+            <a:noFill/>
+          </a:ln>
+          <a:effectLst/>
+        </c:spPr>
+        <c:txPr>
+          <a:bodyPr rot="-60000000" spcFirstLastPara="1" vertOverflow="ellipsis" vert="horz" wrap="square" anchor="ctr" anchorCtr="1"/>
+          <a:lstStyle/>
+          <a:p>
+            <a:pPr>
+              <a:defRPr sz="900" b="0" i="0" u="none" strike="noStrike" kern="1200" baseline="0">
+                <a:solidFill>
+                  <a:schemeClr val="tx1">
+                    <a:lumMod val="65000"/>
+                    <a:lumOff val="35000"/>
+                  </a:schemeClr>
+                </a:solidFill>
+                <a:latin typeface="+mn-lt"/>
+                <a:ea typeface="+mn-ea"/>
+                <a:cs typeface="+mn-cs"/>
+              </a:defRPr>
+            </a:pPr>
+            <a:endParaRPr lang="en-US"/>
+          </a:p>
+        </c:txPr>
+        <c:crossAx val="1189388047"/>
+        <c:crosses val="autoZero"/>
+        <c:crossBetween val="between"/>
+        <c:majorUnit val="1"/>
+      </c:valAx>
+      <c:spPr>
+        <a:noFill/>
+        <a:ln>
+          <a:noFill/>
+        </a:ln>
+        <a:effectLst/>
+      </c:spPr>
+    </c:plotArea>
+    <c:plotVisOnly val="1"/>
+    <c:dispBlanksAs val="gap"/>
+    <c:showDLblsOverMax val="0"/>
+  </c:chart>
+  <c:spPr>
+    <a:noFill/>
+    <a:ln>
+      <a:noFill/>
+    </a:ln>
+    <a:effectLst/>
+  </c:spPr>
+  <c:txPr>
+    <a:bodyPr/>
+    <a:lstStyle/>
+    <a:p>
+      <a:pPr>
+        <a:defRPr/>
+      </a:pPr>
+      <a:endParaRPr lang="en-US"/>
+    </a:p>
+  </c:txPr>
+  <c:externalData r:id="rId3">
+    <c:autoUpdate val="0"/>
+  </c:externalData>
+</c:chartSpace>
+</file>
+
+<file path=ppt/charts/chart4.xml><?xml version="1.0" encoding="utf-8"?>
+<c:chartSpace xmlns:c="http://schemas.openxmlformats.org/drawingml/2006/chart" xmlns:a="http://schemas.openxmlformats.org/drawingml/2006/main" xmlns:r="http://schemas.openxmlformats.org/officeDocument/2006/relationships" xmlns:c16r2="http://schemas.microsoft.com/office/drawing/2015/06/chart">
+  <c:date1904 val="0"/>
+  <c:lang val="en-US"/>
+  <c:roundedCorners val="0"/>
+  <mc:AlternateContent xmlns:mc="http://schemas.openxmlformats.org/markup-compatibility/2006">
+    <mc:Choice xmlns:c14="http://schemas.microsoft.com/office/drawing/2007/8/2/chart" Requires="c14">
+      <c14:style val="102"/>
+    </mc:Choice>
+    <mc:Fallback>
+      <c:style val="2"/>
+    </mc:Fallback>
+  </mc:AlternateContent>
+  <c:chart>
+    <c:title>
+      <c:overlay val="0"/>
+      <c:spPr>
+        <a:noFill/>
+        <a:ln>
+          <a:noFill/>
+        </a:ln>
+        <a:effectLst/>
+      </c:spPr>
+      <c:txPr>
+        <a:bodyPr rot="0" spcFirstLastPara="1" vertOverflow="ellipsis" vert="horz" wrap="square" anchor="ctr" anchorCtr="1"/>
+        <a:lstStyle/>
+        <a:p>
+          <a:pPr>
+            <a:defRPr sz="1400" b="0" i="0" u="none" strike="noStrike" kern="1200" spc="0" baseline="0">
+              <a:solidFill>
+                <a:schemeClr val="tx1">
+                  <a:lumMod val="65000"/>
+                  <a:lumOff val="35000"/>
+                </a:schemeClr>
+              </a:solidFill>
+              <a:latin typeface="+mn-lt"/>
+              <a:ea typeface="+mn-ea"/>
+              <a:cs typeface="+mn-cs"/>
+            </a:defRPr>
+          </a:pPr>
+          <a:endParaRPr lang="en-US"/>
+        </a:p>
+      </c:txPr>
+    </c:title>
+    <c:autoTitleDeleted val="0"/>
+    <c:plotArea>
+      <c:layout/>
+      <c:lineChart>
+        <c:grouping val="standard"/>
+        <c:varyColors val="0"/>
+        <c:ser>
+          <c:idx val="0"/>
+          <c:order val="0"/>
+          <c:tx>
+            <c:strRef>
+              <c:f>Sheet1!$C$1</c:f>
+              <c:strCache>
+                <c:ptCount val="1"/>
+                <c:pt idx="0">
+                  <c:v>Sin</c:v>
+                </c:pt>
+              </c:strCache>
+            </c:strRef>
+          </c:tx>
+          <c:spPr>
+            <a:ln w="28575" cap="rnd">
+              <a:solidFill>
+                <a:schemeClr val="accent1"/>
+              </a:solidFill>
+              <a:round/>
+            </a:ln>
+            <a:effectLst/>
+          </c:spPr>
+          <c:marker>
+            <c:symbol val="none"/>
+          </c:marker>
+          <c:cat>
+            <c:numRef>
+              <c:f>Sheet1!$A$2:$A$181</c:f>
+              <c:numCache>
+                <c:formatCode>General</c:formatCode>
+                <c:ptCount val="180"/>
+                <c:pt idx="0">
+                  <c:v>0</c:v>
+                </c:pt>
+                <c:pt idx="1">
+                  <c:v>0.02</c:v>
+                </c:pt>
+                <c:pt idx="2">
+                  <c:v>0.04</c:v>
+                </c:pt>
+                <c:pt idx="3">
+                  <c:v>0.06</c:v>
+                </c:pt>
+                <c:pt idx="4">
+                  <c:v>0.08</c:v>
+                </c:pt>
+                <c:pt idx="5">
+                  <c:v>0.1</c:v>
+                </c:pt>
+                <c:pt idx="6">
+                  <c:v>0.12</c:v>
+                </c:pt>
+                <c:pt idx="7">
+                  <c:v>0.14000000000000001</c:v>
+                </c:pt>
+                <c:pt idx="8">
+                  <c:v>0.16</c:v>
+                </c:pt>
+                <c:pt idx="9">
+                  <c:v>0.18</c:v>
+                </c:pt>
+                <c:pt idx="10">
+                  <c:v>0.2</c:v>
+                </c:pt>
+                <c:pt idx="11">
+                  <c:v>0.22</c:v>
+                </c:pt>
+                <c:pt idx="12">
+                  <c:v>0.24</c:v>
+                </c:pt>
+                <c:pt idx="13">
+                  <c:v>0.26</c:v>
+                </c:pt>
+                <c:pt idx="14">
+                  <c:v>0.28000000000000003</c:v>
+                </c:pt>
+                <c:pt idx="15">
+                  <c:v>0.3</c:v>
+                </c:pt>
+                <c:pt idx="16">
+                  <c:v>0.32</c:v>
+                </c:pt>
+                <c:pt idx="17">
+                  <c:v>0.34</c:v>
+                </c:pt>
+                <c:pt idx="18">
+                  <c:v>0.36</c:v>
+                </c:pt>
+                <c:pt idx="19">
+                  <c:v>0.38</c:v>
+                </c:pt>
+                <c:pt idx="20">
+                  <c:v>0.4</c:v>
+                </c:pt>
+                <c:pt idx="21">
+                  <c:v>0.42</c:v>
+                </c:pt>
+                <c:pt idx="22">
+                  <c:v>0.44</c:v>
+                </c:pt>
+                <c:pt idx="23">
+                  <c:v>0.46</c:v>
+                </c:pt>
+                <c:pt idx="24">
+                  <c:v>0.48</c:v>
+                </c:pt>
+                <c:pt idx="25">
+                  <c:v>0.5</c:v>
+                </c:pt>
+                <c:pt idx="26">
+                  <c:v>0.52</c:v>
+                </c:pt>
+                <c:pt idx="27">
+                  <c:v>0.54</c:v>
+                </c:pt>
+                <c:pt idx="28">
+                  <c:v>0.56000000000000005</c:v>
+                </c:pt>
+                <c:pt idx="29">
+                  <c:v>0.57999999999999996</c:v>
+                </c:pt>
+                <c:pt idx="30">
+                  <c:v>0.6</c:v>
+                </c:pt>
+                <c:pt idx="31">
+                  <c:v>0.62</c:v>
+                </c:pt>
+                <c:pt idx="32">
+                  <c:v>0.64</c:v>
+                </c:pt>
+                <c:pt idx="33">
+                  <c:v>0.66</c:v>
+                </c:pt>
+                <c:pt idx="34">
+                  <c:v>0.68</c:v>
+                </c:pt>
+                <c:pt idx="35">
+                  <c:v>0.70000000000000007</c:v>
+                </c:pt>
+                <c:pt idx="36">
+                  <c:v>0.72</c:v>
+                </c:pt>
+                <c:pt idx="37">
+                  <c:v>0.74</c:v>
+                </c:pt>
+                <c:pt idx="38">
+                  <c:v>0.76</c:v>
+                </c:pt>
+                <c:pt idx="39">
+                  <c:v>0.78</c:v>
+                </c:pt>
+                <c:pt idx="40">
+                  <c:v>0.8</c:v>
+                </c:pt>
+                <c:pt idx="41">
+                  <c:v>0.82000000000000006</c:v>
+                </c:pt>
+                <c:pt idx="42">
+                  <c:v>0.84</c:v>
+                </c:pt>
+                <c:pt idx="43">
+                  <c:v>0.86</c:v>
+                </c:pt>
+                <c:pt idx="44">
+                  <c:v>0.88</c:v>
+                </c:pt>
+                <c:pt idx="45">
+                  <c:v>0.9</c:v>
+                </c:pt>
+                <c:pt idx="46">
+                  <c:v>0.92</c:v>
+                </c:pt>
+                <c:pt idx="47">
+                  <c:v>0.94000000000000006</c:v>
+                </c:pt>
+                <c:pt idx="48">
+                  <c:v>0.96</c:v>
+                </c:pt>
+                <c:pt idx="49">
+                  <c:v>0.98</c:v>
+                </c:pt>
+                <c:pt idx="50">
+                  <c:v>1</c:v>
+                </c:pt>
+                <c:pt idx="51">
+                  <c:v>1.02</c:v>
+                </c:pt>
+                <c:pt idx="52">
+                  <c:v>1.04</c:v>
+                </c:pt>
+                <c:pt idx="53">
+                  <c:v>1.06</c:v>
+                </c:pt>
+                <c:pt idx="54">
+                  <c:v>1.08</c:v>
+                </c:pt>
+                <c:pt idx="55">
+                  <c:v>1.1000000000000001</c:v>
+                </c:pt>
+                <c:pt idx="56">
+                  <c:v>1.1200000000000001</c:v>
+                </c:pt>
+                <c:pt idx="57">
+                  <c:v>1.1400000000000001</c:v>
+                </c:pt>
+                <c:pt idx="58">
+                  <c:v>1.1599999999999999</c:v>
+                </c:pt>
+                <c:pt idx="59">
+                  <c:v>1.18</c:v>
+                </c:pt>
+                <c:pt idx="60">
+                  <c:v>1.2</c:v>
+                </c:pt>
+                <c:pt idx="61">
+                  <c:v>1.22</c:v>
+                </c:pt>
+                <c:pt idx="62">
+                  <c:v>1.24</c:v>
+                </c:pt>
+                <c:pt idx="63">
+                  <c:v>1.26</c:v>
+                </c:pt>
+                <c:pt idx="64">
+                  <c:v>1.28</c:v>
+                </c:pt>
+                <c:pt idx="65">
+                  <c:v>1.3</c:v>
+                </c:pt>
+                <c:pt idx="66">
+                  <c:v>1.32</c:v>
+                </c:pt>
+                <c:pt idx="67">
+                  <c:v>1.34</c:v>
+                </c:pt>
+                <c:pt idx="68">
+                  <c:v>1.36</c:v>
+                </c:pt>
+                <c:pt idx="69">
+                  <c:v>1.3800000000000001</c:v>
+                </c:pt>
+                <c:pt idx="70">
+                  <c:v>1.4000000000000001</c:v>
+                </c:pt>
+                <c:pt idx="71">
+                  <c:v>1.42</c:v>
+                </c:pt>
+                <c:pt idx="72">
+                  <c:v>1.44</c:v>
+                </c:pt>
+                <c:pt idx="73">
+                  <c:v>1.46</c:v>
+                </c:pt>
+                <c:pt idx="74">
+                  <c:v>1.48</c:v>
+                </c:pt>
+                <c:pt idx="75">
+                  <c:v>1.5</c:v>
+                </c:pt>
+                <c:pt idx="76">
+                  <c:v>1.52</c:v>
+                </c:pt>
+                <c:pt idx="77">
+                  <c:v>1.54</c:v>
+                </c:pt>
+                <c:pt idx="78">
+                  <c:v>1.56</c:v>
+                </c:pt>
+                <c:pt idx="79">
+                  <c:v>1.58</c:v>
+                </c:pt>
+                <c:pt idx="80">
+                  <c:v>1.6</c:v>
+                </c:pt>
+                <c:pt idx="81">
+                  <c:v>1.62</c:v>
+                </c:pt>
+                <c:pt idx="82">
+                  <c:v>1.6400000000000001</c:v>
+                </c:pt>
+                <c:pt idx="83">
+                  <c:v>1.6600000000000001</c:v>
+                </c:pt>
+                <c:pt idx="84">
+                  <c:v>1.68</c:v>
+                </c:pt>
+                <c:pt idx="85">
+                  <c:v>1.7</c:v>
+                </c:pt>
+                <c:pt idx="86">
+                  <c:v>1.72</c:v>
+                </c:pt>
+                <c:pt idx="87">
+                  <c:v>1.74</c:v>
+                </c:pt>
+                <c:pt idx="88">
+                  <c:v>1.76</c:v>
+                </c:pt>
+                <c:pt idx="89">
+                  <c:v>1.78</c:v>
+                </c:pt>
+                <c:pt idx="90">
+                  <c:v>1.8</c:v>
+                </c:pt>
+                <c:pt idx="91">
+                  <c:v>1.82</c:v>
+                </c:pt>
+                <c:pt idx="92">
+                  <c:v>1.84</c:v>
+                </c:pt>
+                <c:pt idx="93">
+                  <c:v>1.86</c:v>
+                </c:pt>
+                <c:pt idx="94">
+                  <c:v>1.8800000000000001</c:v>
+                </c:pt>
+                <c:pt idx="95">
+                  <c:v>1.9000000000000001</c:v>
+                </c:pt>
+                <c:pt idx="96">
+                  <c:v>1.92</c:v>
+                </c:pt>
+                <c:pt idx="97">
+                  <c:v>1.94</c:v>
+                </c:pt>
+                <c:pt idx="98">
+                  <c:v>1.96</c:v>
+                </c:pt>
+                <c:pt idx="99">
+                  <c:v>1.98</c:v>
+                </c:pt>
+                <c:pt idx="100">
+                  <c:v>2</c:v>
+                </c:pt>
+                <c:pt idx="101">
+                  <c:v>2.02</c:v>
+                </c:pt>
+                <c:pt idx="102">
+                  <c:v>2.04</c:v>
+                </c:pt>
+                <c:pt idx="103">
+                  <c:v>2.06</c:v>
+                </c:pt>
+                <c:pt idx="104">
+                  <c:v>2.08</c:v>
+                </c:pt>
+                <c:pt idx="105">
+                  <c:v>2.1</c:v>
+                </c:pt>
+                <c:pt idx="106">
+                  <c:v>2.12</c:v>
+                </c:pt>
+                <c:pt idx="107">
+                  <c:v>2.14</c:v>
+                </c:pt>
+                <c:pt idx="108">
+                  <c:v>2.16</c:v>
+                </c:pt>
+                <c:pt idx="109">
+                  <c:v>2.1800000000000002</c:v>
+                </c:pt>
+                <c:pt idx="110">
+                  <c:v>2.2000000000000002</c:v>
+                </c:pt>
+                <c:pt idx="111">
+                  <c:v>2.2200000000000002</c:v>
+                </c:pt>
+                <c:pt idx="112">
+                  <c:v>2.2400000000000002</c:v>
+                </c:pt>
+                <c:pt idx="113">
+                  <c:v>2.2600000000000002</c:v>
+                </c:pt>
+                <c:pt idx="114">
+                  <c:v>2.2800000000000002</c:v>
+                </c:pt>
+                <c:pt idx="115">
+                  <c:v>2.3000000000000003</c:v>
+                </c:pt>
+                <c:pt idx="116">
+                  <c:v>2.3199999999999998</c:v>
+                </c:pt>
+                <c:pt idx="117">
+                  <c:v>2.34</c:v>
+                </c:pt>
+                <c:pt idx="118">
+                  <c:v>2.36</c:v>
+                </c:pt>
+                <c:pt idx="119">
+                  <c:v>2.38</c:v>
+                </c:pt>
+                <c:pt idx="120">
+                  <c:v>2.4</c:v>
+                </c:pt>
+                <c:pt idx="121">
+                  <c:v>2.42</c:v>
+                </c:pt>
+                <c:pt idx="122">
+                  <c:v>2.44</c:v>
+                </c:pt>
+                <c:pt idx="123">
+                  <c:v>2.46</c:v>
+                </c:pt>
+                <c:pt idx="124">
+                  <c:v>2.48</c:v>
+                </c:pt>
+                <c:pt idx="125">
+                  <c:v>2.5</c:v>
+                </c:pt>
+                <c:pt idx="126">
+                  <c:v>2.52</c:v>
+                </c:pt>
+                <c:pt idx="127">
+                  <c:v>2.54</c:v>
+                </c:pt>
+                <c:pt idx="128">
+                  <c:v>2.56</c:v>
+                </c:pt>
+                <c:pt idx="129">
+                  <c:v>2.58</c:v>
+                </c:pt>
+                <c:pt idx="130">
+                  <c:v>2.6</c:v>
+                </c:pt>
+                <c:pt idx="131">
+                  <c:v>2.62</c:v>
+                </c:pt>
+                <c:pt idx="132">
+                  <c:v>2.64</c:v>
+                </c:pt>
+                <c:pt idx="133">
+                  <c:v>2.66</c:v>
+                </c:pt>
+                <c:pt idx="134">
+                  <c:v>2.68</c:v>
+                </c:pt>
+                <c:pt idx="135">
+                  <c:v>2.7</c:v>
+                </c:pt>
+                <c:pt idx="136">
+                  <c:v>2.72</c:v>
+                </c:pt>
+                <c:pt idx="137">
+                  <c:v>2.74</c:v>
+                </c:pt>
+                <c:pt idx="138">
+                  <c:v>2.7600000000000002</c:v>
+                </c:pt>
+                <c:pt idx="139">
+                  <c:v>2.7800000000000002</c:v>
+                </c:pt>
+                <c:pt idx="140">
+                  <c:v>2.8000000000000003</c:v>
+                </c:pt>
+                <c:pt idx="141">
+                  <c:v>2.82</c:v>
+                </c:pt>
+                <c:pt idx="142">
+                  <c:v>2.84</c:v>
+                </c:pt>
+                <c:pt idx="143">
+                  <c:v>2.86</c:v>
+                </c:pt>
+                <c:pt idx="144">
+                  <c:v>2.88</c:v>
+                </c:pt>
+                <c:pt idx="145">
+                  <c:v>2.9</c:v>
+                </c:pt>
+                <c:pt idx="146">
+                  <c:v>2.92</c:v>
+                </c:pt>
+                <c:pt idx="147">
+                  <c:v>2.94</c:v>
+                </c:pt>
+                <c:pt idx="148">
+                  <c:v>2.96</c:v>
+                </c:pt>
+                <c:pt idx="149">
+                  <c:v>2.98</c:v>
+                </c:pt>
+                <c:pt idx="150">
+                  <c:v>3</c:v>
+                </c:pt>
+              </c:numCache>
+            </c:numRef>
+          </c:cat>
+          <c:val>
+            <c:numRef>
+              <c:f>Sheet1!$C$2:$C$181</c:f>
+              <c:numCache>
+                <c:formatCode>General</c:formatCode>
+                <c:ptCount val="180"/>
+                <c:pt idx="0">
+                  <c:v>0</c:v>
+                </c:pt>
+                <c:pt idx="1">
+                  <c:v>0.12533323356430426</c:v>
+                </c:pt>
+                <c:pt idx="2">
+                  <c:v>0.24868988716485479</c:v>
+                </c:pt>
+                <c:pt idx="3">
+                  <c:v>0.36812455268467792</c:v>
+                </c:pt>
+                <c:pt idx="4">
+                  <c:v>0.48175367410171532</c:v>
+                </c:pt>
+                <c:pt idx="5">
+                  <c:v>0.58778525229247314</c:v>
+                </c:pt>
+                <c:pt idx="6">
+                  <c:v>0.68454710592868862</c:v>
+                </c:pt>
+                <c:pt idx="7">
+                  <c:v>0.77051324277578925</c:v>
+                </c:pt>
+                <c:pt idx="8">
+                  <c:v>0.84432792550201508</c:v>
+                </c:pt>
+                <c:pt idx="9">
+                  <c:v>0.90482705246601958</c:v>
+                </c:pt>
+                <c:pt idx="10">
+                  <c:v>0.95105651629515353</c:v>
+                </c:pt>
+                <c:pt idx="11">
+                  <c:v>0.98228725072868861</c:v>
+                </c:pt>
+                <c:pt idx="12">
+                  <c:v>0.99802672842827156</c:v>
+                </c:pt>
+                <c:pt idx="13">
+                  <c:v>0.99802672842827156</c:v>
+                </c:pt>
+                <c:pt idx="14">
+                  <c:v>0.98228725072868861</c:v>
+                </c:pt>
+                <c:pt idx="15">
+                  <c:v>0.95105651629515364</c:v>
+                </c:pt>
+                <c:pt idx="16">
+                  <c:v>0.90482705246601947</c:v>
+                </c:pt>
+                <c:pt idx="17">
+                  <c:v>0.84432792550201496</c:v>
+                </c:pt>
+                <c:pt idx="18">
+                  <c:v>0.77051324277578925</c:v>
+                </c:pt>
+                <c:pt idx="19">
+                  <c:v>0.68454710592868884</c:v>
+                </c:pt>
+                <c:pt idx="20">
+                  <c:v>0.58778525229247325</c:v>
+                </c:pt>
+                <c:pt idx="21">
+                  <c:v>0.4817536741017156</c:v>
+                </c:pt>
+                <c:pt idx="22">
+                  <c:v>0.36812455268467814</c:v>
+                </c:pt>
+                <c:pt idx="23">
+                  <c:v>0.24868988716485482</c:v>
+                </c:pt>
+                <c:pt idx="24">
+                  <c:v>0.12533323356430454</c:v>
+                </c:pt>
+                <c:pt idx="25">
+                  <c:v>1.22514845490862E-16</c:v>
+                </c:pt>
+                <c:pt idx="26">
+                  <c:v>-0.12533323356430429</c:v>
+                </c:pt>
+                <c:pt idx="27">
+                  <c:v>-0.24868988716485502</c:v>
+                </c:pt>
+                <c:pt idx="28">
+                  <c:v>-0.36812455268467831</c:v>
+                </c:pt>
+                <c:pt idx="29">
+                  <c:v>-0.48175367410171499</c:v>
+                </c:pt>
+                <c:pt idx="30">
+                  <c:v>-0.58778525229247303</c:v>
+                </c:pt>
+                <c:pt idx="31">
+                  <c:v>-0.68454710592868873</c:v>
+                </c:pt>
+                <c:pt idx="32">
+                  <c:v>-0.77051324277578936</c:v>
+                </c:pt>
+                <c:pt idx="33">
+                  <c:v>-0.8443279255020153</c:v>
+                </c:pt>
+                <c:pt idx="34">
+                  <c:v>-0.9048270524660198</c:v>
+                </c:pt>
+                <c:pt idx="35">
+                  <c:v>-0.95105651629515353</c:v>
+                </c:pt>
+                <c:pt idx="36">
+                  <c:v>-0.98228725072868872</c:v>
+                </c:pt>
+                <c:pt idx="37">
+                  <c:v>-0.99802672842827156</c:v>
+                </c:pt>
+                <c:pt idx="38">
+                  <c:v>-0.99802672842827156</c:v>
+                </c:pt>
+                <c:pt idx="39">
+                  <c:v>-0.98228725072868872</c:v>
+                </c:pt>
+                <c:pt idx="40">
+                  <c:v>-0.95105651629515364</c:v>
+                </c:pt>
+                <c:pt idx="41">
+                  <c:v>-0.90482705246601958</c:v>
+                </c:pt>
+                <c:pt idx="42">
+                  <c:v>-0.84432792550201552</c:v>
+                </c:pt>
+                <c:pt idx="43">
+                  <c:v>-0.77051324277578959</c:v>
+                </c:pt>
+                <c:pt idx="44">
+                  <c:v>-0.68454710592868895</c:v>
+                </c:pt>
+                <c:pt idx="45">
+                  <c:v>-0.58778525229247336</c:v>
+                </c:pt>
+                <c:pt idx="46">
+                  <c:v>-0.48175367410171532</c:v>
+                </c:pt>
+                <c:pt idx="47">
+                  <c:v>-0.36812455268467786</c:v>
+                </c:pt>
+                <c:pt idx="48">
+                  <c:v>-0.24868988716485535</c:v>
+                </c:pt>
+                <c:pt idx="49">
+                  <c:v>-0.12533323356430465</c:v>
+                </c:pt>
+                <c:pt idx="50">
+                  <c:v>0</c:v>
+                </c:pt>
+                <c:pt idx="51">
+                  <c:v>0.12533323356430437</c:v>
+                </c:pt>
+                <c:pt idx="52">
+                  <c:v>0.24868988716485502</c:v>
+                </c:pt>
+                <c:pt idx="53">
+                  <c:v>0.36812455268467825</c:v>
+                </c:pt>
+                <c:pt idx="54">
+                  <c:v>0.48175367410171571</c:v>
+                </c:pt>
+                <c:pt idx="55">
+                  <c:v>0.58778525229247358</c:v>
+                </c:pt>
+                <c:pt idx="56">
+                  <c:v>0.68454710592868906</c:v>
+                </c:pt>
+                <c:pt idx="57">
+                  <c:v>0.7705132427757897</c:v>
+                </c:pt>
+                <c:pt idx="58">
+                  <c:v>0.84432792550201474</c:v>
+                </c:pt>
+                <c:pt idx="59">
+                  <c:v>0.90482705246601935</c:v>
+                </c:pt>
+                <c:pt idx="60">
+                  <c:v>0.95105651629515353</c:v>
+                </c:pt>
+                <c:pt idx="61">
+                  <c:v>0.98228725072868861</c:v>
+                </c:pt>
+                <c:pt idx="62">
+                  <c:v>0.99802672842827156</c:v>
+                </c:pt>
+                <c:pt idx="63">
+                  <c:v>0.99802672842827156</c:v>
+                </c:pt>
+                <c:pt idx="64">
+                  <c:v>0.98228725072868861</c:v>
+                </c:pt>
+                <c:pt idx="65">
+                  <c:v>0.95105651629515353</c:v>
+                </c:pt>
+                <c:pt idx="66">
+                  <c:v>0.90482705246601947</c:v>
+                </c:pt>
+                <c:pt idx="67">
+                  <c:v>0.84432792550201496</c:v>
+                </c:pt>
+                <c:pt idx="68">
+                  <c:v>0.77051324277578892</c:v>
+                </c:pt>
+                <c:pt idx="69">
+                  <c:v>0.68454710592868817</c:v>
+                </c:pt>
+                <c:pt idx="70">
+                  <c:v>0.58778525229247247</c:v>
+                </c:pt>
+                <c:pt idx="71">
+                  <c:v>0.4817536741017156</c:v>
+                </c:pt>
+                <c:pt idx="72">
+                  <c:v>0.36812455268467853</c:v>
+                </c:pt>
+                <c:pt idx="73">
+                  <c:v>0.24868988716485524</c:v>
+                </c:pt>
+                <c:pt idx="74">
+                  <c:v>0.12533323356430454</c:v>
+                </c:pt>
+                <c:pt idx="75">
+                  <c:v>1.22514845490862E-16</c:v>
+                </c:pt>
+                <c:pt idx="76">
+                  <c:v>-0.12533323356430429</c:v>
+                </c:pt>
+                <c:pt idx="77">
+                  <c:v>-0.24868988716485502</c:v>
+                </c:pt>
+                <c:pt idx="78">
+                  <c:v>-0.36812455268467831</c:v>
+                </c:pt>
+                <c:pt idx="79">
+                  <c:v>-0.48175367410171538</c:v>
+                </c:pt>
+                <c:pt idx="80">
+                  <c:v>-0.58778525229247336</c:v>
+                </c:pt>
+                <c:pt idx="81">
+                  <c:v>-0.68454710592868906</c:v>
+                </c:pt>
+                <c:pt idx="82">
+                  <c:v>-0.77051324277578936</c:v>
+                </c:pt>
+                <c:pt idx="83">
+                  <c:v>-0.8443279255020153</c:v>
+                </c:pt>
+                <c:pt idx="84">
+                  <c:v>-0.90482705246601935</c:v>
+                </c:pt>
+                <c:pt idx="85">
+                  <c:v>-0.95105651629515353</c:v>
+                </c:pt>
+                <c:pt idx="86">
+                  <c:v>-0.98228725072868872</c:v>
+                </c:pt>
+                <c:pt idx="87">
+                  <c:v>-0.99802672842827156</c:v>
+                </c:pt>
+                <c:pt idx="88">
+                  <c:v>-0.99802672842827156</c:v>
+                </c:pt>
+                <c:pt idx="89">
+                  <c:v>-0.98228725072868872</c:v>
+                </c:pt>
+                <c:pt idx="90">
+                  <c:v>-0.95105651629515364</c:v>
+                </c:pt>
+                <c:pt idx="91">
+                  <c:v>-0.90482705246601958</c:v>
+                </c:pt>
+                <c:pt idx="92">
+                  <c:v>-0.84432792550201496</c:v>
+                </c:pt>
+                <c:pt idx="93">
+                  <c:v>-0.77051324277578903</c:v>
+                </c:pt>
+                <c:pt idx="94">
+                  <c:v>-0.68454710592868828</c:v>
+                </c:pt>
+                <c:pt idx="95">
+                  <c:v>-0.58778525229247258</c:v>
+                </c:pt>
+                <c:pt idx="96">
+                  <c:v>-0.4817536741017161</c:v>
+                </c:pt>
+                <c:pt idx="97">
+                  <c:v>-0.3681245526846787</c:v>
+                </c:pt>
+                <c:pt idx="98">
+                  <c:v>-0.24868988716485535</c:v>
+                </c:pt>
+                <c:pt idx="99">
+                  <c:v>-0.12533323356430465</c:v>
+                </c:pt>
+                <c:pt idx="100">
+                  <c:v>0</c:v>
+                </c:pt>
+                <c:pt idx="101">
+                  <c:v>0.12533323356430437</c:v>
+                </c:pt>
+                <c:pt idx="102">
+                  <c:v>0.24868988716485502</c:v>
+                </c:pt>
+                <c:pt idx="103">
+                  <c:v>0.36812455268467825</c:v>
+                </c:pt>
+                <c:pt idx="104">
+                  <c:v>0.48175367410171571</c:v>
+                </c:pt>
+                <c:pt idx="105">
+                  <c:v>0.58778525229247358</c:v>
+                </c:pt>
+                <c:pt idx="106">
+                  <c:v>0.68454710592868906</c:v>
+                </c:pt>
+                <c:pt idx="107">
+                  <c:v>0.7705132427757897</c:v>
+                </c:pt>
+                <c:pt idx="108">
+                  <c:v>0.84432792550201563</c:v>
+                </c:pt>
+                <c:pt idx="109">
+                  <c:v>0.90482705246601991</c:v>
+                </c:pt>
+                <c:pt idx="110">
+                  <c:v>0.95105651629515386</c:v>
+                </c:pt>
+                <c:pt idx="111">
+                  <c:v>0.98228725072868894</c:v>
+                </c:pt>
+                <c:pt idx="112">
+                  <c:v>0.99802672842827167</c:v>
+                </c:pt>
+                <c:pt idx="113">
+                  <c:v>0.99802672842827145</c:v>
+                </c:pt>
+                <c:pt idx="114">
+                  <c:v>0.98228725072868839</c:v>
+                </c:pt>
+                <c:pt idx="115">
+                  <c:v>0.95105651629515309</c:v>
+                </c:pt>
+                <c:pt idx="116">
+                  <c:v>0.90482705246602002</c:v>
+                </c:pt>
+                <c:pt idx="117">
+                  <c:v>0.84432792550201563</c:v>
+                </c:pt>
+                <c:pt idx="118">
+                  <c:v>0.77051324277578981</c:v>
+                </c:pt>
+                <c:pt idx="119">
+                  <c:v>0.68454710592868917</c:v>
+                </c:pt>
+                <c:pt idx="120">
+                  <c:v>0.58778525229247358</c:v>
+                </c:pt>
+                <c:pt idx="121">
+                  <c:v>0.4817536741017156</c:v>
+                </c:pt>
+                <c:pt idx="122">
+                  <c:v>0.36812455268467853</c:v>
+                </c:pt>
+                <c:pt idx="123">
+                  <c:v>0.24868988716485524</c:v>
+                </c:pt>
+                <c:pt idx="124">
+                  <c:v>0.12533323356430454</c:v>
+                </c:pt>
+                <c:pt idx="125">
+                  <c:v>1.22514845490862E-16</c:v>
+                </c:pt>
+                <c:pt idx="126">
+                  <c:v>-0.12533323356430429</c:v>
+                </c:pt>
+                <c:pt idx="127">
+                  <c:v>-0.24868988716485502</c:v>
+                </c:pt>
+                <c:pt idx="128">
+                  <c:v>-0.36812455268467831</c:v>
+                </c:pt>
+                <c:pt idx="129">
+                  <c:v>-0.48175367410171538</c:v>
+                </c:pt>
+                <c:pt idx="130">
+                  <c:v>-0.58778525229247336</c:v>
+                </c:pt>
+                <c:pt idx="131">
+                  <c:v>-0.68454710592868906</c:v>
+                </c:pt>
+                <c:pt idx="132">
+                  <c:v>-0.77051324277578936</c:v>
+                </c:pt>
+                <c:pt idx="133">
+                  <c:v>-0.8443279255020153</c:v>
+                </c:pt>
+                <c:pt idx="134">
+                  <c:v>-0.9048270524660198</c:v>
+                </c:pt>
+                <c:pt idx="135">
+                  <c:v>-0.95105651629515375</c:v>
+                </c:pt>
+                <c:pt idx="136">
+                  <c:v>-0.98228725072868883</c:v>
+                </c:pt>
+                <c:pt idx="137">
+                  <c:v>-0.99802672842827167</c:v>
+                </c:pt>
+                <c:pt idx="138">
+                  <c:v>-0.99802672842827145</c:v>
+                </c:pt>
+                <c:pt idx="139">
+                  <c:v>-0.98228725072868839</c:v>
+                </c:pt>
+                <c:pt idx="140">
+                  <c:v>-0.95105651629515309</c:v>
+                </c:pt>
+                <c:pt idx="141">
+                  <c:v>-0.90482705246601991</c:v>
+                </c:pt>
+                <c:pt idx="142">
+                  <c:v>-0.84432792550201552</c:v>
+                </c:pt>
+                <c:pt idx="143">
+                  <c:v>-0.77051324277578959</c:v>
+                </c:pt>
+                <c:pt idx="144">
+                  <c:v>-0.68454710592868961</c:v>
+                </c:pt>
+                <c:pt idx="145">
+                  <c:v>-0.58778525229247403</c:v>
+                </c:pt>
+                <c:pt idx="146">
+                  <c:v>-0.4817536741017161</c:v>
+                </c:pt>
+                <c:pt idx="147">
+                  <c:v>-0.3681245526846787</c:v>
+                </c:pt>
+                <c:pt idx="148">
+                  <c:v>-0.24868988716485535</c:v>
+                </c:pt>
+                <c:pt idx="149">
+                  <c:v>-0.12533323356430465</c:v>
+                </c:pt>
+                <c:pt idx="150">
+                  <c:v>0</c:v>
+                </c:pt>
+              </c:numCache>
+            </c:numRef>
+          </c:val>
+          <c:smooth val="0"/>
+          <c:extLst>
+            <c:ext xmlns:c16="http://schemas.microsoft.com/office/drawing/2014/chart" uri="{C3380CC4-5D6E-409C-BE32-E72D297353CC}">
+              <c16:uniqueId val="{00000000-06FB-40F5-95CF-06C8C8672278}"/>
+            </c:ext>
+          </c:extLst>
+        </c:ser>
+        <c:dLbls>
+          <c:showLegendKey val="0"/>
+          <c:showVal val="0"/>
+          <c:showCatName val="0"/>
+          <c:showSerName val="0"/>
+          <c:showPercent val="0"/>
+          <c:showBubbleSize val="0"/>
+        </c:dLbls>
+        <c:smooth val="0"/>
+        <c:axId val="1189388047"/>
+        <c:axId val="1178337839"/>
+      </c:lineChart>
+      <c:catAx>
+        <c:axId val="1189388047"/>
+        <c:scaling>
+          <c:orientation val="minMax"/>
+        </c:scaling>
+        <c:delete val="1"/>
+        <c:axPos val="b"/>
+        <c:numFmt formatCode="General" sourceLinked="1"/>
+        <c:majorTickMark val="none"/>
+        <c:minorTickMark val="none"/>
+        <c:tickLblPos val="nextTo"/>
+        <c:crossAx val="1178337839"/>
+        <c:crosses val="autoZero"/>
+        <c:auto val="1"/>
+        <c:lblAlgn val="ctr"/>
+        <c:lblOffset val="100"/>
+        <c:tickLblSkip val="25"/>
+        <c:tickMarkSkip val="5"/>
+        <c:noMultiLvlLbl val="0"/>
+      </c:catAx>
+      <c:valAx>
+        <c:axId val="1178337839"/>
+        <c:scaling>
+          <c:orientation val="minMax"/>
+          <c:max val="1"/>
+          <c:min val="-1"/>
+        </c:scaling>
+        <c:delete val="0"/>
+        <c:axPos val="l"/>
+        <c:majorGridlines>
+          <c:spPr>
+            <a:ln w="9525" cap="flat" cmpd="sng" algn="ctr">
+              <a:solidFill>
+                <a:schemeClr val="tx1">
+                  <a:lumMod val="15000"/>
+                  <a:lumOff val="85000"/>
+                </a:schemeClr>
+              </a:solidFill>
+              <a:round/>
+            </a:ln>
+            <a:effectLst/>
+          </c:spPr>
+        </c:majorGridlines>
+        <c:numFmt formatCode="General" sourceLinked="1"/>
+        <c:majorTickMark val="none"/>
+        <c:minorTickMark val="none"/>
+        <c:tickLblPos val="nextTo"/>
+        <c:spPr>
+          <a:noFill/>
+          <a:ln>
+            <a:noFill/>
+          </a:ln>
+          <a:effectLst/>
+        </c:spPr>
+        <c:txPr>
+          <a:bodyPr rot="-60000000" spcFirstLastPara="1" vertOverflow="ellipsis" vert="horz" wrap="square" anchor="ctr" anchorCtr="1"/>
+          <a:lstStyle/>
+          <a:p>
+            <a:pPr>
+              <a:defRPr sz="900" b="0" i="0" u="none" strike="noStrike" kern="1200" baseline="0">
+                <a:solidFill>
+                  <a:schemeClr val="tx1">
+                    <a:lumMod val="65000"/>
+                    <a:lumOff val="35000"/>
+                  </a:schemeClr>
+                </a:solidFill>
+                <a:latin typeface="+mn-lt"/>
+                <a:ea typeface="+mn-ea"/>
+                <a:cs typeface="+mn-cs"/>
+              </a:defRPr>
+            </a:pPr>
+            <a:endParaRPr lang="en-US"/>
+          </a:p>
+        </c:txPr>
+        <c:crossAx val="1189388047"/>
+        <c:crosses val="autoZero"/>
+        <c:crossBetween val="between"/>
+        <c:majorUnit val="1"/>
+      </c:valAx>
+      <c:spPr>
+        <a:noFill/>
+        <a:ln>
+          <a:noFill/>
+        </a:ln>
+        <a:effectLst/>
+      </c:spPr>
+    </c:plotArea>
+    <c:plotVisOnly val="1"/>
+    <c:dispBlanksAs val="gap"/>
+    <c:showDLblsOverMax val="0"/>
+  </c:chart>
+  <c:spPr>
+    <a:noFill/>
+    <a:ln>
+      <a:noFill/>
+    </a:ln>
+    <a:effectLst/>
+  </c:spPr>
+  <c:txPr>
+    <a:bodyPr/>
+    <a:lstStyle/>
+    <a:p>
+      <a:pPr>
+        <a:defRPr/>
+      </a:pPr>
+      <a:endParaRPr lang="en-US"/>
+    </a:p>
+  </c:txPr>
+  <c:externalData r:id="rId3">
+    <c:autoUpdate val="0"/>
+  </c:externalData>
+</c:chartSpace>
+</file>
+
+<file path=ppt/charts/colors1.xml><?xml version="1.0" encoding="utf-8"?>
+<cs:colorStyle xmlns:cs="http://schemas.microsoft.com/office/drawing/2012/chartStyle" xmlns:a="http://schemas.openxmlformats.org/drawingml/2006/main" meth="cycle" id="10">
+  <a:schemeClr val="accent1"/>
+  <a:schemeClr val="accent2"/>
+  <a:schemeClr val="accent3"/>
+  <a:schemeClr val="accent4"/>
+  <a:schemeClr val="accent5"/>
+  <a:schemeClr val="accent6"/>
+  <cs:variation/>
+  <cs:variation>
+    <a:lumMod val="60000"/>
+  </cs:variation>
+  <cs:variation>
+    <a:lumMod val="80000"/>
+    <a:lumOff val="20000"/>
+  </cs:variation>
+  <cs:variation>
+    <a:lumMod val="80000"/>
+  </cs:variation>
+  <cs:variation>
+    <a:lumMod val="60000"/>
+    <a:lumOff val="40000"/>
+  </cs:variation>
+  <cs:variation>
+    <a:lumMod val="50000"/>
+  </cs:variation>
+  <cs:variation>
+    <a:lumMod val="70000"/>
+    <a:lumOff val="30000"/>
+  </cs:variation>
+  <cs:variation>
+    <a:lumMod val="70000"/>
+  </cs:variation>
+  <cs:variation>
+    <a:lumMod val="50000"/>
+    <a:lumOff val="50000"/>
+  </cs:variation>
+</cs:colorStyle>
+</file>
+
+<file path=ppt/charts/colors2.xml><?xml version="1.0" encoding="utf-8"?>
+<cs:colorStyle xmlns:cs="http://schemas.microsoft.com/office/drawing/2012/chartStyle" xmlns:a="http://schemas.openxmlformats.org/drawingml/2006/main" meth="cycle" id="10">
+  <a:schemeClr val="accent1"/>
+  <a:schemeClr val="accent2"/>
+  <a:schemeClr val="accent3"/>
+  <a:schemeClr val="accent4"/>
+  <a:schemeClr val="accent5"/>
+  <a:schemeClr val="accent6"/>
+  <cs:variation/>
+  <cs:variation>
+    <a:lumMod val="60000"/>
+  </cs:variation>
+  <cs:variation>
+    <a:lumMod val="80000"/>
+    <a:lumOff val="20000"/>
+  </cs:variation>
+  <cs:variation>
+    <a:lumMod val="80000"/>
+  </cs:variation>
+  <cs:variation>
+    <a:lumMod val="60000"/>
+    <a:lumOff val="40000"/>
+  </cs:variation>
+  <cs:variation>
+    <a:lumMod val="50000"/>
+  </cs:variation>
+  <cs:variation>
+    <a:lumMod val="70000"/>
+    <a:lumOff val="30000"/>
+  </cs:variation>
+  <cs:variation>
+    <a:lumMod val="70000"/>
+  </cs:variation>
+  <cs:variation>
+    <a:lumMod val="50000"/>
+    <a:lumOff val="50000"/>
+  </cs:variation>
+</cs:colorStyle>
+</file>
+
+<file path=ppt/charts/colors3.xml><?xml version="1.0" encoding="utf-8"?>
+<cs:colorStyle xmlns:cs="http://schemas.microsoft.com/office/drawing/2012/chartStyle" xmlns:a="http://schemas.openxmlformats.org/drawingml/2006/main" meth="cycle" id="10">
+  <a:schemeClr val="accent1"/>
+  <a:schemeClr val="accent2"/>
+  <a:schemeClr val="accent3"/>
+  <a:schemeClr val="accent4"/>
+  <a:schemeClr val="accent5"/>
+  <a:schemeClr val="accent6"/>
+  <cs:variation/>
+  <cs:variation>
+    <a:lumMod val="60000"/>
+  </cs:variation>
+  <cs:variation>
+    <a:lumMod val="80000"/>
+    <a:lumOff val="20000"/>
+  </cs:variation>
+  <cs:variation>
+    <a:lumMod val="80000"/>
+  </cs:variation>
+  <cs:variation>
+    <a:lumMod val="60000"/>
+    <a:lumOff val="40000"/>
+  </cs:variation>
+  <cs:variation>
+    <a:lumMod val="50000"/>
+  </cs:variation>
+  <cs:variation>
+    <a:lumMod val="70000"/>
+    <a:lumOff val="30000"/>
+  </cs:variation>
+  <cs:variation>
+    <a:lumMod val="70000"/>
+  </cs:variation>
+  <cs:variation>
+    <a:lumMod val="50000"/>
+    <a:lumOff val="50000"/>
+  </cs:variation>
+</cs:colorStyle>
+</file>
+
+<file path=ppt/charts/colors4.xml><?xml version="1.0" encoding="utf-8"?>
+<cs:colorStyle xmlns:cs="http://schemas.microsoft.com/office/drawing/2012/chartStyle" xmlns:a="http://schemas.openxmlformats.org/drawingml/2006/main" meth="cycle" id="10">
+  <a:schemeClr val="accent1"/>
+  <a:schemeClr val="accent2"/>
+  <a:schemeClr val="accent3"/>
+  <a:schemeClr val="accent4"/>
+  <a:schemeClr val="accent5"/>
+  <a:schemeClr val="accent6"/>
+  <cs:variation/>
+  <cs:variation>
+    <a:lumMod val="60000"/>
+  </cs:variation>
+  <cs:variation>
+    <a:lumMod val="80000"/>
+    <a:lumOff val="20000"/>
+  </cs:variation>
+  <cs:variation>
+    <a:lumMod val="80000"/>
+  </cs:variation>
+  <cs:variation>
+    <a:lumMod val="60000"/>
+    <a:lumOff val="40000"/>
+  </cs:variation>
+  <cs:variation>
+    <a:lumMod val="50000"/>
+  </cs:variation>
+  <cs:variation>
+    <a:lumMod val="70000"/>
+    <a:lumOff val="30000"/>
+  </cs:variation>
+  <cs:variation>
+    <a:lumMod val="70000"/>
+  </cs:variation>
+  <cs:variation>
+    <a:lumMod val="50000"/>
+    <a:lumOff val="50000"/>
+  </cs:variation>
+</cs:colorStyle>
+</file>
+
+<file path=ppt/charts/style1.xml><?xml version="1.0" encoding="utf-8"?>
+<cs:chartStyle xmlns:cs="http://schemas.microsoft.com/office/drawing/2012/chartStyle" xmlns:a="http://schemas.openxmlformats.org/drawingml/2006/main" id="227">
+  <cs:axisTitle>
+    <cs:lnRef idx="0"/>
+    <cs:fillRef idx="0"/>
+    <cs:effectRef idx="0"/>
+    <cs:fontRef idx="minor">
+      <a:schemeClr val="tx1">
+        <a:lumMod val="65000"/>
+        <a:lumOff val="35000"/>
+      </a:schemeClr>
+    </cs:fontRef>
+    <cs:defRPr sz="1000" kern="1200"/>
+  </cs:axisTitle>
+  <cs:categoryAxis>
+    <cs:lnRef idx="0"/>
+    <cs:fillRef idx="0"/>
+    <cs:effectRef idx="0"/>
+    <cs:fontRef idx="minor">
+      <a:schemeClr val="tx1">
+        <a:lumMod val="65000"/>
+        <a:lumOff val="35000"/>
+      </a:schemeClr>
+    </cs:fontRef>
+    <cs:spPr>
+      <a:ln w="9525" cap="flat" cmpd="sng" algn="ctr">
+        <a:solidFill>
+          <a:schemeClr val="tx1">
+            <a:lumMod val="15000"/>
+            <a:lumOff val="85000"/>
+          </a:schemeClr>
+        </a:solidFill>
+        <a:round/>
+      </a:ln>
+    </cs:spPr>
+    <cs:defRPr sz="900" kern="1200"/>
+  </cs:categoryAxis>
+  <cs:chartArea mods="allowNoFillOverride allowNoLineOverride">
+    <cs:lnRef idx="0"/>
+    <cs:fillRef idx="0"/>
+    <cs:effectRef idx="0"/>
+    <cs:fontRef idx="minor">
+      <a:schemeClr val="tx1"/>
+    </cs:fontRef>
+    <cs:spPr>
+      <a:solidFill>
+        <a:schemeClr val="bg1"/>
+      </a:solidFill>
+      <a:ln w="9525" cap="flat" cmpd="sng" algn="ctr">
+        <a:solidFill>
+          <a:schemeClr val="tx1">
+            <a:lumMod val="15000"/>
+            <a:lumOff val="85000"/>
+          </a:schemeClr>
+        </a:solidFill>
+        <a:round/>
+      </a:ln>
+    </cs:spPr>
+    <cs:defRPr sz="1000" kern="1200"/>
+  </cs:chartArea>
+  <cs:dataLabel>
+    <cs:lnRef idx="0"/>
+    <cs:fillRef idx="0"/>
+    <cs:effectRef idx="0"/>
+    <cs:fontRef idx="minor">
+      <a:schemeClr val="tx1">
+        <a:lumMod val="75000"/>
+        <a:lumOff val="25000"/>
+      </a:schemeClr>
+    </cs:fontRef>
+    <cs:defRPr sz="900" kern="1200"/>
+  </cs:dataLabel>
+  <cs:dataLabelCallout>
+    <cs:lnRef idx="0"/>
+    <cs:fillRef idx="0"/>
+    <cs:effectRef idx="0"/>
+    <cs:fontRef idx="minor">
+      <a:schemeClr val="dk1">
+        <a:lumMod val="65000"/>
+        <a:lumOff val="35000"/>
+      </a:schemeClr>
+    </cs:fontRef>
+    <cs:spPr>
+      <a:solidFill>
+        <a:schemeClr val="lt1"/>
+      </a:solidFill>
+      <a:ln>
+        <a:solidFill>
+          <a:schemeClr val="dk1">
+            <a:lumMod val="25000"/>
+            <a:lumOff val="75000"/>
+          </a:schemeClr>
+        </a:solidFill>
+      </a:ln>
+    </cs:spPr>
+    <cs:defRPr sz="900" kern="1200"/>
+    <cs:bodyPr rot="0" spcFirstLastPara="1" vertOverflow="clip" horzOverflow="clip" vert="horz" wrap="square" lIns="36576" tIns="18288" rIns="36576" bIns="18288" anchor="ctr" anchorCtr="1">
+      <a:spAutoFit/>
+    </cs:bodyPr>
+  </cs:dataLabelCallout>
+  <cs:dataPoint>
+    <cs:lnRef idx="0"/>
+    <cs:fillRef idx="1">
+      <cs:styleClr val="auto"/>
+    </cs:fillRef>
+    <cs:effectRef idx="0"/>
+    <cs:fontRef idx="minor">
+      <a:schemeClr val="tx1"/>
+    </cs:fontRef>
+    <cs:spPr>
+      <a:solidFill>
+        <a:schemeClr val="phClr"/>
+      </a:solidFill>
+    </cs:spPr>
+  </cs:dataPoint>
+  <cs:dataPoint3D>
+    <cs:lnRef idx="0"/>
+    <cs:fillRef idx="1">
+      <cs:styleClr val="auto"/>
+    </cs:fillRef>
+    <cs:effectRef idx="0"/>
+    <cs:fontRef idx="minor">
+      <a:schemeClr val="tx1"/>
+    </cs:fontRef>
+    <cs:spPr>
+      <a:solidFill>
+        <a:schemeClr val="phClr"/>
+      </a:solidFill>
+    </cs:spPr>
+  </cs:dataPoint3D>
+  <cs:dataPointLine>
+    <cs:lnRef idx="0">
+      <cs:styleClr val="auto"/>
+    </cs:lnRef>
+    <cs:fillRef idx="1"/>
+    <cs:effectRef idx="0"/>
+    <cs:fontRef idx="minor">
+      <a:schemeClr val="tx1"/>
+    </cs:fontRef>
+    <cs:spPr>
+      <a:ln w="28575" cap="rnd">
+        <a:solidFill>
+          <a:schemeClr val="phClr"/>
+        </a:solidFill>
+        <a:round/>
+      </a:ln>
+    </cs:spPr>
+  </cs:dataPointLine>
+  <cs:dataPointMarker>
+    <cs:lnRef idx="0">
+      <cs:styleClr val="auto"/>
+    </cs:lnRef>
+    <cs:fillRef idx="1">
+      <cs:styleClr val="auto"/>
+    </cs:fillRef>
+    <cs:effectRef idx="0"/>
+    <cs:fontRef idx="minor">
+      <a:schemeClr val="tx1"/>
+    </cs:fontRef>
+    <cs:spPr>
+      <a:solidFill>
+        <a:schemeClr val="phClr"/>
+      </a:solidFill>
+      <a:ln w="9525">
+        <a:solidFill>
+          <a:schemeClr val="phClr"/>
+        </a:solidFill>
+      </a:ln>
+    </cs:spPr>
+  </cs:dataPointMarker>
+  <cs:dataPointMarkerLayout symbol="circle" size="5"/>
+  <cs:dataPointWireframe>
+    <cs:lnRef idx="0">
+      <cs:styleClr val="auto"/>
+    </cs:lnRef>
+    <cs:fillRef idx="1"/>
+    <cs:effectRef idx="0"/>
+    <cs:fontRef idx="minor">
+      <a:schemeClr val="tx1"/>
+    </cs:fontRef>
+    <cs:spPr>
+      <a:ln w="9525" cap="rnd">
+        <a:solidFill>
+          <a:schemeClr val="phClr"/>
+        </a:solidFill>
+        <a:round/>
+      </a:ln>
+    </cs:spPr>
+  </cs:dataPointWireframe>
+  <cs:dataTable>
+    <cs:lnRef idx="0"/>
+    <cs:fillRef idx="0"/>
+    <cs:effectRef idx="0"/>
+    <cs:fontRef idx="minor">
+      <a:schemeClr val="tx1">
+        <a:lumMod val="65000"/>
+        <a:lumOff val="35000"/>
+      </a:schemeClr>
+    </cs:fontRef>
+    <cs:spPr>
+      <a:noFill/>
+      <a:ln w="9525" cap="flat" cmpd="sng" algn="ctr">
+        <a:solidFill>
+          <a:schemeClr val="tx1">
+            <a:lumMod val="15000"/>
+            <a:lumOff val="85000"/>
+          </a:schemeClr>
+        </a:solidFill>
+        <a:round/>
+      </a:ln>
+    </cs:spPr>
+    <cs:defRPr sz="900" kern="1200"/>
+  </cs:dataTable>
+  <cs:downBar>
+    <cs:lnRef idx="0"/>
+    <cs:fillRef idx="0"/>
+    <cs:effectRef idx="0"/>
+    <cs:fontRef idx="minor">
+      <a:schemeClr val="dk1"/>
+    </cs:fontRef>
+    <cs:spPr>
+      <a:solidFill>
+        <a:schemeClr val="dk1">
+          <a:lumMod val="65000"/>
+          <a:lumOff val="35000"/>
+        </a:schemeClr>
+      </a:solidFill>
+      <a:ln w="9525">
+        <a:solidFill>
+          <a:schemeClr val="tx1">
+            <a:lumMod val="65000"/>
+            <a:lumOff val="35000"/>
+          </a:schemeClr>
+        </a:solidFill>
+      </a:ln>
+    </cs:spPr>
+  </cs:downBar>
+  <cs:dropLine>
+    <cs:lnRef idx="0"/>
+    <cs:fillRef idx="0"/>
+    <cs:effectRef idx="0"/>
+    <cs:fontRef idx="minor">
+      <a:schemeClr val="tx1"/>
+    </cs:fontRef>
+    <cs:spPr>
+      <a:ln w="9525" cap="flat" cmpd="sng" algn="ctr">
+        <a:solidFill>
+          <a:schemeClr val="tx1">
+            <a:lumMod val="35000"/>
+            <a:lumOff val="65000"/>
+          </a:schemeClr>
+        </a:solidFill>
+        <a:round/>
+      </a:ln>
+    </cs:spPr>
+  </cs:dropLine>
+  <cs:errorBar>
+    <cs:lnRef idx="0"/>
+    <cs:fillRef idx="0"/>
+    <cs:effectRef idx="0"/>
+    <cs:fontRef idx="minor">
+      <a:schemeClr val="tx1"/>
+    </cs:fontRef>
+    <cs:spPr>
+      <a:ln w="9525" cap="flat" cmpd="sng" algn="ctr">
+        <a:solidFill>
+          <a:schemeClr val="tx1">
+            <a:lumMod val="65000"/>
+            <a:lumOff val="35000"/>
+          </a:schemeClr>
+        </a:solidFill>
+        <a:round/>
+      </a:ln>
+    </cs:spPr>
+  </cs:errorBar>
+  <cs:floor>
+    <cs:lnRef idx="0"/>
+    <cs:fillRef idx="0"/>
+    <cs:effectRef idx="0"/>
+    <cs:fontRef idx="minor">
+      <a:schemeClr val="tx1"/>
+    </cs:fontRef>
+    <cs:spPr>
+      <a:noFill/>
+      <a:ln>
+        <a:noFill/>
+      </a:ln>
+    </cs:spPr>
+  </cs:floor>
+  <cs:gridlineMajor>
+    <cs:lnRef idx="0"/>
+    <cs:fillRef idx="0"/>
+    <cs:effectRef idx="0"/>
+    <cs:fontRef idx="minor">
+      <a:schemeClr val="tx1"/>
+    </cs:fontRef>
+    <cs:spPr>
+      <a:ln w="9525" cap="flat" cmpd="sng" algn="ctr">
+        <a:solidFill>
+          <a:schemeClr val="tx1">
+            <a:lumMod val="15000"/>
+            <a:lumOff val="85000"/>
+          </a:schemeClr>
+        </a:solidFill>
+        <a:round/>
+      </a:ln>
+    </cs:spPr>
+  </cs:gridlineMajor>
+  <cs:gridlineMinor>
+    <cs:lnRef idx="0"/>
+    <cs:fillRef idx="0"/>
+    <cs:effectRef idx="0"/>
+    <cs:fontRef idx="minor">
+      <a:schemeClr val="tx1"/>
+    </cs:fontRef>
+    <cs:spPr>
+      <a:ln w="9525" cap="flat" cmpd="sng" algn="ctr">
+        <a:solidFill>
+          <a:schemeClr val="tx1">
+            <a:lumMod val="5000"/>
+            <a:lumOff val="95000"/>
+          </a:schemeClr>
+        </a:solidFill>
+        <a:round/>
+      </a:ln>
+    </cs:spPr>
+  </cs:gridlineMinor>
+  <cs:hiLoLine>
+    <cs:lnRef idx="0"/>
+    <cs:fillRef idx="0"/>
+    <cs:effectRef idx="0"/>
+    <cs:fontRef idx="minor">
+      <a:schemeClr val="tx1"/>
+    </cs:fontRef>
+    <cs:spPr>
+      <a:ln w="9525" cap="flat" cmpd="sng" algn="ctr">
+        <a:solidFill>
+          <a:schemeClr val="tx1">
+            <a:lumMod val="75000"/>
+            <a:lumOff val="25000"/>
+          </a:schemeClr>
+        </a:solidFill>
+        <a:round/>
+      </a:ln>
+    </cs:spPr>
+  </cs:hiLoLine>
+  <cs:leaderLine>
+    <cs:lnRef idx="0"/>
+    <cs:fillRef idx="0"/>
+    <cs:effectRef idx="0"/>
+    <cs:fontRef idx="minor">
+      <a:schemeClr val="tx1"/>
+    </cs:fontRef>
+    <cs:spPr>
+      <a:ln w="9525" cap="flat" cmpd="sng" algn="ctr">
+        <a:solidFill>
+          <a:schemeClr val="tx1">
+            <a:lumMod val="35000"/>
+            <a:lumOff val="65000"/>
+          </a:schemeClr>
+        </a:solidFill>
+        <a:round/>
+      </a:ln>
+    </cs:spPr>
+  </cs:leaderLine>
+  <cs:legend>
+    <cs:lnRef idx="0"/>
+    <cs:fillRef idx="0"/>
+    <cs:effectRef idx="0"/>
+    <cs:fontRef idx="minor">
+      <a:schemeClr val="tx1">
+        <a:lumMod val="65000"/>
+        <a:lumOff val="35000"/>
+      </a:schemeClr>
+    </cs:fontRef>
+    <cs:defRPr sz="900" kern="1200"/>
+  </cs:legend>
+  <cs:plotArea mods="allowNoFillOverride allowNoLineOverride">
+    <cs:lnRef idx="0"/>
+    <cs:fillRef idx="0"/>
+    <cs:effectRef idx="0"/>
+    <cs:fontRef idx="minor">
+      <a:schemeClr val="tx1"/>
+    </cs:fontRef>
+  </cs:plotArea>
+  <cs:plotArea3D mods="allowNoFillOverride allowNoLineOverride">
+    <cs:lnRef idx="0"/>
+    <cs:fillRef idx="0"/>
+    <cs:effectRef idx="0"/>
+    <cs:fontRef idx="minor">
+      <a:schemeClr val="tx1"/>
+    </cs:fontRef>
+  </cs:plotArea3D>
+  <cs:seriesAxis>
+    <cs:lnRef idx="0"/>
+    <cs:fillRef idx="0"/>
+    <cs:effectRef idx="0"/>
+    <cs:fontRef idx="minor">
+      <a:schemeClr val="tx1">
+        <a:lumMod val="65000"/>
+        <a:lumOff val="35000"/>
+      </a:schemeClr>
+    </cs:fontRef>
+    <cs:defRPr sz="900" kern="1200"/>
+  </cs:seriesAxis>
+  <cs:seriesLine>
+    <cs:lnRef idx="0"/>
+    <cs:fillRef idx="0"/>
+    <cs:effectRef idx="0"/>
+    <cs:fontRef idx="minor">
+      <a:schemeClr val="tx1"/>
+    </cs:fontRef>
+    <cs:spPr>
+      <a:ln w="9525" cap="flat" cmpd="sng" algn="ctr">
+        <a:solidFill>
+          <a:schemeClr val="tx1">
+            <a:lumMod val="35000"/>
+            <a:lumOff val="65000"/>
+          </a:schemeClr>
+        </a:solidFill>
+        <a:round/>
+      </a:ln>
+    </cs:spPr>
+  </cs:seriesLine>
+  <cs:title>
+    <cs:lnRef idx="0"/>
+    <cs:fillRef idx="0"/>
+    <cs:effectRef idx="0"/>
+    <cs:fontRef idx="minor">
+      <a:schemeClr val="tx1">
+        <a:lumMod val="65000"/>
+        <a:lumOff val="35000"/>
+      </a:schemeClr>
+    </cs:fontRef>
+    <cs:defRPr sz="1400" b="0" kern="1200" spc="0" baseline="0"/>
+  </cs:title>
+  <cs:trendline>
+    <cs:lnRef idx="0">
+      <cs:styleClr val="auto"/>
+    </cs:lnRef>
+    <cs:fillRef idx="0"/>
+    <cs:effectRef idx="0"/>
+    <cs:fontRef idx="minor">
+      <a:schemeClr val="tx1"/>
+    </cs:fontRef>
+    <cs:spPr>
+      <a:ln w="19050" cap="rnd">
+        <a:solidFill>
+          <a:schemeClr val="phClr"/>
+        </a:solidFill>
+        <a:prstDash val="sysDot"/>
+      </a:ln>
+    </cs:spPr>
+  </cs:trendline>
+  <cs:trendlineLabel>
+    <cs:lnRef idx="0"/>
+    <cs:fillRef idx="0"/>
+    <cs:effectRef idx="0"/>
+    <cs:fontRef idx="minor">
+      <a:schemeClr val="tx1">
+        <a:lumMod val="65000"/>
+        <a:lumOff val="35000"/>
+      </a:schemeClr>
+    </cs:fontRef>
+    <cs:defRPr sz="900" kern="1200"/>
+  </cs:trendlineLabel>
+  <cs:upBar>
+    <cs:lnRef idx="0"/>
+    <cs:fillRef idx="0"/>
+    <cs:effectRef idx="0"/>
+    <cs:fontRef idx="minor">
+      <a:schemeClr val="dk1"/>
+    </cs:fontRef>
+    <cs:spPr>
+      <a:solidFill>
+        <a:schemeClr val="lt1"/>
+      </a:solidFill>
+      <a:ln w="9525">
+        <a:solidFill>
+          <a:schemeClr val="tx1">
+            <a:lumMod val="15000"/>
+            <a:lumOff val="85000"/>
+          </a:schemeClr>
+        </a:solidFill>
+      </a:ln>
+    </cs:spPr>
+  </cs:upBar>
+  <cs:valueAxis>
+    <cs:lnRef idx="0"/>
+    <cs:fillRef idx="0"/>
+    <cs:effectRef idx="0"/>
+    <cs:fontRef idx="minor">
+      <a:schemeClr val="tx1">
+        <a:lumMod val="65000"/>
+        <a:lumOff val="35000"/>
+      </a:schemeClr>
+    </cs:fontRef>
+    <cs:defRPr sz="900" kern="1200"/>
+  </cs:valueAxis>
+  <cs:wall>
+    <cs:lnRef idx="0"/>
+    <cs:fillRef idx="0"/>
+    <cs:effectRef idx="0"/>
+    <cs:fontRef idx="minor">
+      <a:schemeClr val="tx1"/>
+    </cs:fontRef>
+    <cs:spPr>
+      <a:noFill/>
+      <a:ln>
+        <a:noFill/>
+      </a:ln>
+    </cs:spPr>
+  </cs:wall>
+</cs:chartStyle>
+</file>
+
+<file path=ppt/charts/style2.xml><?xml version="1.0" encoding="utf-8"?>
+<cs:chartStyle xmlns:cs="http://schemas.microsoft.com/office/drawing/2012/chartStyle" xmlns:a="http://schemas.openxmlformats.org/drawingml/2006/main" id="227">
+  <cs:axisTitle>
+    <cs:lnRef idx="0"/>
+    <cs:fillRef idx="0"/>
+    <cs:effectRef idx="0"/>
+    <cs:fontRef idx="minor">
+      <a:schemeClr val="tx1">
+        <a:lumMod val="65000"/>
+        <a:lumOff val="35000"/>
+      </a:schemeClr>
+    </cs:fontRef>
+    <cs:defRPr sz="1000" kern="1200"/>
+  </cs:axisTitle>
+  <cs:categoryAxis>
+    <cs:lnRef idx="0"/>
+    <cs:fillRef idx="0"/>
+    <cs:effectRef idx="0"/>
+    <cs:fontRef idx="minor">
+      <a:schemeClr val="tx1">
+        <a:lumMod val="65000"/>
+        <a:lumOff val="35000"/>
+      </a:schemeClr>
+    </cs:fontRef>
+    <cs:spPr>
+      <a:ln w="9525" cap="flat" cmpd="sng" algn="ctr">
+        <a:solidFill>
+          <a:schemeClr val="tx1">
+            <a:lumMod val="15000"/>
+            <a:lumOff val="85000"/>
+          </a:schemeClr>
+        </a:solidFill>
+        <a:round/>
+      </a:ln>
+    </cs:spPr>
+    <cs:defRPr sz="900" kern="1200"/>
+  </cs:categoryAxis>
+  <cs:chartArea mods="allowNoFillOverride allowNoLineOverride">
+    <cs:lnRef idx="0"/>
+    <cs:fillRef idx="0"/>
+    <cs:effectRef idx="0"/>
+    <cs:fontRef idx="minor">
+      <a:schemeClr val="tx1"/>
+    </cs:fontRef>
+    <cs:spPr>
+      <a:solidFill>
+        <a:schemeClr val="bg1"/>
+      </a:solidFill>
+      <a:ln w="9525" cap="flat" cmpd="sng" algn="ctr">
+        <a:solidFill>
+          <a:schemeClr val="tx1">
+            <a:lumMod val="15000"/>
+            <a:lumOff val="85000"/>
+          </a:schemeClr>
+        </a:solidFill>
+        <a:round/>
+      </a:ln>
+    </cs:spPr>
+    <cs:defRPr sz="1000" kern="1200"/>
+  </cs:chartArea>
+  <cs:dataLabel>
+    <cs:lnRef idx="0"/>
+    <cs:fillRef idx="0"/>
+    <cs:effectRef idx="0"/>
+    <cs:fontRef idx="minor">
+      <a:schemeClr val="tx1">
+        <a:lumMod val="75000"/>
+        <a:lumOff val="25000"/>
+      </a:schemeClr>
+    </cs:fontRef>
+    <cs:defRPr sz="900" kern="1200"/>
+  </cs:dataLabel>
+  <cs:dataLabelCallout>
+    <cs:lnRef idx="0"/>
+    <cs:fillRef idx="0"/>
+    <cs:effectRef idx="0"/>
+    <cs:fontRef idx="minor">
+      <a:schemeClr val="dk1">
+        <a:lumMod val="65000"/>
+        <a:lumOff val="35000"/>
+      </a:schemeClr>
+    </cs:fontRef>
+    <cs:spPr>
+      <a:solidFill>
+        <a:schemeClr val="lt1"/>
+      </a:solidFill>
+      <a:ln>
+        <a:solidFill>
+          <a:schemeClr val="dk1">
+            <a:lumMod val="25000"/>
+            <a:lumOff val="75000"/>
+          </a:schemeClr>
+        </a:solidFill>
+      </a:ln>
+    </cs:spPr>
+    <cs:defRPr sz="900" kern="1200"/>
+    <cs:bodyPr rot="0" spcFirstLastPara="1" vertOverflow="clip" horzOverflow="clip" vert="horz" wrap="square" lIns="36576" tIns="18288" rIns="36576" bIns="18288" anchor="ctr" anchorCtr="1">
+      <a:spAutoFit/>
+    </cs:bodyPr>
+  </cs:dataLabelCallout>
+  <cs:dataPoint>
+    <cs:lnRef idx="0"/>
+    <cs:fillRef idx="1">
+      <cs:styleClr val="auto"/>
+    </cs:fillRef>
+    <cs:effectRef idx="0"/>
+    <cs:fontRef idx="minor">
+      <a:schemeClr val="tx1"/>
+    </cs:fontRef>
+    <cs:spPr>
+      <a:solidFill>
+        <a:schemeClr val="phClr"/>
+      </a:solidFill>
+    </cs:spPr>
+  </cs:dataPoint>
+  <cs:dataPoint3D>
+    <cs:lnRef idx="0"/>
+    <cs:fillRef idx="1">
+      <cs:styleClr val="auto"/>
+    </cs:fillRef>
+    <cs:effectRef idx="0"/>
+    <cs:fontRef idx="minor">
+      <a:schemeClr val="tx1"/>
+    </cs:fontRef>
+    <cs:spPr>
+      <a:solidFill>
+        <a:schemeClr val="phClr"/>
+      </a:solidFill>
+    </cs:spPr>
+  </cs:dataPoint3D>
+  <cs:dataPointLine>
+    <cs:lnRef idx="0">
+      <cs:styleClr val="auto"/>
+    </cs:lnRef>
+    <cs:fillRef idx="1"/>
+    <cs:effectRef idx="0"/>
+    <cs:fontRef idx="minor">
+      <a:schemeClr val="tx1"/>
+    </cs:fontRef>
+    <cs:spPr>
+      <a:ln w="28575" cap="rnd">
+        <a:solidFill>
+          <a:schemeClr val="phClr"/>
+        </a:solidFill>
+        <a:round/>
+      </a:ln>
+    </cs:spPr>
+  </cs:dataPointLine>
+  <cs:dataPointMarker>
+    <cs:lnRef idx="0">
+      <cs:styleClr val="auto"/>
+    </cs:lnRef>
+    <cs:fillRef idx="1">
+      <cs:styleClr val="auto"/>
+    </cs:fillRef>
+    <cs:effectRef idx="0"/>
+    <cs:fontRef idx="minor">
+      <a:schemeClr val="tx1"/>
+    </cs:fontRef>
+    <cs:spPr>
+      <a:solidFill>
+        <a:schemeClr val="phClr"/>
+      </a:solidFill>
+      <a:ln w="9525">
+        <a:solidFill>
+          <a:schemeClr val="phClr"/>
+        </a:solidFill>
+      </a:ln>
+    </cs:spPr>
+  </cs:dataPointMarker>
+  <cs:dataPointMarkerLayout symbol="circle" size="5"/>
+  <cs:dataPointWireframe>
+    <cs:lnRef idx="0">
+      <cs:styleClr val="auto"/>
+    </cs:lnRef>
+    <cs:fillRef idx="1"/>
+    <cs:effectRef idx="0"/>
+    <cs:fontRef idx="minor">
+      <a:schemeClr val="tx1"/>
+    </cs:fontRef>
+    <cs:spPr>
+      <a:ln w="9525" cap="rnd">
+        <a:solidFill>
+          <a:schemeClr val="phClr"/>
+        </a:solidFill>
+        <a:round/>
+      </a:ln>
+    </cs:spPr>
+  </cs:dataPointWireframe>
+  <cs:dataTable>
+    <cs:lnRef idx="0"/>
+    <cs:fillRef idx="0"/>
+    <cs:effectRef idx="0"/>
+    <cs:fontRef idx="minor">
+      <a:schemeClr val="tx1">
+        <a:lumMod val="65000"/>
+        <a:lumOff val="35000"/>
+      </a:schemeClr>
+    </cs:fontRef>
+    <cs:spPr>
+      <a:noFill/>
+      <a:ln w="9525" cap="flat" cmpd="sng" algn="ctr">
+        <a:solidFill>
+          <a:schemeClr val="tx1">
+            <a:lumMod val="15000"/>
+            <a:lumOff val="85000"/>
+          </a:schemeClr>
+        </a:solidFill>
+        <a:round/>
+      </a:ln>
+    </cs:spPr>
+    <cs:defRPr sz="900" kern="1200"/>
+  </cs:dataTable>
+  <cs:downBar>
+    <cs:lnRef idx="0"/>
+    <cs:fillRef idx="0"/>
+    <cs:effectRef idx="0"/>
+    <cs:fontRef idx="minor">
+      <a:schemeClr val="dk1"/>
+    </cs:fontRef>
+    <cs:spPr>
+      <a:solidFill>
+        <a:schemeClr val="dk1">
+          <a:lumMod val="65000"/>
+          <a:lumOff val="35000"/>
+        </a:schemeClr>
+      </a:solidFill>
+      <a:ln w="9525">
+        <a:solidFill>
+          <a:schemeClr val="tx1">
+            <a:lumMod val="65000"/>
+            <a:lumOff val="35000"/>
+          </a:schemeClr>
+        </a:solidFill>
+      </a:ln>
+    </cs:spPr>
+  </cs:downBar>
+  <cs:dropLine>
+    <cs:lnRef idx="0"/>
+    <cs:fillRef idx="0"/>
+    <cs:effectRef idx="0"/>
+    <cs:fontRef idx="minor">
+      <a:schemeClr val="tx1"/>
+    </cs:fontRef>
+    <cs:spPr>
+      <a:ln w="9525" cap="flat" cmpd="sng" algn="ctr">
+        <a:solidFill>
+          <a:schemeClr val="tx1">
+            <a:lumMod val="35000"/>
+            <a:lumOff val="65000"/>
+          </a:schemeClr>
+        </a:solidFill>
+        <a:round/>
+      </a:ln>
+    </cs:spPr>
+  </cs:dropLine>
+  <cs:errorBar>
+    <cs:lnRef idx="0"/>
+    <cs:fillRef idx="0"/>
+    <cs:effectRef idx="0"/>
+    <cs:fontRef idx="minor">
+      <a:schemeClr val="tx1"/>
+    </cs:fontRef>
+    <cs:spPr>
+      <a:ln w="9525" cap="flat" cmpd="sng" algn="ctr">
+        <a:solidFill>
+          <a:schemeClr val="tx1">
+            <a:lumMod val="65000"/>
+            <a:lumOff val="35000"/>
+          </a:schemeClr>
+        </a:solidFill>
+        <a:round/>
+      </a:ln>
+    </cs:spPr>
+  </cs:errorBar>
+  <cs:floor>
+    <cs:lnRef idx="0"/>
+    <cs:fillRef idx="0"/>
+    <cs:effectRef idx="0"/>
+    <cs:fontRef idx="minor">
+      <a:schemeClr val="tx1"/>
+    </cs:fontRef>
+    <cs:spPr>
+      <a:noFill/>
+      <a:ln>
+        <a:noFill/>
+      </a:ln>
+    </cs:spPr>
+  </cs:floor>
+  <cs:gridlineMajor>
+    <cs:lnRef idx="0"/>
+    <cs:fillRef idx="0"/>
+    <cs:effectRef idx="0"/>
+    <cs:fontRef idx="minor">
+      <a:schemeClr val="tx1"/>
+    </cs:fontRef>
+    <cs:spPr>
+      <a:ln w="9525" cap="flat" cmpd="sng" algn="ctr">
+        <a:solidFill>
+          <a:schemeClr val="tx1">
+            <a:lumMod val="15000"/>
+            <a:lumOff val="85000"/>
+          </a:schemeClr>
+        </a:solidFill>
+        <a:round/>
+      </a:ln>
+    </cs:spPr>
+  </cs:gridlineMajor>
+  <cs:gridlineMinor>
+    <cs:lnRef idx="0"/>
+    <cs:fillRef idx="0"/>
+    <cs:effectRef idx="0"/>
+    <cs:fontRef idx="minor">
+      <a:schemeClr val="tx1"/>
+    </cs:fontRef>
+    <cs:spPr>
+      <a:ln w="9525" cap="flat" cmpd="sng" algn="ctr">
+        <a:solidFill>
+          <a:schemeClr val="tx1">
+            <a:lumMod val="5000"/>
+            <a:lumOff val="95000"/>
+          </a:schemeClr>
+        </a:solidFill>
+        <a:round/>
+      </a:ln>
+    </cs:spPr>
+  </cs:gridlineMinor>
+  <cs:hiLoLine>
+    <cs:lnRef idx="0"/>
+    <cs:fillRef idx="0"/>
+    <cs:effectRef idx="0"/>
+    <cs:fontRef idx="minor">
+      <a:schemeClr val="tx1"/>
+    </cs:fontRef>
+    <cs:spPr>
+      <a:ln w="9525" cap="flat" cmpd="sng" algn="ctr">
+        <a:solidFill>
+          <a:schemeClr val="tx1">
+            <a:lumMod val="75000"/>
+            <a:lumOff val="25000"/>
+          </a:schemeClr>
+        </a:solidFill>
+        <a:round/>
+      </a:ln>
+    </cs:spPr>
+  </cs:hiLoLine>
+  <cs:leaderLine>
+    <cs:lnRef idx="0"/>
+    <cs:fillRef idx="0"/>
+    <cs:effectRef idx="0"/>
+    <cs:fontRef idx="minor">
+      <a:schemeClr val="tx1"/>
+    </cs:fontRef>
+    <cs:spPr>
+      <a:ln w="9525" cap="flat" cmpd="sng" algn="ctr">
+        <a:solidFill>
+          <a:schemeClr val="tx1">
+            <a:lumMod val="35000"/>
+            <a:lumOff val="65000"/>
+          </a:schemeClr>
+        </a:solidFill>
+        <a:round/>
+      </a:ln>
+    </cs:spPr>
+  </cs:leaderLine>
+  <cs:legend>
+    <cs:lnRef idx="0"/>
+    <cs:fillRef idx="0"/>
+    <cs:effectRef idx="0"/>
+    <cs:fontRef idx="minor">
+      <a:schemeClr val="tx1">
+        <a:lumMod val="65000"/>
+        <a:lumOff val="35000"/>
+      </a:schemeClr>
+    </cs:fontRef>
+    <cs:defRPr sz="900" kern="1200"/>
+  </cs:legend>
+  <cs:plotArea mods="allowNoFillOverride allowNoLineOverride">
+    <cs:lnRef idx="0"/>
+    <cs:fillRef idx="0"/>
+    <cs:effectRef idx="0"/>
+    <cs:fontRef idx="minor">
+      <a:schemeClr val="tx1"/>
+    </cs:fontRef>
+  </cs:plotArea>
+  <cs:plotArea3D mods="allowNoFillOverride allowNoLineOverride">
+    <cs:lnRef idx="0"/>
+    <cs:fillRef idx="0"/>
+    <cs:effectRef idx="0"/>
+    <cs:fontRef idx="minor">
+      <a:schemeClr val="tx1"/>
+    </cs:fontRef>
+  </cs:plotArea3D>
+  <cs:seriesAxis>
+    <cs:lnRef idx="0"/>
+    <cs:fillRef idx="0"/>
+    <cs:effectRef idx="0"/>
+    <cs:fontRef idx="minor">
+      <a:schemeClr val="tx1">
+        <a:lumMod val="65000"/>
+        <a:lumOff val="35000"/>
+      </a:schemeClr>
+    </cs:fontRef>
+    <cs:defRPr sz="900" kern="1200"/>
+  </cs:seriesAxis>
+  <cs:seriesLine>
+    <cs:lnRef idx="0"/>
+    <cs:fillRef idx="0"/>
+    <cs:effectRef idx="0"/>
+    <cs:fontRef idx="minor">
+      <a:schemeClr val="tx1"/>
+    </cs:fontRef>
+    <cs:spPr>
+      <a:ln w="9525" cap="flat" cmpd="sng" algn="ctr">
+        <a:solidFill>
+          <a:schemeClr val="tx1">
+            <a:lumMod val="35000"/>
+            <a:lumOff val="65000"/>
+          </a:schemeClr>
+        </a:solidFill>
+        <a:round/>
+      </a:ln>
+    </cs:spPr>
+  </cs:seriesLine>
+  <cs:title>
+    <cs:lnRef idx="0"/>
+    <cs:fillRef idx="0"/>
+    <cs:effectRef idx="0"/>
+    <cs:fontRef idx="minor">
+      <a:schemeClr val="tx1">
+        <a:lumMod val="65000"/>
+        <a:lumOff val="35000"/>
+      </a:schemeClr>
+    </cs:fontRef>
+    <cs:defRPr sz="1400" b="0" kern="1200" spc="0" baseline="0"/>
+  </cs:title>
+  <cs:trendline>
+    <cs:lnRef idx="0">
+      <cs:styleClr val="auto"/>
+    </cs:lnRef>
+    <cs:fillRef idx="0"/>
+    <cs:effectRef idx="0"/>
+    <cs:fontRef idx="minor">
+      <a:schemeClr val="tx1"/>
+    </cs:fontRef>
+    <cs:spPr>
+      <a:ln w="19050" cap="rnd">
+        <a:solidFill>
+          <a:schemeClr val="phClr"/>
+        </a:solidFill>
+        <a:prstDash val="sysDot"/>
+      </a:ln>
+    </cs:spPr>
+  </cs:trendline>
+  <cs:trendlineLabel>
+    <cs:lnRef idx="0"/>
+    <cs:fillRef idx="0"/>
+    <cs:effectRef idx="0"/>
+    <cs:fontRef idx="minor">
+      <a:schemeClr val="tx1">
+        <a:lumMod val="65000"/>
+        <a:lumOff val="35000"/>
+      </a:schemeClr>
+    </cs:fontRef>
+    <cs:defRPr sz="900" kern="1200"/>
+  </cs:trendlineLabel>
+  <cs:upBar>
+    <cs:lnRef idx="0"/>
+    <cs:fillRef idx="0"/>
+    <cs:effectRef idx="0"/>
+    <cs:fontRef idx="minor">
+      <a:schemeClr val="dk1"/>
+    </cs:fontRef>
+    <cs:spPr>
+      <a:solidFill>
+        <a:schemeClr val="lt1"/>
+      </a:solidFill>
+      <a:ln w="9525">
+        <a:solidFill>
+          <a:schemeClr val="tx1">
+            <a:lumMod val="15000"/>
+            <a:lumOff val="85000"/>
+          </a:schemeClr>
+        </a:solidFill>
+      </a:ln>
+    </cs:spPr>
+  </cs:upBar>
+  <cs:valueAxis>
+    <cs:lnRef idx="0"/>
+    <cs:fillRef idx="0"/>
+    <cs:effectRef idx="0"/>
+    <cs:fontRef idx="minor">
+      <a:schemeClr val="tx1">
+        <a:lumMod val="65000"/>
+        <a:lumOff val="35000"/>
+      </a:schemeClr>
+    </cs:fontRef>
+    <cs:defRPr sz="900" kern="1200"/>
+  </cs:valueAxis>
+  <cs:wall>
+    <cs:lnRef idx="0"/>
+    <cs:fillRef idx="0"/>
+    <cs:effectRef idx="0"/>
+    <cs:fontRef idx="minor">
+      <a:schemeClr val="tx1"/>
+    </cs:fontRef>
+    <cs:spPr>
+      <a:noFill/>
+      <a:ln>
+        <a:noFill/>
+      </a:ln>
+    </cs:spPr>
+  </cs:wall>
+</cs:chartStyle>
+</file>
+
+<file path=ppt/charts/style3.xml><?xml version="1.0" encoding="utf-8"?>
+<cs:chartStyle xmlns:cs="http://schemas.microsoft.com/office/drawing/2012/chartStyle" xmlns:a="http://schemas.openxmlformats.org/drawingml/2006/main" id="227">
+  <cs:axisTitle>
+    <cs:lnRef idx="0"/>
+    <cs:fillRef idx="0"/>
+    <cs:effectRef idx="0"/>
+    <cs:fontRef idx="minor">
+      <a:schemeClr val="tx1">
+        <a:lumMod val="65000"/>
+        <a:lumOff val="35000"/>
+      </a:schemeClr>
+    </cs:fontRef>
+    <cs:defRPr sz="1000" kern="1200"/>
+  </cs:axisTitle>
+  <cs:categoryAxis>
+    <cs:lnRef idx="0"/>
+    <cs:fillRef idx="0"/>
+    <cs:effectRef idx="0"/>
+    <cs:fontRef idx="minor">
+      <a:schemeClr val="tx1">
+        <a:lumMod val="65000"/>
+        <a:lumOff val="35000"/>
+      </a:schemeClr>
+    </cs:fontRef>
+    <cs:spPr>
+      <a:ln w="9525" cap="flat" cmpd="sng" algn="ctr">
+        <a:solidFill>
+          <a:schemeClr val="tx1">
+            <a:lumMod val="15000"/>
+            <a:lumOff val="85000"/>
+          </a:schemeClr>
+        </a:solidFill>
+        <a:round/>
+      </a:ln>
+    </cs:spPr>
+    <cs:defRPr sz="900" kern="1200"/>
+  </cs:categoryAxis>
+  <cs:chartArea mods="allowNoFillOverride allowNoLineOverride">
+    <cs:lnRef idx="0"/>
+    <cs:fillRef idx="0"/>
+    <cs:effectRef idx="0"/>
+    <cs:fontRef idx="minor">
+      <a:schemeClr val="tx1"/>
+    </cs:fontRef>
+    <cs:spPr>
+      <a:solidFill>
+        <a:schemeClr val="bg1"/>
+      </a:solidFill>
+      <a:ln w="9525" cap="flat" cmpd="sng" algn="ctr">
+        <a:solidFill>
+          <a:schemeClr val="tx1">
+            <a:lumMod val="15000"/>
+            <a:lumOff val="85000"/>
+          </a:schemeClr>
+        </a:solidFill>
+        <a:round/>
+      </a:ln>
+    </cs:spPr>
+    <cs:defRPr sz="1000" kern="1200"/>
+  </cs:chartArea>
+  <cs:dataLabel>
+    <cs:lnRef idx="0"/>
+    <cs:fillRef idx="0"/>
+    <cs:effectRef idx="0"/>
+    <cs:fontRef idx="minor">
+      <a:schemeClr val="tx1">
+        <a:lumMod val="75000"/>
+        <a:lumOff val="25000"/>
+      </a:schemeClr>
+    </cs:fontRef>
+    <cs:defRPr sz="900" kern="1200"/>
+  </cs:dataLabel>
+  <cs:dataLabelCallout>
+    <cs:lnRef idx="0"/>
+    <cs:fillRef idx="0"/>
+    <cs:effectRef idx="0"/>
+    <cs:fontRef idx="minor">
+      <a:schemeClr val="dk1">
+        <a:lumMod val="65000"/>
+        <a:lumOff val="35000"/>
+      </a:schemeClr>
+    </cs:fontRef>
+    <cs:spPr>
+      <a:solidFill>
+        <a:schemeClr val="lt1"/>
+      </a:solidFill>
+      <a:ln>
+        <a:solidFill>
+          <a:schemeClr val="dk1">
+            <a:lumMod val="25000"/>
+            <a:lumOff val="75000"/>
+          </a:schemeClr>
+        </a:solidFill>
+      </a:ln>
+    </cs:spPr>
+    <cs:defRPr sz="900" kern="1200"/>
+    <cs:bodyPr rot="0" spcFirstLastPara="1" vertOverflow="clip" horzOverflow="clip" vert="horz" wrap="square" lIns="36576" tIns="18288" rIns="36576" bIns="18288" anchor="ctr" anchorCtr="1">
+      <a:spAutoFit/>
+    </cs:bodyPr>
+  </cs:dataLabelCallout>
+  <cs:dataPoint>
+    <cs:lnRef idx="0"/>
+    <cs:fillRef idx="1">
+      <cs:styleClr val="auto"/>
+    </cs:fillRef>
+    <cs:effectRef idx="0"/>
+    <cs:fontRef idx="minor">
+      <a:schemeClr val="tx1"/>
+    </cs:fontRef>
+    <cs:spPr>
+      <a:solidFill>
+        <a:schemeClr val="phClr"/>
+      </a:solidFill>
+    </cs:spPr>
+  </cs:dataPoint>
+  <cs:dataPoint3D>
+    <cs:lnRef idx="0"/>
+    <cs:fillRef idx="1">
+      <cs:styleClr val="auto"/>
+    </cs:fillRef>
+    <cs:effectRef idx="0"/>
+    <cs:fontRef idx="minor">
+      <a:schemeClr val="tx1"/>
+    </cs:fontRef>
+    <cs:spPr>
+      <a:solidFill>
+        <a:schemeClr val="phClr"/>
+      </a:solidFill>
+    </cs:spPr>
+  </cs:dataPoint3D>
+  <cs:dataPointLine>
+    <cs:lnRef idx="0">
+      <cs:styleClr val="auto"/>
+    </cs:lnRef>
+    <cs:fillRef idx="1"/>
+    <cs:effectRef idx="0"/>
+    <cs:fontRef idx="minor">
+      <a:schemeClr val="tx1"/>
+    </cs:fontRef>
+    <cs:spPr>
+      <a:ln w="28575" cap="rnd">
+        <a:solidFill>
+          <a:schemeClr val="phClr"/>
+        </a:solidFill>
+        <a:round/>
+      </a:ln>
+    </cs:spPr>
+  </cs:dataPointLine>
+  <cs:dataPointMarker>
+    <cs:lnRef idx="0">
+      <cs:styleClr val="auto"/>
+    </cs:lnRef>
+    <cs:fillRef idx="1">
+      <cs:styleClr val="auto"/>
+    </cs:fillRef>
+    <cs:effectRef idx="0"/>
+    <cs:fontRef idx="minor">
+      <a:schemeClr val="tx1"/>
+    </cs:fontRef>
+    <cs:spPr>
+      <a:solidFill>
+        <a:schemeClr val="phClr"/>
+      </a:solidFill>
+      <a:ln w="9525">
+        <a:solidFill>
+          <a:schemeClr val="phClr"/>
+        </a:solidFill>
+      </a:ln>
+    </cs:spPr>
+  </cs:dataPointMarker>
+  <cs:dataPointMarkerLayout symbol="circle" size="5"/>
+  <cs:dataPointWireframe>
+    <cs:lnRef idx="0">
+      <cs:styleClr val="auto"/>
+    </cs:lnRef>
+    <cs:fillRef idx="1"/>
+    <cs:effectRef idx="0"/>
+    <cs:fontRef idx="minor">
+      <a:schemeClr val="tx1"/>
+    </cs:fontRef>
+    <cs:spPr>
+      <a:ln w="9525" cap="rnd">
+        <a:solidFill>
+          <a:schemeClr val="phClr"/>
+        </a:solidFill>
+        <a:round/>
+      </a:ln>
+    </cs:spPr>
+  </cs:dataPointWireframe>
+  <cs:dataTable>
+    <cs:lnRef idx="0"/>
+    <cs:fillRef idx="0"/>
+    <cs:effectRef idx="0"/>
+    <cs:fontRef idx="minor">
+      <a:schemeClr val="tx1">
+        <a:lumMod val="65000"/>
+        <a:lumOff val="35000"/>
+      </a:schemeClr>
+    </cs:fontRef>
+    <cs:spPr>
+      <a:noFill/>
+      <a:ln w="9525" cap="flat" cmpd="sng" algn="ctr">
+        <a:solidFill>
+          <a:schemeClr val="tx1">
+            <a:lumMod val="15000"/>
+            <a:lumOff val="85000"/>
+          </a:schemeClr>
+        </a:solidFill>
+        <a:round/>
+      </a:ln>
+    </cs:spPr>
+    <cs:defRPr sz="900" kern="1200"/>
+  </cs:dataTable>
+  <cs:downBar>
+    <cs:lnRef idx="0"/>
+    <cs:fillRef idx="0"/>
+    <cs:effectRef idx="0"/>
+    <cs:fontRef idx="minor">
+      <a:schemeClr val="dk1"/>
+    </cs:fontRef>
+    <cs:spPr>
+      <a:solidFill>
+        <a:schemeClr val="dk1">
+          <a:lumMod val="65000"/>
+          <a:lumOff val="35000"/>
+        </a:schemeClr>
+      </a:solidFill>
+      <a:ln w="9525">
+        <a:solidFill>
+          <a:schemeClr val="tx1">
+            <a:lumMod val="65000"/>
+            <a:lumOff val="35000"/>
+          </a:schemeClr>
+        </a:solidFill>
+      </a:ln>
+    </cs:spPr>
+  </cs:downBar>
+  <cs:dropLine>
+    <cs:lnRef idx="0"/>
+    <cs:fillRef idx="0"/>
+    <cs:effectRef idx="0"/>
+    <cs:fontRef idx="minor">
+      <a:schemeClr val="tx1"/>
+    </cs:fontRef>
+    <cs:spPr>
+      <a:ln w="9525" cap="flat" cmpd="sng" algn="ctr">
+        <a:solidFill>
+          <a:schemeClr val="tx1">
+            <a:lumMod val="35000"/>
+            <a:lumOff val="65000"/>
+          </a:schemeClr>
+        </a:solidFill>
+        <a:round/>
+      </a:ln>
+    </cs:spPr>
+  </cs:dropLine>
+  <cs:errorBar>
+    <cs:lnRef idx="0"/>
+    <cs:fillRef idx="0"/>
+    <cs:effectRef idx="0"/>
+    <cs:fontRef idx="minor">
+      <a:schemeClr val="tx1"/>
+    </cs:fontRef>
+    <cs:spPr>
+      <a:ln w="9525" cap="flat" cmpd="sng" algn="ctr">
+        <a:solidFill>
+          <a:schemeClr val="tx1">
+            <a:lumMod val="65000"/>
+            <a:lumOff val="35000"/>
+          </a:schemeClr>
+        </a:solidFill>
+        <a:round/>
+      </a:ln>
+    </cs:spPr>
+  </cs:errorBar>
+  <cs:floor>
+    <cs:lnRef idx="0"/>
+    <cs:fillRef idx="0"/>
+    <cs:effectRef idx="0"/>
+    <cs:fontRef idx="minor">
+      <a:schemeClr val="tx1"/>
+    </cs:fontRef>
+    <cs:spPr>
+      <a:noFill/>
+      <a:ln>
+        <a:noFill/>
+      </a:ln>
+    </cs:spPr>
+  </cs:floor>
+  <cs:gridlineMajor>
+    <cs:lnRef idx="0"/>
+    <cs:fillRef idx="0"/>
+    <cs:effectRef idx="0"/>
+    <cs:fontRef idx="minor">
+      <a:schemeClr val="tx1"/>
+    </cs:fontRef>
+    <cs:spPr>
+      <a:ln w="9525" cap="flat" cmpd="sng" algn="ctr">
+        <a:solidFill>
+          <a:schemeClr val="tx1">
+            <a:lumMod val="15000"/>
+            <a:lumOff val="85000"/>
+          </a:schemeClr>
+        </a:solidFill>
+        <a:round/>
+      </a:ln>
+    </cs:spPr>
+  </cs:gridlineMajor>
+  <cs:gridlineMinor>
+    <cs:lnRef idx="0"/>
+    <cs:fillRef idx="0"/>
+    <cs:effectRef idx="0"/>
+    <cs:fontRef idx="minor">
+      <a:schemeClr val="tx1"/>
+    </cs:fontRef>
+    <cs:spPr>
+      <a:ln w="9525" cap="flat" cmpd="sng" algn="ctr">
+        <a:solidFill>
+          <a:schemeClr val="tx1">
+            <a:lumMod val="5000"/>
+            <a:lumOff val="95000"/>
+          </a:schemeClr>
+        </a:solidFill>
+        <a:round/>
+      </a:ln>
+    </cs:spPr>
+  </cs:gridlineMinor>
+  <cs:hiLoLine>
+    <cs:lnRef idx="0"/>
+    <cs:fillRef idx="0"/>
+    <cs:effectRef idx="0"/>
+    <cs:fontRef idx="minor">
+      <a:schemeClr val="tx1"/>
+    </cs:fontRef>
+    <cs:spPr>
+      <a:ln w="9525" cap="flat" cmpd="sng" algn="ctr">
+        <a:solidFill>
+          <a:schemeClr val="tx1">
+            <a:lumMod val="75000"/>
+            <a:lumOff val="25000"/>
+          </a:schemeClr>
+        </a:solidFill>
+        <a:round/>
+      </a:ln>
+    </cs:spPr>
+  </cs:hiLoLine>
+  <cs:leaderLine>
+    <cs:lnRef idx="0"/>
+    <cs:fillRef idx="0"/>
+    <cs:effectRef idx="0"/>
+    <cs:fontRef idx="minor">
+      <a:schemeClr val="tx1"/>
+    </cs:fontRef>
+    <cs:spPr>
+      <a:ln w="9525" cap="flat" cmpd="sng" algn="ctr">
+        <a:solidFill>
+          <a:schemeClr val="tx1">
+            <a:lumMod val="35000"/>
+            <a:lumOff val="65000"/>
+          </a:schemeClr>
+        </a:solidFill>
+        <a:round/>
+      </a:ln>
+    </cs:spPr>
+  </cs:leaderLine>
+  <cs:legend>
+    <cs:lnRef idx="0"/>
+    <cs:fillRef idx="0"/>
+    <cs:effectRef idx="0"/>
+    <cs:fontRef idx="minor">
+      <a:schemeClr val="tx1">
+        <a:lumMod val="65000"/>
+        <a:lumOff val="35000"/>
+      </a:schemeClr>
+    </cs:fontRef>
+    <cs:defRPr sz="900" kern="1200"/>
+  </cs:legend>
+  <cs:plotArea mods="allowNoFillOverride allowNoLineOverride">
+    <cs:lnRef idx="0"/>
+    <cs:fillRef idx="0"/>
+    <cs:effectRef idx="0"/>
+    <cs:fontRef idx="minor">
+      <a:schemeClr val="tx1"/>
+    </cs:fontRef>
+  </cs:plotArea>
+  <cs:plotArea3D mods="allowNoFillOverride allowNoLineOverride">
+    <cs:lnRef idx="0"/>
+    <cs:fillRef idx="0"/>
+    <cs:effectRef idx="0"/>
+    <cs:fontRef idx="minor">
+      <a:schemeClr val="tx1"/>
+    </cs:fontRef>
+  </cs:plotArea3D>
+  <cs:seriesAxis>
+    <cs:lnRef idx="0"/>
+    <cs:fillRef idx="0"/>
+    <cs:effectRef idx="0"/>
+    <cs:fontRef idx="minor">
+      <a:schemeClr val="tx1">
+        <a:lumMod val="65000"/>
+        <a:lumOff val="35000"/>
+      </a:schemeClr>
+    </cs:fontRef>
+    <cs:defRPr sz="900" kern="1200"/>
+  </cs:seriesAxis>
+  <cs:seriesLine>
+    <cs:lnRef idx="0"/>
+    <cs:fillRef idx="0"/>
+    <cs:effectRef idx="0"/>
+    <cs:fontRef idx="minor">
+      <a:schemeClr val="tx1"/>
+    </cs:fontRef>
+    <cs:spPr>
+      <a:ln w="9525" cap="flat" cmpd="sng" algn="ctr">
+        <a:solidFill>
+          <a:schemeClr val="tx1">
+            <a:lumMod val="35000"/>
+            <a:lumOff val="65000"/>
+          </a:schemeClr>
+        </a:solidFill>
+        <a:round/>
+      </a:ln>
+    </cs:spPr>
+  </cs:seriesLine>
+  <cs:title>
+    <cs:lnRef idx="0"/>
+    <cs:fillRef idx="0"/>
+    <cs:effectRef idx="0"/>
+    <cs:fontRef idx="minor">
+      <a:schemeClr val="tx1">
+        <a:lumMod val="65000"/>
+        <a:lumOff val="35000"/>
+      </a:schemeClr>
+    </cs:fontRef>
+    <cs:defRPr sz="1400" b="0" kern="1200" spc="0" baseline="0"/>
+  </cs:title>
+  <cs:trendline>
+    <cs:lnRef idx="0">
+      <cs:styleClr val="auto"/>
+    </cs:lnRef>
+    <cs:fillRef idx="0"/>
+    <cs:effectRef idx="0"/>
+    <cs:fontRef idx="minor">
+      <a:schemeClr val="tx1"/>
+    </cs:fontRef>
+    <cs:spPr>
+      <a:ln w="19050" cap="rnd">
+        <a:solidFill>
+          <a:schemeClr val="phClr"/>
+        </a:solidFill>
+        <a:prstDash val="sysDot"/>
+      </a:ln>
+    </cs:spPr>
+  </cs:trendline>
+  <cs:trendlineLabel>
+    <cs:lnRef idx="0"/>
+    <cs:fillRef idx="0"/>
+    <cs:effectRef idx="0"/>
+    <cs:fontRef idx="minor">
+      <a:schemeClr val="tx1">
+        <a:lumMod val="65000"/>
+        <a:lumOff val="35000"/>
+      </a:schemeClr>
+    </cs:fontRef>
+    <cs:defRPr sz="900" kern="1200"/>
+  </cs:trendlineLabel>
+  <cs:upBar>
+    <cs:lnRef idx="0"/>
+    <cs:fillRef idx="0"/>
+    <cs:effectRef idx="0"/>
+    <cs:fontRef idx="minor">
+      <a:schemeClr val="dk1"/>
+    </cs:fontRef>
+    <cs:spPr>
+      <a:solidFill>
+        <a:schemeClr val="lt1"/>
+      </a:solidFill>
+      <a:ln w="9525">
+        <a:solidFill>
+          <a:schemeClr val="tx1">
+            <a:lumMod val="15000"/>
+            <a:lumOff val="85000"/>
+          </a:schemeClr>
+        </a:solidFill>
+      </a:ln>
+    </cs:spPr>
+  </cs:upBar>
+  <cs:valueAxis>
+    <cs:lnRef idx="0"/>
+    <cs:fillRef idx="0"/>
+    <cs:effectRef idx="0"/>
+    <cs:fontRef idx="minor">
+      <a:schemeClr val="tx1">
+        <a:lumMod val="65000"/>
+        <a:lumOff val="35000"/>
+      </a:schemeClr>
+    </cs:fontRef>
+    <cs:defRPr sz="900" kern="1200"/>
+  </cs:valueAxis>
+  <cs:wall>
+    <cs:lnRef idx="0"/>
+    <cs:fillRef idx="0"/>
+    <cs:effectRef idx="0"/>
+    <cs:fontRef idx="minor">
+      <a:schemeClr val="tx1"/>
+    </cs:fontRef>
+    <cs:spPr>
+      <a:noFill/>
+      <a:ln>
+        <a:noFill/>
+      </a:ln>
+    </cs:spPr>
+  </cs:wall>
+</cs:chartStyle>
+</file>
+
+<file path=ppt/charts/style4.xml><?xml version="1.0" encoding="utf-8"?>
+<cs:chartStyle xmlns:cs="http://schemas.microsoft.com/office/drawing/2012/chartStyle" xmlns:a="http://schemas.openxmlformats.org/drawingml/2006/main" id="227">
+  <cs:axisTitle>
+    <cs:lnRef idx="0"/>
+    <cs:fillRef idx="0"/>
+    <cs:effectRef idx="0"/>
+    <cs:fontRef idx="minor">
+      <a:schemeClr val="tx1">
+        <a:lumMod val="65000"/>
+        <a:lumOff val="35000"/>
+      </a:schemeClr>
+    </cs:fontRef>
+    <cs:defRPr sz="1000" kern="1200"/>
+  </cs:axisTitle>
+  <cs:categoryAxis>
+    <cs:lnRef idx="0"/>
+    <cs:fillRef idx="0"/>
+    <cs:effectRef idx="0"/>
+    <cs:fontRef idx="minor">
+      <a:schemeClr val="tx1">
+        <a:lumMod val="65000"/>
+        <a:lumOff val="35000"/>
+      </a:schemeClr>
+    </cs:fontRef>
+    <cs:spPr>
+      <a:ln w="9525" cap="flat" cmpd="sng" algn="ctr">
+        <a:solidFill>
+          <a:schemeClr val="tx1">
+            <a:lumMod val="15000"/>
+            <a:lumOff val="85000"/>
+          </a:schemeClr>
+        </a:solidFill>
+        <a:round/>
+      </a:ln>
+    </cs:spPr>
+    <cs:defRPr sz="900" kern="1200"/>
+  </cs:categoryAxis>
+  <cs:chartArea mods="allowNoFillOverride allowNoLineOverride">
+    <cs:lnRef idx="0"/>
+    <cs:fillRef idx="0"/>
+    <cs:effectRef idx="0"/>
+    <cs:fontRef idx="minor">
+      <a:schemeClr val="tx1"/>
+    </cs:fontRef>
+    <cs:spPr>
+      <a:solidFill>
+        <a:schemeClr val="bg1"/>
+      </a:solidFill>
+      <a:ln w="9525" cap="flat" cmpd="sng" algn="ctr">
+        <a:solidFill>
+          <a:schemeClr val="tx1">
+            <a:lumMod val="15000"/>
+            <a:lumOff val="85000"/>
+          </a:schemeClr>
+        </a:solidFill>
+        <a:round/>
+      </a:ln>
+    </cs:spPr>
+    <cs:defRPr sz="1000" kern="1200"/>
+  </cs:chartArea>
+  <cs:dataLabel>
+    <cs:lnRef idx="0"/>
+    <cs:fillRef idx="0"/>
+    <cs:effectRef idx="0"/>
+    <cs:fontRef idx="minor">
+      <a:schemeClr val="tx1">
+        <a:lumMod val="75000"/>
+        <a:lumOff val="25000"/>
+      </a:schemeClr>
+    </cs:fontRef>
+    <cs:defRPr sz="900" kern="1200"/>
+  </cs:dataLabel>
+  <cs:dataLabelCallout>
+    <cs:lnRef idx="0"/>
+    <cs:fillRef idx="0"/>
+    <cs:effectRef idx="0"/>
+    <cs:fontRef idx="minor">
+      <a:schemeClr val="dk1">
+        <a:lumMod val="65000"/>
+        <a:lumOff val="35000"/>
+      </a:schemeClr>
+    </cs:fontRef>
+    <cs:spPr>
+      <a:solidFill>
+        <a:schemeClr val="lt1"/>
+      </a:solidFill>
+      <a:ln>
+        <a:solidFill>
+          <a:schemeClr val="dk1">
+            <a:lumMod val="25000"/>
+            <a:lumOff val="75000"/>
+          </a:schemeClr>
+        </a:solidFill>
+      </a:ln>
+    </cs:spPr>
+    <cs:defRPr sz="900" kern="1200"/>
+    <cs:bodyPr rot="0" spcFirstLastPara="1" vertOverflow="clip" horzOverflow="clip" vert="horz" wrap="square" lIns="36576" tIns="18288" rIns="36576" bIns="18288" anchor="ctr" anchorCtr="1">
+      <a:spAutoFit/>
+    </cs:bodyPr>
+  </cs:dataLabelCallout>
+  <cs:dataPoint>
+    <cs:lnRef idx="0"/>
+    <cs:fillRef idx="1">
+      <cs:styleClr val="auto"/>
+    </cs:fillRef>
+    <cs:effectRef idx="0"/>
+    <cs:fontRef idx="minor">
+      <a:schemeClr val="tx1"/>
+    </cs:fontRef>
+    <cs:spPr>
+      <a:solidFill>
+        <a:schemeClr val="phClr"/>
+      </a:solidFill>
+    </cs:spPr>
+  </cs:dataPoint>
+  <cs:dataPoint3D>
+    <cs:lnRef idx="0"/>
+    <cs:fillRef idx="1">
+      <cs:styleClr val="auto"/>
+    </cs:fillRef>
+    <cs:effectRef idx="0"/>
+    <cs:fontRef idx="minor">
+      <a:schemeClr val="tx1"/>
+    </cs:fontRef>
+    <cs:spPr>
+      <a:solidFill>
+        <a:schemeClr val="phClr"/>
+      </a:solidFill>
+    </cs:spPr>
+  </cs:dataPoint3D>
+  <cs:dataPointLine>
+    <cs:lnRef idx="0">
+      <cs:styleClr val="auto"/>
+    </cs:lnRef>
+    <cs:fillRef idx="1"/>
+    <cs:effectRef idx="0"/>
+    <cs:fontRef idx="minor">
+      <a:schemeClr val="tx1"/>
+    </cs:fontRef>
+    <cs:spPr>
+      <a:ln w="28575" cap="rnd">
+        <a:solidFill>
+          <a:schemeClr val="phClr"/>
+        </a:solidFill>
+        <a:round/>
+      </a:ln>
+    </cs:spPr>
+  </cs:dataPointLine>
+  <cs:dataPointMarker>
+    <cs:lnRef idx="0">
+      <cs:styleClr val="auto"/>
+    </cs:lnRef>
+    <cs:fillRef idx="1">
+      <cs:styleClr val="auto"/>
+    </cs:fillRef>
+    <cs:effectRef idx="0"/>
+    <cs:fontRef idx="minor">
+      <a:schemeClr val="tx1"/>
+    </cs:fontRef>
+    <cs:spPr>
+      <a:solidFill>
+        <a:schemeClr val="phClr"/>
+      </a:solidFill>
+      <a:ln w="9525">
+        <a:solidFill>
+          <a:schemeClr val="phClr"/>
+        </a:solidFill>
+      </a:ln>
+    </cs:spPr>
+  </cs:dataPointMarker>
+  <cs:dataPointMarkerLayout symbol="circle" size="5"/>
+  <cs:dataPointWireframe>
+    <cs:lnRef idx="0">
+      <cs:styleClr val="auto"/>
+    </cs:lnRef>
+    <cs:fillRef idx="1"/>
+    <cs:effectRef idx="0"/>
+    <cs:fontRef idx="minor">
+      <a:schemeClr val="tx1"/>
+    </cs:fontRef>
+    <cs:spPr>
+      <a:ln w="9525" cap="rnd">
+        <a:solidFill>
+          <a:schemeClr val="phClr"/>
+        </a:solidFill>
+        <a:round/>
+      </a:ln>
+    </cs:spPr>
+  </cs:dataPointWireframe>
+  <cs:dataTable>
+    <cs:lnRef idx="0"/>
+    <cs:fillRef idx="0"/>
+    <cs:effectRef idx="0"/>
+    <cs:fontRef idx="minor">
+      <a:schemeClr val="tx1">
+        <a:lumMod val="65000"/>
+        <a:lumOff val="35000"/>
+      </a:schemeClr>
+    </cs:fontRef>
+    <cs:spPr>
+      <a:noFill/>
+      <a:ln w="9525" cap="flat" cmpd="sng" algn="ctr">
+        <a:solidFill>
+          <a:schemeClr val="tx1">
+            <a:lumMod val="15000"/>
+            <a:lumOff val="85000"/>
+          </a:schemeClr>
+        </a:solidFill>
+        <a:round/>
+      </a:ln>
+    </cs:spPr>
+    <cs:defRPr sz="900" kern="1200"/>
+  </cs:dataTable>
+  <cs:downBar>
+    <cs:lnRef idx="0"/>
+    <cs:fillRef idx="0"/>
+    <cs:effectRef idx="0"/>
+    <cs:fontRef idx="minor">
+      <a:schemeClr val="dk1"/>
+    </cs:fontRef>
+    <cs:spPr>
+      <a:solidFill>
+        <a:schemeClr val="dk1">
+          <a:lumMod val="65000"/>
+          <a:lumOff val="35000"/>
+        </a:schemeClr>
+      </a:solidFill>
+      <a:ln w="9525">
+        <a:solidFill>
+          <a:schemeClr val="tx1">
+            <a:lumMod val="65000"/>
+            <a:lumOff val="35000"/>
+          </a:schemeClr>
+        </a:solidFill>
+      </a:ln>
+    </cs:spPr>
+  </cs:downBar>
+  <cs:dropLine>
+    <cs:lnRef idx="0"/>
+    <cs:fillRef idx="0"/>
+    <cs:effectRef idx="0"/>
+    <cs:fontRef idx="minor">
+      <a:schemeClr val="tx1"/>
+    </cs:fontRef>
+    <cs:spPr>
+      <a:ln w="9525" cap="flat" cmpd="sng" algn="ctr">
+        <a:solidFill>
+          <a:schemeClr val="tx1">
+            <a:lumMod val="35000"/>
+            <a:lumOff val="65000"/>
+          </a:schemeClr>
+        </a:solidFill>
+        <a:round/>
+      </a:ln>
+    </cs:spPr>
+  </cs:dropLine>
+  <cs:errorBar>
+    <cs:lnRef idx="0"/>
+    <cs:fillRef idx="0"/>
+    <cs:effectRef idx="0"/>
+    <cs:fontRef idx="minor">
+      <a:schemeClr val="tx1"/>
+    </cs:fontRef>
+    <cs:spPr>
+      <a:ln w="9525" cap="flat" cmpd="sng" algn="ctr">
+        <a:solidFill>
+          <a:schemeClr val="tx1">
+            <a:lumMod val="65000"/>
+            <a:lumOff val="35000"/>
+          </a:schemeClr>
+        </a:solidFill>
+        <a:round/>
+      </a:ln>
+    </cs:spPr>
+  </cs:errorBar>
+  <cs:floor>
+    <cs:lnRef idx="0"/>
+    <cs:fillRef idx="0"/>
+    <cs:effectRef idx="0"/>
+    <cs:fontRef idx="minor">
+      <a:schemeClr val="tx1"/>
+    </cs:fontRef>
+    <cs:spPr>
+      <a:noFill/>
+      <a:ln>
+        <a:noFill/>
+      </a:ln>
+    </cs:spPr>
+  </cs:floor>
+  <cs:gridlineMajor>
+    <cs:lnRef idx="0"/>
+    <cs:fillRef idx="0"/>
+    <cs:effectRef idx="0"/>
+    <cs:fontRef idx="minor">
+      <a:schemeClr val="tx1"/>
+    </cs:fontRef>
+    <cs:spPr>
+      <a:ln w="9525" cap="flat" cmpd="sng" algn="ctr">
+        <a:solidFill>
+          <a:schemeClr val="tx1">
+            <a:lumMod val="15000"/>
+            <a:lumOff val="85000"/>
+          </a:schemeClr>
+        </a:solidFill>
+        <a:round/>
+      </a:ln>
+    </cs:spPr>
+  </cs:gridlineMajor>
+  <cs:gridlineMinor>
+    <cs:lnRef idx="0"/>
+    <cs:fillRef idx="0"/>
+    <cs:effectRef idx="0"/>
+    <cs:fontRef idx="minor">
+      <a:schemeClr val="tx1"/>
+    </cs:fontRef>
+    <cs:spPr>
+      <a:ln w="9525" cap="flat" cmpd="sng" algn="ctr">
+        <a:solidFill>
+          <a:schemeClr val="tx1">
+            <a:lumMod val="5000"/>
+            <a:lumOff val="95000"/>
+          </a:schemeClr>
+        </a:solidFill>
+        <a:round/>
+      </a:ln>
+    </cs:spPr>
+  </cs:gridlineMinor>
+  <cs:hiLoLine>
+    <cs:lnRef idx="0"/>
+    <cs:fillRef idx="0"/>
+    <cs:effectRef idx="0"/>
+    <cs:fontRef idx="minor">
+      <a:schemeClr val="tx1"/>
+    </cs:fontRef>
+    <cs:spPr>
+      <a:ln w="9525" cap="flat" cmpd="sng" algn="ctr">
+        <a:solidFill>
+          <a:schemeClr val="tx1">
+            <a:lumMod val="75000"/>
+            <a:lumOff val="25000"/>
+          </a:schemeClr>
+        </a:solidFill>
+        <a:round/>
+      </a:ln>
+    </cs:spPr>
+  </cs:hiLoLine>
+  <cs:leaderLine>
+    <cs:lnRef idx="0"/>
+    <cs:fillRef idx="0"/>
+    <cs:effectRef idx="0"/>
+    <cs:fontRef idx="minor">
+      <a:schemeClr val="tx1"/>
+    </cs:fontRef>
+    <cs:spPr>
+      <a:ln w="9525" cap="flat" cmpd="sng" algn="ctr">
+        <a:solidFill>
+          <a:schemeClr val="tx1">
+            <a:lumMod val="35000"/>
+            <a:lumOff val="65000"/>
+          </a:schemeClr>
+        </a:solidFill>
+        <a:round/>
+      </a:ln>
+    </cs:spPr>
+  </cs:leaderLine>
+  <cs:legend>
+    <cs:lnRef idx="0"/>
+    <cs:fillRef idx="0"/>
+    <cs:effectRef idx="0"/>
+    <cs:fontRef idx="minor">
+      <a:schemeClr val="tx1">
+        <a:lumMod val="65000"/>
+        <a:lumOff val="35000"/>
+      </a:schemeClr>
+    </cs:fontRef>
+    <cs:defRPr sz="900" kern="1200"/>
+  </cs:legend>
+  <cs:plotArea mods="allowNoFillOverride allowNoLineOverride">
+    <cs:lnRef idx="0"/>
+    <cs:fillRef idx="0"/>
+    <cs:effectRef idx="0"/>
+    <cs:fontRef idx="minor">
+      <a:schemeClr val="tx1"/>
+    </cs:fontRef>
+  </cs:plotArea>
+  <cs:plotArea3D mods="allowNoFillOverride allowNoLineOverride">
+    <cs:lnRef idx="0"/>
+    <cs:fillRef idx="0"/>
+    <cs:effectRef idx="0"/>
+    <cs:fontRef idx="minor">
+      <a:schemeClr val="tx1"/>
+    </cs:fontRef>
+  </cs:plotArea3D>
+  <cs:seriesAxis>
+    <cs:lnRef idx="0"/>
+    <cs:fillRef idx="0"/>
+    <cs:effectRef idx="0"/>
+    <cs:fontRef idx="minor">
+      <a:schemeClr val="tx1">
+        <a:lumMod val="65000"/>
+        <a:lumOff val="35000"/>
+      </a:schemeClr>
+    </cs:fontRef>
+    <cs:defRPr sz="900" kern="1200"/>
+  </cs:seriesAxis>
+  <cs:seriesLine>
+    <cs:lnRef idx="0"/>
+    <cs:fillRef idx="0"/>
+    <cs:effectRef idx="0"/>
+    <cs:fontRef idx="minor">
+      <a:schemeClr val="tx1"/>
+    </cs:fontRef>
+    <cs:spPr>
+      <a:ln w="9525" cap="flat" cmpd="sng" algn="ctr">
+        <a:solidFill>
+          <a:schemeClr val="tx1">
+            <a:lumMod val="35000"/>
+            <a:lumOff val="65000"/>
+          </a:schemeClr>
+        </a:solidFill>
+        <a:round/>
+      </a:ln>
+    </cs:spPr>
+  </cs:seriesLine>
+  <cs:title>
+    <cs:lnRef idx="0"/>
+    <cs:fillRef idx="0"/>
+    <cs:effectRef idx="0"/>
+    <cs:fontRef idx="minor">
+      <a:schemeClr val="tx1">
+        <a:lumMod val="65000"/>
+        <a:lumOff val="35000"/>
+      </a:schemeClr>
+    </cs:fontRef>
+    <cs:defRPr sz="1400" b="0" kern="1200" spc="0" baseline="0"/>
+  </cs:title>
+  <cs:trendline>
+    <cs:lnRef idx="0">
+      <cs:styleClr val="auto"/>
+    </cs:lnRef>
+    <cs:fillRef idx="0"/>
+    <cs:effectRef idx="0"/>
+    <cs:fontRef idx="minor">
+      <a:schemeClr val="tx1"/>
+    </cs:fontRef>
+    <cs:spPr>
+      <a:ln w="19050" cap="rnd">
+        <a:solidFill>
+          <a:schemeClr val="phClr"/>
+        </a:solidFill>
+        <a:prstDash val="sysDot"/>
+      </a:ln>
+    </cs:spPr>
+  </cs:trendline>
+  <cs:trendlineLabel>
+    <cs:lnRef idx="0"/>
+    <cs:fillRef idx="0"/>
+    <cs:effectRef idx="0"/>
+    <cs:fontRef idx="minor">
+      <a:schemeClr val="tx1">
+        <a:lumMod val="65000"/>
+        <a:lumOff val="35000"/>
+      </a:schemeClr>
+    </cs:fontRef>
+    <cs:defRPr sz="900" kern="1200"/>
+  </cs:trendlineLabel>
+  <cs:upBar>
+    <cs:lnRef idx="0"/>
+    <cs:fillRef idx="0"/>
+    <cs:effectRef idx="0"/>
+    <cs:fontRef idx="minor">
+      <a:schemeClr val="dk1"/>
+    </cs:fontRef>
+    <cs:spPr>
+      <a:solidFill>
+        <a:schemeClr val="lt1"/>
+      </a:solidFill>
+      <a:ln w="9525">
+        <a:solidFill>
+          <a:schemeClr val="tx1">
+            <a:lumMod val="15000"/>
+            <a:lumOff val="85000"/>
+          </a:schemeClr>
+        </a:solidFill>
+      </a:ln>
+    </cs:spPr>
+  </cs:upBar>
+  <cs:valueAxis>
+    <cs:lnRef idx="0"/>
+    <cs:fillRef idx="0"/>
+    <cs:effectRef idx="0"/>
+    <cs:fontRef idx="minor">
+      <a:schemeClr val="tx1">
+        <a:lumMod val="65000"/>
+        <a:lumOff val="35000"/>
+      </a:schemeClr>
+    </cs:fontRef>
+    <cs:defRPr sz="900" kern="1200"/>
+  </cs:valueAxis>
+  <cs:wall>
+    <cs:lnRef idx="0"/>
+    <cs:fillRef idx="0"/>
+    <cs:effectRef idx="0"/>
+    <cs:fontRef idx="minor">
+      <a:schemeClr val="tx1"/>
+    </cs:fontRef>
+    <cs:spPr>
+      <a:noFill/>
+      <a:ln>
+        <a:noFill/>
+      </a:ln>
+    </cs:spPr>
+  </cs:wall>
+</cs:chartStyle>
+</file>
+
 <file path=ppt/notesMasters/notesMaster1.xml><?xml version="1.0" encoding="utf-8"?>
 <p:notesMaster xmlns:a="http://schemas.openxmlformats.org/drawingml/2006/main" xmlns:r="http://schemas.openxmlformats.org/officeDocument/2006/relationships" xmlns:p="http://schemas.openxmlformats.org/presentationml/2006/main">
   <p:cSld>
@@ -203,7 +5573,7 @@
           <a:p>
             <a:fld id="{58338CC4-4E61-4E88-8B97-D8247B067FE5}" type="datetimeFigureOut">
               <a:rPr lang="en-GB" smtClean="0"/>
-              <a:t>28/11/2023</a:t>
+              <a:t>15/02/2024</a:t>
             </a:fld>
             <a:endParaRPr lang="en-GB"/>
           </a:p>
@@ -515,42 +5885,934 @@
           <a:bodyPr/>
           <a:lstStyle/>
           <a:p>
-            <a:pPr>
-              <a:lnSpc>
-                <a:spcPct val="100000"/>
-              </a:lnSpc>
-              <a:spcBef>
-                <a:spcPts val="300"/>
-              </a:spcBef>
-              <a:spcAft>
-                <a:spcPts val="200"/>
-              </a:spcAft>
-              <a:buSzPct val="80000"/>
-              <a:tabLst>
-                <a:tab pos="457200" algn="l"/>
-              </a:tabLst>
-            </a:pPr>
-            <a:r>
-              <a:rPr lang="en-GB" sz="1200" dirty="0">
-                <a:effectLst/>
-                <a:ea typeface="Times New Roman" panose="02020603050405020304" pitchFamily="18" charset="0"/>
-              </a:rPr>
-              <a:t>must pass </a:t>
-            </a:r>
-            <a:r>
-              <a:rPr lang="en-GB" sz="1200" dirty="0" err="1">
-                <a:effectLst/>
-                <a:ea typeface="Times New Roman" panose="02020603050405020304" pitchFamily="18" charset="0"/>
-              </a:rPr>
-              <a:t>MidiKeyboardState</a:t>
-            </a:r>
-            <a:r>
-              <a:rPr lang="en-GB" sz="1200" dirty="0">
-                <a:effectLst/>
-                <a:ea typeface="Times New Roman" panose="02020603050405020304" pitchFamily="18" charset="0"/>
-              </a:rPr>
-              <a:t> object to initialise MidiKeyboardComponent object</a:t>
-            </a:r>
+            <a:r>
+              <a:rPr lang="en-GB" sz="1800" dirty="0">
+                <a:solidFill>
+                  <a:srgbClr val="000000"/>
+                </a:solidFill>
+                <a:latin typeface="Cascadia Mono" panose="020B0609020000020004" pitchFamily="49" charset="0"/>
+              </a:rPr>
+              <a:t> </a:t>
+            </a:r>
+            <a:r>
+              <a:rPr lang="en-GB" sz="1800" dirty="0">
+                <a:solidFill>
+                  <a:srgbClr val="0000FF"/>
+                </a:solidFill>
+                <a:latin typeface="Cascadia Mono" panose="020B0609020000020004" pitchFamily="49" charset="0"/>
+              </a:rPr>
+              <a:t>case</a:t>
+            </a:r>
+            <a:r>
+              <a:rPr lang="en-GB" sz="1800" dirty="0">
+                <a:solidFill>
+                  <a:srgbClr val="000000"/>
+                </a:solidFill>
+                <a:latin typeface="Cascadia Mono" panose="020B0609020000020004" pitchFamily="49" charset="0"/>
+              </a:rPr>
+              <a:t> 0:</a:t>
+            </a:r>
+            <a:r>
+              <a:rPr lang="en-GB" sz="1800" dirty="0">
+                <a:solidFill>
+                  <a:srgbClr val="008000"/>
+                </a:solidFill>
+                <a:latin typeface="Cascadia Mono" panose="020B0609020000020004" pitchFamily="49" charset="0"/>
+              </a:rPr>
+              <a:t>//Triangle:</a:t>
+            </a:r>
+            <a:endParaRPr lang="en-GB" sz="1800" dirty="0">
+              <a:solidFill>
+                <a:srgbClr val="000000"/>
+              </a:solidFill>
+              <a:latin typeface="Cascadia Mono" panose="020B0609020000020004" pitchFamily="49" charset="0"/>
+            </a:endParaRPr>
+          </a:p>
+          <a:p>
+            <a:r>
+              <a:rPr lang="en-GB" sz="1800" dirty="0">
+                <a:solidFill>
+                  <a:srgbClr val="000000"/>
+                </a:solidFill>
+                <a:latin typeface="Cascadia Mono" panose="020B0609020000020004" pitchFamily="49" charset="0"/>
+              </a:rPr>
+              <a:t>      </a:t>
+            </a:r>
+            <a:r>
+              <a:rPr lang="en-GB" sz="1800" dirty="0">
+                <a:solidFill>
+                  <a:srgbClr val="0000FF"/>
+                </a:solidFill>
+                <a:latin typeface="Cascadia Mono" panose="020B0609020000020004" pitchFamily="49" charset="0"/>
+              </a:rPr>
+              <a:t>if</a:t>
+            </a:r>
+            <a:r>
+              <a:rPr lang="en-GB" sz="1800" dirty="0">
+                <a:solidFill>
+                  <a:srgbClr val="000000"/>
+                </a:solidFill>
+                <a:latin typeface="Cascadia Mono" panose="020B0609020000020004" pitchFamily="49" charset="0"/>
+              </a:rPr>
+              <a:t> (</a:t>
+            </a:r>
+            <a:r>
+              <a:rPr lang="en-GB" sz="1800" dirty="0">
+                <a:solidFill>
+                  <a:srgbClr val="808080"/>
+                </a:solidFill>
+                <a:latin typeface="Cascadia Mono" panose="020B0609020000020004" pitchFamily="49" charset="0"/>
+              </a:rPr>
+              <a:t>phase</a:t>
+            </a:r>
+            <a:r>
+              <a:rPr lang="en-GB" sz="1800" dirty="0">
+                <a:solidFill>
+                  <a:srgbClr val="000000"/>
+                </a:solidFill>
+                <a:latin typeface="Cascadia Mono" panose="020B0609020000020004" pitchFamily="49" charset="0"/>
+              </a:rPr>
+              <a:t> &lt; 0.25f) </a:t>
+            </a:r>
+            <a:r>
+              <a:rPr lang="en-GB" sz="1800" dirty="0">
+                <a:solidFill>
+                  <a:srgbClr val="0000FF"/>
+                </a:solidFill>
+                <a:latin typeface="Cascadia Mono" panose="020B0609020000020004" pitchFamily="49" charset="0"/>
+              </a:rPr>
+              <a:t>return</a:t>
+            </a:r>
+            <a:r>
+              <a:rPr lang="en-GB" sz="1800" dirty="0">
+                <a:solidFill>
+                  <a:srgbClr val="000000"/>
+                </a:solidFill>
+                <a:latin typeface="Cascadia Mono" panose="020B0609020000020004" pitchFamily="49" charset="0"/>
+              </a:rPr>
+              <a:t> 0.5f + 2.0f*</a:t>
+            </a:r>
+            <a:r>
+              <a:rPr lang="en-GB" sz="1800" dirty="0">
+                <a:solidFill>
+                  <a:srgbClr val="808080"/>
+                </a:solidFill>
+                <a:latin typeface="Cascadia Mono" panose="020B0609020000020004" pitchFamily="49" charset="0"/>
+              </a:rPr>
+              <a:t>phase</a:t>
+            </a:r>
+            <a:r>
+              <a:rPr lang="en-GB" sz="1800" dirty="0">
+                <a:solidFill>
+                  <a:srgbClr val="000000"/>
+                </a:solidFill>
+                <a:latin typeface="Cascadia Mono" panose="020B0609020000020004" pitchFamily="49" charset="0"/>
+              </a:rPr>
+              <a:t>;               </a:t>
+            </a:r>
+            <a:r>
+              <a:rPr lang="en-GB" sz="1800" dirty="0">
+                <a:solidFill>
+                  <a:srgbClr val="008000"/>
+                </a:solidFill>
+                <a:latin typeface="Cascadia Mono" panose="020B0609020000020004" pitchFamily="49" charset="0"/>
+              </a:rPr>
+              <a:t>// .5 to 1</a:t>
+            </a:r>
+            <a:endParaRPr lang="en-GB" sz="1800" dirty="0">
+              <a:solidFill>
+                <a:srgbClr val="000000"/>
+              </a:solidFill>
+              <a:latin typeface="Cascadia Mono" panose="020B0609020000020004" pitchFamily="49" charset="0"/>
+            </a:endParaRPr>
+          </a:p>
+          <a:p>
+            <a:r>
+              <a:rPr lang="en-GB" sz="1800" dirty="0">
+                <a:solidFill>
+                  <a:srgbClr val="000000"/>
+                </a:solidFill>
+                <a:latin typeface="Cascadia Mono" panose="020B0609020000020004" pitchFamily="49" charset="0"/>
+              </a:rPr>
+              <a:t>      </a:t>
+            </a:r>
+            <a:r>
+              <a:rPr lang="en-GB" sz="1800" dirty="0">
+                <a:solidFill>
+                  <a:srgbClr val="0000FF"/>
+                </a:solidFill>
+                <a:latin typeface="Cascadia Mono" panose="020B0609020000020004" pitchFamily="49" charset="0"/>
+              </a:rPr>
+              <a:t>else</a:t>
+            </a:r>
+            <a:r>
+              <a:rPr lang="en-GB" sz="1800" dirty="0">
+                <a:solidFill>
+                  <a:srgbClr val="000000"/>
+                </a:solidFill>
+                <a:latin typeface="Cascadia Mono" panose="020B0609020000020004" pitchFamily="49" charset="0"/>
+              </a:rPr>
+              <a:t> </a:t>
+            </a:r>
+            <a:r>
+              <a:rPr lang="en-GB" sz="1800" dirty="0">
+                <a:solidFill>
+                  <a:srgbClr val="0000FF"/>
+                </a:solidFill>
+                <a:latin typeface="Cascadia Mono" panose="020B0609020000020004" pitchFamily="49" charset="0"/>
+              </a:rPr>
+              <a:t>if</a:t>
+            </a:r>
+            <a:r>
+              <a:rPr lang="en-GB" sz="1800" dirty="0">
+                <a:solidFill>
+                  <a:srgbClr val="000000"/>
+                </a:solidFill>
+                <a:latin typeface="Cascadia Mono" panose="020B0609020000020004" pitchFamily="49" charset="0"/>
+              </a:rPr>
+              <a:t> (</a:t>
+            </a:r>
+            <a:r>
+              <a:rPr lang="en-GB" sz="1800" dirty="0">
+                <a:solidFill>
+                  <a:srgbClr val="808080"/>
+                </a:solidFill>
+                <a:latin typeface="Cascadia Mono" panose="020B0609020000020004" pitchFamily="49" charset="0"/>
+              </a:rPr>
+              <a:t>phase</a:t>
+            </a:r>
+            <a:r>
+              <a:rPr lang="en-GB" sz="1800" dirty="0">
+                <a:solidFill>
+                  <a:srgbClr val="000000"/>
+                </a:solidFill>
+                <a:latin typeface="Cascadia Mono" panose="020B0609020000020004" pitchFamily="49" charset="0"/>
+              </a:rPr>
+              <a:t> &lt; 0.75f) </a:t>
+            </a:r>
+            <a:r>
+              <a:rPr lang="en-GB" sz="1800" dirty="0">
+                <a:solidFill>
+                  <a:srgbClr val="0000FF"/>
+                </a:solidFill>
+                <a:latin typeface="Cascadia Mono" panose="020B0609020000020004" pitchFamily="49" charset="0"/>
+              </a:rPr>
+              <a:t>return</a:t>
+            </a:r>
+            <a:r>
+              <a:rPr lang="en-GB" sz="1800" dirty="0">
+                <a:solidFill>
+                  <a:srgbClr val="000000"/>
+                </a:solidFill>
+                <a:latin typeface="Cascadia Mono" panose="020B0609020000020004" pitchFamily="49" charset="0"/>
+              </a:rPr>
+              <a:t> 1.0f - 2.0f*(</a:t>
+            </a:r>
+            <a:r>
+              <a:rPr lang="en-GB" sz="1800" dirty="0">
+                <a:solidFill>
+                  <a:srgbClr val="808080"/>
+                </a:solidFill>
+                <a:latin typeface="Cascadia Mono" panose="020B0609020000020004" pitchFamily="49" charset="0"/>
+              </a:rPr>
+              <a:t>phase</a:t>
+            </a:r>
+            <a:r>
+              <a:rPr lang="en-GB" sz="1800" dirty="0">
+                <a:solidFill>
+                  <a:srgbClr val="000000"/>
+                </a:solidFill>
+                <a:latin typeface="Cascadia Mono" panose="020B0609020000020004" pitchFamily="49" charset="0"/>
+              </a:rPr>
+              <a:t> - 0.25f);</a:t>
+            </a:r>
+            <a:r>
+              <a:rPr lang="en-GB" sz="1800" dirty="0">
+                <a:solidFill>
+                  <a:srgbClr val="008000"/>
+                </a:solidFill>
+                <a:latin typeface="Cascadia Mono" panose="020B0609020000020004" pitchFamily="49" charset="0"/>
+              </a:rPr>
+              <a:t>// 1 to 0</a:t>
+            </a:r>
+            <a:endParaRPr lang="en-GB" sz="1800" dirty="0">
+              <a:solidFill>
+                <a:srgbClr val="000000"/>
+              </a:solidFill>
+              <a:latin typeface="Cascadia Mono" panose="020B0609020000020004" pitchFamily="49" charset="0"/>
+            </a:endParaRPr>
+          </a:p>
+          <a:p>
+            <a:r>
+              <a:rPr lang="en-GB" sz="1800" dirty="0">
+                <a:solidFill>
+                  <a:srgbClr val="000000"/>
+                </a:solidFill>
+                <a:latin typeface="Cascadia Mono" panose="020B0609020000020004" pitchFamily="49" charset="0"/>
+              </a:rPr>
+              <a:t>      </a:t>
+            </a:r>
+            <a:r>
+              <a:rPr lang="en-GB" sz="1800" dirty="0">
+                <a:solidFill>
+                  <a:srgbClr val="0000FF"/>
+                </a:solidFill>
+                <a:latin typeface="Cascadia Mono" panose="020B0609020000020004" pitchFamily="49" charset="0"/>
+              </a:rPr>
+              <a:t>else</a:t>
+            </a:r>
+            <a:r>
+              <a:rPr lang="en-GB" sz="1800" dirty="0">
+                <a:solidFill>
+                  <a:srgbClr val="000000"/>
+                </a:solidFill>
+                <a:latin typeface="Cascadia Mono" panose="020B0609020000020004" pitchFamily="49" charset="0"/>
+              </a:rPr>
+              <a:t> </a:t>
+            </a:r>
+            <a:r>
+              <a:rPr lang="en-GB" sz="1800" dirty="0">
+                <a:solidFill>
+                  <a:srgbClr val="0000FF"/>
+                </a:solidFill>
+                <a:latin typeface="Cascadia Mono" panose="020B0609020000020004" pitchFamily="49" charset="0"/>
+              </a:rPr>
+              <a:t>return</a:t>
+            </a:r>
+            <a:r>
+              <a:rPr lang="en-GB" sz="1800" dirty="0">
+                <a:solidFill>
+                  <a:srgbClr val="000000"/>
+                </a:solidFill>
+                <a:latin typeface="Cascadia Mono" panose="020B0609020000020004" pitchFamily="49" charset="0"/>
+              </a:rPr>
+              <a:t> 2.0f*(</a:t>
+            </a:r>
+            <a:r>
+              <a:rPr lang="en-GB" sz="1800" dirty="0">
+                <a:solidFill>
+                  <a:srgbClr val="808080"/>
+                </a:solidFill>
+                <a:latin typeface="Cascadia Mono" panose="020B0609020000020004" pitchFamily="49" charset="0"/>
+              </a:rPr>
+              <a:t>phase</a:t>
+            </a:r>
+            <a:r>
+              <a:rPr lang="en-GB" sz="1800" dirty="0">
+                <a:solidFill>
+                  <a:srgbClr val="000000"/>
+                </a:solidFill>
+                <a:latin typeface="Cascadia Mono" panose="020B0609020000020004" pitchFamily="49" charset="0"/>
+              </a:rPr>
+              <a:t> - 0.75f);                          </a:t>
+            </a:r>
+            <a:r>
+              <a:rPr lang="en-GB" sz="1800" dirty="0">
+                <a:solidFill>
+                  <a:srgbClr val="008000"/>
+                </a:solidFill>
+                <a:latin typeface="Cascadia Mono" panose="020B0609020000020004" pitchFamily="49" charset="0"/>
+              </a:rPr>
+              <a:t>// 0 to .5</a:t>
+            </a:r>
+            <a:endParaRPr lang="en-GB" sz="1800" dirty="0">
+              <a:solidFill>
+                <a:srgbClr val="000000"/>
+              </a:solidFill>
+              <a:latin typeface="Cascadia Mono" panose="020B0609020000020004" pitchFamily="49" charset="0"/>
+            </a:endParaRPr>
+          </a:p>
+          <a:p>
+            <a:r>
+              <a:rPr lang="en-GB" sz="1800" dirty="0">
+                <a:solidFill>
+                  <a:srgbClr val="000000"/>
+                </a:solidFill>
+                <a:latin typeface="Cascadia Mono" panose="020B0609020000020004" pitchFamily="49" charset="0"/>
+              </a:rPr>
+              <a:t>    </a:t>
+            </a:r>
+            <a:r>
+              <a:rPr lang="en-GB" sz="1800" dirty="0">
+                <a:solidFill>
+                  <a:srgbClr val="0000FF"/>
+                </a:solidFill>
+                <a:latin typeface="Cascadia Mono" panose="020B0609020000020004" pitchFamily="49" charset="0"/>
+              </a:rPr>
+              <a:t>case</a:t>
+            </a:r>
+            <a:r>
+              <a:rPr lang="en-GB" sz="1800" dirty="0">
+                <a:solidFill>
+                  <a:srgbClr val="000000"/>
+                </a:solidFill>
+                <a:latin typeface="Cascadia Mono" panose="020B0609020000020004" pitchFamily="49" charset="0"/>
+              </a:rPr>
+              <a:t> 1:</a:t>
+            </a:r>
+            <a:r>
+              <a:rPr lang="en-GB" sz="1800" dirty="0">
+                <a:solidFill>
+                  <a:srgbClr val="008000"/>
+                </a:solidFill>
+                <a:latin typeface="Cascadia Mono" panose="020B0609020000020004" pitchFamily="49" charset="0"/>
+              </a:rPr>
+              <a:t>//square</a:t>
+            </a:r>
+            <a:endParaRPr lang="en-GB" sz="1800" dirty="0">
+              <a:solidFill>
+                <a:srgbClr val="000000"/>
+              </a:solidFill>
+              <a:latin typeface="Cascadia Mono" panose="020B0609020000020004" pitchFamily="49" charset="0"/>
+            </a:endParaRPr>
+          </a:p>
+          <a:p>
+            <a:r>
+              <a:rPr lang="en-GB" sz="1800" dirty="0">
+                <a:solidFill>
+                  <a:srgbClr val="000000"/>
+                </a:solidFill>
+                <a:latin typeface="Cascadia Mono" panose="020B0609020000020004" pitchFamily="49" charset="0"/>
+              </a:rPr>
+              <a:t>      </a:t>
+            </a:r>
+            <a:r>
+              <a:rPr lang="en-GB" sz="1800" dirty="0">
+                <a:solidFill>
+                  <a:srgbClr val="0000FF"/>
+                </a:solidFill>
+                <a:latin typeface="Cascadia Mono" panose="020B0609020000020004" pitchFamily="49" charset="0"/>
+              </a:rPr>
+              <a:t>if</a:t>
+            </a:r>
+            <a:r>
+              <a:rPr lang="en-GB" sz="1800" dirty="0">
+                <a:solidFill>
+                  <a:srgbClr val="000000"/>
+                </a:solidFill>
+                <a:latin typeface="Cascadia Mono" panose="020B0609020000020004" pitchFamily="49" charset="0"/>
+              </a:rPr>
+              <a:t> (</a:t>
+            </a:r>
+            <a:r>
+              <a:rPr lang="en-GB" sz="1800" dirty="0">
+                <a:solidFill>
+                  <a:srgbClr val="808080"/>
+                </a:solidFill>
+                <a:latin typeface="Cascadia Mono" panose="020B0609020000020004" pitchFamily="49" charset="0"/>
+              </a:rPr>
+              <a:t>phase</a:t>
+            </a:r>
+            <a:r>
+              <a:rPr lang="en-GB" sz="1800" dirty="0">
+                <a:solidFill>
+                  <a:srgbClr val="000000"/>
+                </a:solidFill>
+                <a:latin typeface="Cascadia Mono" panose="020B0609020000020004" pitchFamily="49" charset="0"/>
+              </a:rPr>
+              <a:t> &lt; 0.5f) </a:t>
+            </a:r>
+            <a:r>
+              <a:rPr lang="en-GB" sz="1800" dirty="0">
+                <a:solidFill>
+                  <a:srgbClr val="0000FF"/>
+                </a:solidFill>
+                <a:latin typeface="Cascadia Mono" panose="020B0609020000020004" pitchFamily="49" charset="0"/>
+              </a:rPr>
+              <a:t>return</a:t>
+            </a:r>
+            <a:r>
+              <a:rPr lang="en-GB" sz="1800" dirty="0">
+                <a:solidFill>
+                  <a:srgbClr val="000000"/>
+                </a:solidFill>
+                <a:latin typeface="Cascadia Mono" panose="020B0609020000020004" pitchFamily="49" charset="0"/>
+              </a:rPr>
+              <a:t> 1.0f;</a:t>
+            </a:r>
+          </a:p>
+          <a:p>
+            <a:r>
+              <a:rPr lang="en-GB" sz="1800" dirty="0">
+                <a:solidFill>
+                  <a:srgbClr val="000000"/>
+                </a:solidFill>
+                <a:latin typeface="Cascadia Mono" panose="020B0609020000020004" pitchFamily="49" charset="0"/>
+              </a:rPr>
+              <a:t>      </a:t>
+            </a:r>
+            <a:r>
+              <a:rPr lang="en-GB" sz="1800" dirty="0">
+                <a:solidFill>
+                  <a:srgbClr val="0000FF"/>
+                </a:solidFill>
+                <a:latin typeface="Cascadia Mono" panose="020B0609020000020004" pitchFamily="49" charset="0"/>
+              </a:rPr>
+              <a:t>else</a:t>
+            </a:r>
+            <a:r>
+              <a:rPr lang="en-GB" sz="1800" dirty="0">
+                <a:solidFill>
+                  <a:srgbClr val="000000"/>
+                </a:solidFill>
+                <a:latin typeface="Cascadia Mono" panose="020B0609020000020004" pitchFamily="49" charset="0"/>
+              </a:rPr>
+              <a:t> </a:t>
+            </a:r>
+            <a:r>
+              <a:rPr lang="en-GB" sz="1800" dirty="0">
+                <a:solidFill>
+                  <a:srgbClr val="0000FF"/>
+                </a:solidFill>
+                <a:latin typeface="Cascadia Mono" panose="020B0609020000020004" pitchFamily="49" charset="0"/>
+              </a:rPr>
+              <a:t>return</a:t>
+            </a:r>
+            <a:r>
+              <a:rPr lang="en-GB" sz="1800" dirty="0">
+                <a:solidFill>
+                  <a:srgbClr val="000000"/>
+                </a:solidFill>
+                <a:latin typeface="Cascadia Mono" panose="020B0609020000020004" pitchFamily="49" charset="0"/>
+              </a:rPr>
+              <a:t> 0.0f;</a:t>
+            </a:r>
+          </a:p>
+          <a:p>
+            <a:r>
+              <a:rPr lang="en-GB" sz="1800" dirty="0">
+                <a:solidFill>
+                  <a:srgbClr val="000000"/>
+                </a:solidFill>
+                <a:latin typeface="Cascadia Mono" panose="020B0609020000020004" pitchFamily="49" charset="0"/>
+              </a:rPr>
+              <a:t>    </a:t>
+            </a:r>
+            <a:r>
+              <a:rPr lang="en-GB" sz="1800" dirty="0">
+                <a:solidFill>
+                  <a:srgbClr val="0000FF"/>
+                </a:solidFill>
+                <a:latin typeface="Cascadia Mono" panose="020B0609020000020004" pitchFamily="49" charset="0"/>
+              </a:rPr>
+              <a:t>case</a:t>
+            </a:r>
+            <a:r>
+              <a:rPr lang="en-GB" sz="1800" dirty="0">
+                <a:solidFill>
+                  <a:srgbClr val="000000"/>
+                </a:solidFill>
+                <a:latin typeface="Cascadia Mono" panose="020B0609020000020004" pitchFamily="49" charset="0"/>
+              </a:rPr>
+              <a:t> 2:</a:t>
+            </a:r>
+            <a:r>
+              <a:rPr lang="en-GB" sz="1800" dirty="0">
+                <a:solidFill>
+                  <a:srgbClr val="008000"/>
+                </a:solidFill>
+                <a:latin typeface="Cascadia Mono" panose="020B0609020000020004" pitchFamily="49" charset="0"/>
+              </a:rPr>
+              <a:t>//Sawtooth:</a:t>
+            </a:r>
+            <a:endParaRPr lang="en-GB" sz="1800" dirty="0">
+              <a:solidFill>
+                <a:srgbClr val="000000"/>
+              </a:solidFill>
+              <a:latin typeface="Cascadia Mono" panose="020B0609020000020004" pitchFamily="49" charset="0"/>
+            </a:endParaRPr>
+          </a:p>
+          <a:p>
+            <a:r>
+              <a:rPr lang="en-GB" sz="1800" dirty="0">
+                <a:solidFill>
+                  <a:srgbClr val="000000"/>
+                </a:solidFill>
+                <a:latin typeface="Cascadia Mono" panose="020B0609020000020004" pitchFamily="49" charset="0"/>
+              </a:rPr>
+              <a:t>      </a:t>
+            </a:r>
+            <a:r>
+              <a:rPr lang="en-GB" sz="1800" dirty="0">
+                <a:solidFill>
+                  <a:srgbClr val="0000FF"/>
+                </a:solidFill>
+                <a:latin typeface="Cascadia Mono" panose="020B0609020000020004" pitchFamily="49" charset="0"/>
+              </a:rPr>
+              <a:t>if</a:t>
+            </a:r>
+            <a:r>
+              <a:rPr lang="en-GB" sz="1800" dirty="0">
+                <a:solidFill>
+                  <a:srgbClr val="000000"/>
+                </a:solidFill>
+                <a:latin typeface="Cascadia Mono" panose="020B0609020000020004" pitchFamily="49" charset="0"/>
+              </a:rPr>
+              <a:t> (</a:t>
+            </a:r>
+            <a:r>
+              <a:rPr lang="en-GB" sz="1800" dirty="0">
+                <a:solidFill>
+                  <a:srgbClr val="808080"/>
+                </a:solidFill>
+                <a:latin typeface="Cascadia Mono" panose="020B0609020000020004" pitchFamily="49" charset="0"/>
+              </a:rPr>
+              <a:t>phase</a:t>
+            </a:r>
+            <a:r>
+              <a:rPr lang="en-GB" sz="1800" dirty="0">
+                <a:solidFill>
+                  <a:srgbClr val="000000"/>
+                </a:solidFill>
+                <a:latin typeface="Cascadia Mono" panose="020B0609020000020004" pitchFamily="49" charset="0"/>
+              </a:rPr>
+              <a:t> &lt; 0.5f) </a:t>
+            </a:r>
+            <a:r>
+              <a:rPr lang="en-GB" sz="1800" dirty="0">
+                <a:solidFill>
+                  <a:srgbClr val="0000FF"/>
+                </a:solidFill>
+                <a:latin typeface="Cascadia Mono" panose="020B0609020000020004" pitchFamily="49" charset="0"/>
+              </a:rPr>
+              <a:t>return</a:t>
+            </a:r>
+            <a:r>
+              <a:rPr lang="en-GB" sz="1800" dirty="0">
+                <a:solidFill>
+                  <a:srgbClr val="000000"/>
+                </a:solidFill>
+                <a:latin typeface="Cascadia Mono" panose="020B0609020000020004" pitchFamily="49" charset="0"/>
+              </a:rPr>
+              <a:t> 0.5f + </a:t>
+            </a:r>
+            <a:r>
+              <a:rPr lang="en-GB" sz="1800" dirty="0">
+                <a:solidFill>
+                  <a:srgbClr val="808080"/>
+                </a:solidFill>
+                <a:latin typeface="Cascadia Mono" panose="020B0609020000020004" pitchFamily="49" charset="0"/>
+              </a:rPr>
+              <a:t>phase</a:t>
+            </a:r>
+            <a:r>
+              <a:rPr lang="en-GB" sz="1800" dirty="0">
+                <a:solidFill>
+                  <a:srgbClr val="000000"/>
+                </a:solidFill>
+                <a:latin typeface="Cascadia Mono" panose="020B0609020000020004" pitchFamily="49" charset="0"/>
+              </a:rPr>
+              <a:t>;</a:t>
+            </a:r>
+            <a:r>
+              <a:rPr lang="en-GB" sz="1800" dirty="0">
+                <a:solidFill>
+                  <a:srgbClr val="008000"/>
+                </a:solidFill>
+                <a:latin typeface="Cascadia Mono" panose="020B0609020000020004" pitchFamily="49" charset="0"/>
+              </a:rPr>
+              <a:t>// .5 to 1</a:t>
+            </a:r>
+            <a:endParaRPr lang="en-GB" sz="1800" dirty="0">
+              <a:solidFill>
+                <a:srgbClr val="000000"/>
+              </a:solidFill>
+              <a:latin typeface="Cascadia Mono" panose="020B0609020000020004" pitchFamily="49" charset="0"/>
+            </a:endParaRPr>
+          </a:p>
+          <a:p>
+            <a:r>
+              <a:rPr lang="en-GB" sz="1800" dirty="0">
+                <a:solidFill>
+                  <a:srgbClr val="000000"/>
+                </a:solidFill>
+                <a:latin typeface="Cascadia Mono" panose="020B0609020000020004" pitchFamily="49" charset="0"/>
+              </a:rPr>
+              <a:t>      </a:t>
+            </a:r>
+            <a:r>
+              <a:rPr lang="en-GB" sz="1800" dirty="0">
+                <a:solidFill>
+                  <a:srgbClr val="0000FF"/>
+                </a:solidFill>
+                <a:latin typeface="Cascadia Mono" panose="020B0609020000020004" pitchFamily="49" charset="0"/>
+              </a:rPr>
+              <a:t>else</a:t>
+            </a:r>
+            <a:r>
+              <a:rPr lang="en-GB" sz="1800" dirty="0">
+                <a:solidFill>
+                  <a:srgbClr val="000000"/>
+                </a:solidFill>
+                <a:latin typeface="Cascadia Mono" panose="020B0609020000020004" pitchFamily="49" charset="0"/>
+              </a:rPr>
+              <a:t> </a:t>
+            </a:r>
+            <a:r>
+              <a:rPr lang="en-GB" sz="1800" dirty="0">
+                <a:solidFill>
+                  <a:srgbClr val="0000FF"/>
+                </a:solidFill>
+                <a:latin typeface="Cascadia Mono" panose="020B0609020000020004" pitchFamily="49" charset="0"/>
+              </a:rPr>
+              <a:t>return</a:t>
+            </a:r>
+            <a:r>
+              <a:rPr lang="en-GB" sz="1800" dirty="0">
+                <a:solidFill>
+                  <a:srgbClr val="000000"/>
+                </a:solidFill>
+                <a:latin typeface="Cascadia Mono" panose="020B0609020000020004" pitchFamily="49" charset="0"/>
+              </a:rPr>
+              <a:t> </a:t>
+            </a:r>
+            <a:r>
+              <a:rPr lang="en-GB" sz="1800" dirty="0">
+                <a:solidFill>
+                  <a:srgbClr val="808080"/>
+                </a:solidFill>
+                <a:latin typeface="Cascadia Mono" panose="020B0609020000020004" pitchFamily="49" charset="0"/>
+              </a:rPr>
+              <a:t>phase</a:t>
+            </a:r>
+            <a:r>
+              <a:rPr lang="en-GB" sz="1800" dirty="0">
+                <a:solidFill>
+                  <a:srgbClr val="000000"/>
+                </a:solidFill>
+                <a:latin typeface="Cascadia Mono" panose="020B0609020000020004" pitchFamily="49" charset="0"/>
+              </a:rPr>
+              <a:t> - 0.5f;             </a:t>
+            </a:r>
+            <a:r>
+              <a:rPr lang="en-GB" sz="1800" dirty="0">
+                <a:solidFill>
+                  <a:srgbClr val="008000"/>
+                </a:solidFill>
+                <a:latin typeface="Cascadia Mono" panose="020B0609020000020004" pitchFamily="49" charset="0"/>
+              </a:rPr>
+              <a:t>// 0 to .5</a:t>
+            </a:r>
+            <a:endParaRPr lang="en-GB" sz="1800" dirty="0">
+              <a:solidFill>
+                <a:srgbClr val="000000"/>
+              </a:solidFill>
+              <a:latin typeface="Cascadia Mono" panose="020B0609020000020004" pitchFamily="49" charset="0"/>
+            </a:endParaRPr>
+          </a:p>
+          <a:p>
+            <a:r>
+              <a:rPr lang="en-GB" sz="1800" dirty="0">
+                <a:solidFill>
+                  <a:srgbClr val="000000"/>
+                </a:solidFill>
+                <a:latin typeface="Cascadia Mono" panose="020B0609020000020004" pitchFamily="49" charset="0"/>
+              </a:rPr>
+              <a:t>    </a:t>
+            </a:r>
+            <a:r>
+              <a:rPr lang="en-GB" sz="1800" dirty="0">
+                <a:solidFill>
+                  <a:srgbClr val="0000FF"/>
+                </a:solidFill>
+                <a:latin typeface="Cascadia Mono" panose="020B0609020000020004" pitchFamily="49" charset="0"/>
+              </a:rPr>
+              <a:t>case</a:t>
+            </a:r>
+            <a:r>
+              <a:rPr lang="en-GB" sz="1800" dirty="0">
+                <a:solidFill>
+                  <a:srgbClr val="000000"/>
+                </a:solidFill>
+                <a:latin typeface="Cascadia Mono" panose="020B0609020000020004" pitchFamily="49" charset="0"/>
+              </a:rPr>
+              <a:t> 3:</a:t>
+            </a:r>
+            <a:r>
+              <a:rPr lang="en-GB" sz="1800" dirty="0">
+                <a:solidFill>
+                  <a:srgbClr val="008000"/>
+                </a:solidFill>
+                <a:latin typeface="Cascadia Mono" panose="020B0609020000020004" pitchFamily="49" charset="0"/>
+              </a:rPr>
+              <a:t>//Sine:</a:t>
+            </a:r>
+            <a:endParaRPr lang="en-GB" sz="1800" dirty="0">
+              <a:solidFill>
+                <a:srgbClr val="000000"/>
+              </a:solidFill>
+              <a:latin typeface="Cascadia Mono" panose="020B0609020000020004" pitchFamily="49" charset="0"/>
+            </a:endParaRPr>
+          </a:p>
+          <a:p>
+            <a:r>
+              <a:rPr lang="en-GB" sz="1800" dirty="0">
+                <a:solidFill>
+                  <a:srgbClr val="000000"/>
+                </a:solidFill>
+                <a:latin typeface="Cascadia Mono" panose="020B0609020000020004" pitchFamily="49" charset="0"/>
+              </a:rPr>
+              <a:t>    </a:t>
+            </a:r>
+            <a:r>
+              <a:rPr lang="en-GB" sz="1800" dirty="0">
+                <a:solidFill>
+                  <a:srgbClr val="0000FF"/>
+                </a:solidFill>
+                <a:latin typeface="Cascadia Mono" panose="020B0609020000020004" pitchFamily="49" charset="0"/>
+              </a:rPr>
+              <a:t>default</a:t>
+            </a:r>
+            <a:r>
+              <a:rPr lang="en-GB" sz="1800" dirty="0">
+                <a:solidFill>
+                  <a:srgbClr val="000000"/>
+                </a:solidFill>
+                <a:latin typeface="Cascadia Mono" panose="020B0609020000020004" pitchFamily="49" charset="0"/>
+              </a:rPr>
+              <a:t>:</a:t>
+            </a:r>
+          </a:p>
+          <a:p>
+            <a:r>
+              <a:rPr lang="en-GB" sz="1800" dirty="0">
+                <a:solidFill>
+                  <a:srgbClr val="000000"/>
+                </a:solidFill>
+                <a:latin typeface="Cascadia Mono" panose="020B0609020000020004" pitchFamily="49" charset="0"/>
+              </a:rPr>
+              <a:t>        </a:t>
+            </a:r>
+            <a:r>
+              <a:rPr lang="en-GB" sz="1800" dirty="0">
+                <a:solidFill>
+                  <a:srgbClr val="0000FF"/>
+                </a:solidFill>
+                <a:latin typeface="Cascadia Mono" panose="020B0609020000020004" pitchFamily="49" charset="0"/>
+              </a:rPr>
+              <a:t>return</a:t>
+            </a:r>
+            <a:r>
+              <a:rPr lang="en-GB" sz="1800" dirty="0">
+                <a:solidFill>
+                  <a:srgbClr val="000000"/>
+                </a:solidFill>
+                <a:latin typeface="Cascadia Mono" panose="020B0609020000020004" pitchFamily="49" charset="0"/>
+              </a:rPr>
+              <a:t> 0.5f + 0.5f*</a:t>
+            </a:r>
+            <a:r>
+              <a:rPr lang="en-GB" sz="1800" dirty="0" err="1">
+                <a:solidFill>
+                  <a:srgbClr val="000000"/>
+                </a:solidFill>
+                <a:latin typeface="Cascadia Mono" panose="020B0609020000020004" pitchFamily="49" charset="0"/>
+              </a:rPr>
+              <a:t>sinf</a:t>
+            </a:r>
+            <a:r>
+              <a:rPr lang="en-GB" sz="1800" dirty="0">
+                <a:solidFill>
+                  <a:srgbClr val="000000"/>
+                </a:solidFill>
+                <a:latin typeface="Cascadia Mono" panose="020B0609020000020004" pitchFamily="49" charset="0"/>
+              </a:rPr>
+              <a:t>(</a:t>
+            </a:r>
+            <a:r>
+              <a:rPr lang="en-GB" sz="1800" dirty="0" err="1">
+                <a:solidFill>
+                  <a:srgbClr val="000000"/>
+                </a:solidFill>
+                <a:latin typeface="Cascadia Mono" panose="020B0609020000020004" pitchFamily="49" charset="0"/>
+              </a:rPr>
+              <a:t>juce</a:t>
+            </a:r>
+            <a:r>
+              <a:rPr lang="en-GB" sz="1800" dirty="0">
+                <a:solidFill>
+                  <a:srgbClr val="000000"/>
+                </a:solidFill>
+                <a:latin typeface="Cascadia Mono" panose="020B0609020000020004" pitchFamily="49" charset="0"/>
+              </a:rPr>
+              <a:t>::</a:t>
+            </a:r>
+            <a:r>
+              <a:rPr lang="en-GB" sz="1800" dirty="0" err="1">
+                <a:solidFill>
+                  <a:srgbClr val="2B91AF"/>
+                </a:solidFill>
+                <a:latin typeface="Cascadia Mono" panose="020B0609020000020004" pitchFamily="49" charset="0"/>
+              </a:rPr>
+              <a:t>MathConstants</a:t>
+            </a:r>
+            <a:r>
+              <a:rPr lang="en-GB" sz="1800" dirty="0">
+                <a:solidFill>
+                  <a:srgbClr val="000000"/>
+                </a:solidFill>
+                <a:latin typeface="Cascadia Mono" panose="020B0609020000020004" pitchFamily="49" charset="0"/>
+              </a:rPr>
+              <a:t>&lt;</a:t>
+            </a:r>
+            <a:r>
+              <a:rPr lang="en-GB" sz="1800" dirty="0">
+                <a:solidFill>
+                  <a:srgbClr val="0000FF"/>
+                </a:solidFill>
+                <a:latin typeface="Cascadia Mono" panose="020B0609020000020004" pitchFamily="49" charset="0"/>
+              </a:rPr>
+              <a:t>float</a:t>
+            </a:r>
+            <a:r>
+              <a:rPr lang="en-GB" sz="1800" dirty="0">
+                <a:solidFill>
+                  <a:srgbClr val="000000"/>
+                </a:solidFill>
+                <a:latin typeface="Cascadia Mono" panose="020B0609020000020004" pitchFamily="49" charset="0"/>
+              </a:rPr>
+              <a:t>&gt;::</a:t>
+            </a:r>
+            <a:r>
+              <a:rPr lang="en-GB" sz="1800" dirty="0" err="1">
+                <a:solidFill>
+                  <a:srgbClr val="000000"/>
+                </a:solidFill>
+                <a:latin typeface="Cascadia Mono" panose="020B0609020000020004" pitchFamily="49" charset="0"/>
+              </a:rPr>
+              <a:t>twoPi</a:t>
+            </a:r>
+            <a:r>
+              <a:rPr lang="en-GB" sz="1800" dirty="0">
+                <a:solidFill>
+                  <a:srgbClr val="000000"/>
+                </a:solidFill>
+                <a:latin typeface="Cascadia Mono" panose="020B0609020000020004" pitchFamily="49" charset="0"/>
+              </a:rPr>
+              <a:t> * </a:t>
+            </a:r>
+            <a:r>
+              <a:rPr lang="en-GB" sz="1800" dirty="0">
+                <a:solidFill>
+                  <a:srgbClr val="808080"/>
+                </a:solidFill>
+                <a:latin typeface="Cascadia Mono" panose="020B0609020000020004" pitchFamily="49" charset="0"/>
+              </a:rPr>
+              <a:t>phase</a:t>
+            </a:r>
+            <a:r>
+              <a:rPr lang="en-GB" sz="1800" dirty="0">
+                <a:solidFill>
+                  <a:srgbClr val="000000"/>
+                </a:solidFill>
+                <a:latin typeface="Cascadia Mono" panose="020B0609020000020004" pitchFamily="49" charset="0"/>
+              </a:rPr>
+              <a:t>);</a:t>
+            </a:r>
+            <a:endParaRPr lang="en-GB" sz="1200" dirty="0">
+              <a:effectLst/>
+              <a:ea typeface="Times New Roman" panose="02020603050405020304" pitchFamily="18" charset="0"/>
+            </a:endParaRPr>
           </a:p>
         </p:txBody>
       </p:sp>
@@ -858,7 +7120,7 @@
           <a:p>
             <a:fld id="{748D5B09-12A7-4EF1-A404-D455741B18AB}" type="datetimeFigureOut">
               <a:rPr lang="en-GB" smtClean="0"/>
-              <a:t>28/11/2023</a:t>
+              <a:t>15/02/2024</a:t>
             </a:fld>
             <a:endParaRPr lang="en-GB"/>
           </a:p>
@@ -1058,7 +7320,7 @@
           <a:p>
             <a:fld id="{748D5B09-12A7-4EF1-A404-D455741B18AB}" type="datetimeFigureOut">
               <a:rPr lang="en-GB" smtClean="0"/>
-              <a:t>28/11/2023</a:t>
+              <a:t>15/02/2024</a:t>
             </a:fld>
             <a:endParaRPr lang="en-GB"/>
           </a:p>
@@ -1268,7 +7530,7 @@
           <a:p>
             <a:fld id="{748D5B09-12A7-4EF1-A404-D455741B18AB}" type="datetimeFigureOut">
               <a:rPr lang="en-GB" smtClean="0"/>
-              <a:t>28/11/2023</a:t>
+              <a:t>15/02/2024</a:t>
             </a:fld>
             <a:endParaRPr lang="en-GB"/>
           </a:p>
@@ -2697,7 +8959,7 @@
           <a:p>
             <a:fld id="{748D5B09-12A7-4EF1-A404-D455741B18AB}" type="datetimeFigureOut">
               <a:rPr lang="en-GB" smtClean="0"/>
-              <a:t>28/11/2023</a:t>
+              <a:t>15/02/2024</a:t>
             </a:fld>
             <a:endParaRPr lang="en-GB"/>
           </a:p>
@@ -3379,7 +9641,7 @@
           <a:p>
             <a:fld id="{748D5B09-12A7-4EF1-A404-D455741B18AB}" type="datetimeFigureOut">
               <a:rPr lang="en-GB" smtClean="0"/>
-              <a:t>28/11/2023</a:t>
+              <a:t>15/02/2024</a:t>
             </a:fld>
             <a:endParaRPr lang="en-GB"/>
           </a:p>
@@ -3647,7 +9909,7 @@
           <a:p>
             <a:fld id="{748D5B09-12A7-4EF1-A404-D455741B18AB}" type="datetimeFigureOut">
               <a:rPr lang="en-GB" smtClean="0"/>
-              <a:t>28/11/2023</a:t>
+              <a:t>15/02/2024</a:t>
             </a:fld>
             <a:endParaRPr lang="en-GB"/>
           </a:p>
@@ -4062,7 +10324,7 @@
           <a:p>
             <a:fld id="{748D5B09-12A7-4EF1-A404-D455741B18AB}" type="datetimeFigureOut">
               <a:rPr lang="en-GB" smtClean="0"/>
-              <a:t>28/11/2023</a:t>
+              <a:t>15/02/2024</a:t>
             </a:fld>
             <a:endParaRPr lang="en-GB"/>
           </a:p>
@@ -4204,7 +10466,7 @@
           <a:p>
             <a:fld id="{748D5B09-12A7-4EF1-A404-D455741B18AB}" type="datetimeFigureOut">
               <a:rPr lang="en-GB" smtClean="0"/>
-              <a:t>28/11/2023</a:t>
+              <a:t>15/02/2024</a:t>
             </a:fld>
             <a:endParaRPr lang="en-GB"/>
           </a:p>
@@ -4317,7 +10579,7 @@
           <a:p>
             <a:fld id="{748D5B09-12A7-4EF1-A404-D455741B18AB}" type="datetimeFigureOut">
               <a:rPr lang="en-GB" smtClean="0"/>
-              <a:t>28/11/2023</a:t>
+              <a:t>15/02/2024</a:t>
             </a:fld>
             <a:endParaRPr lang="en-GB"/>
           </a:p>
@@ -4630,7 +10892,7 @@
           <a:p>
             <a:fld id="{748D5B09-12A7-4EF1-A404-D455741B18AB}" type="datetimeFigureOut">
               <a:rPr lang="en-GB" smtClean="0"/>
-              <a:t>28/11/2023</a:t>
+              <a:t>15/02/2024</a:t>
             </a:fld>
             <a:endParaRPr lang="en-GB"/>
           </a:p>
@@ -4919,7 +11181,7 @@
           <a:p>
             <a:fld id="{748D5B09-12A7-4EF1-A404-D455741B18AB}" type="datetimeFigureOut">
               <a:rPr lang="en-GB" smtClean="0"/>
-              <a:t>28/11/2023</a:t>
+              <a:t>15/02/2024</a:t>
             </a:fld>
             <a:endParaRPr lang="en-GB"/>
           </a:p>
@@ -5162,7 +11424,7 @@
           <a:p>
             <a:fld id="{748D5B09-12A7-4EF1-A404-D455741B18AB}" type="datetimeFigureOut">
               <a:rPr lang="en-GB" smtClean="0"/>
-              <a:t>28/11/2023</a:t>
+              <a:t>15/02/2024</a:t>
             </a:fld>
             <a:endParaRPr lang="en-GB"/>
           </a:p>
@@ -6332,64 +12594,157 @@
             <a:spLocks noGrp="1"/>
           </p:cNvSpPr>
           <p:nvPr>
-            <p:ph type="ctrTitle"/>
+            <p:ph type="title"/>
           </p:nvPr>
         </p:nvSpPr>
         <p:spPr>
           <a:xfrm>
-            <a:off x="1524000" y="1"/>
-            <a:ext cx="9144000" cy="897468"/>
+            <a:off x="83344" y="35719"/>
+            <a:ext cx="12013406" cy="651867"/>
           </a:xfrm>
         </p:spPr>
         <p:txBody>
-          <a:bodyPr>
+          <a:bodyPr wrap="square" anchor="ctr">
             <a:normAutofit/>
           </a:bodyPr>
           <a:lstStyle/>
           <a:p>
-            <a:r>
-              <a:rPr lang="en-US" sz="2461" dirty="0">
-                <a:cs typeface="Times New Roman" pitchFamily="18" charset="0"/>
-              </a:rPr>
-              <a:t>Three commonly used low frequency oscillator (LFO) waveforms</a:t>
-            </a:r>
-            <a:endParaRPr lang="en-US" sz="2461" dirty="0"/>
+            <a:pPr>
+              <a:lnSpc>
+                <a:spcPct val="90000"/>
+              </a:lnSpc>
+            </a:pPr>
+            <a:r>
+              <a:rPr lang="en-US" sz="3000"/>
+              <a:t>Commonly </a:t>
+            </a:r>
+            <a:r>
+              <a:rPr lang="en-US" sz="3000" dirty="0"/>
+              <a:t>used low frequency oscillator (LFO) waveforms</a:t>
+            </a:r>
           </a:p>
         </p:txBody>
       </p:sp>
-      <p:pic>
-        <p:nvPicPr>
-          <p:cNvPr id="13313" name="Picture 1"/>
-          <p:cNvPicPr>
-            <a:picLocks noChangeAspect="1" noChangeArrowheads="1"/>
-          </p:cNvPicPr>
-          <p:nvPr/>
-        </p:nvPicPr>
-        <p:blipFill>
-          <a:blip r:embed="rId2" cstate="print"/>
-          <a:srcRect/>
-          <a:stretch>
-            <a:fillRect/>
-          </a:stretch>
-        </p:blipFill>
-        <p:spPr bwMode="auto">
-          <a:xfrm>
-            <a:off x="1743465" y="897470"/>
-            <a:ext cx="7955857" cy="5960532"/>
-          </a:xfrm>
-          <a:prstGeom prst="rect">
-            <a:avLst/>
-          </a:prstGeom>
-          <a:noFill/>
-          <a:ln w="9525">
-            <a:noFill/>
-            <a:miter lim="800000"/>
-            <a:headEnd/>
-            <a:tailEnd/>
-          </a:ln>
-          <a:effectLst/>
-        </p:spPr>
-      </p:pic>
+      <p:graphicFrame>
+        <p:nvGraphicFramePr>
+          <p:cNvPr id="13315" name="Chart 13314">
+            <a:extLst>
+              <a:ext uri="{FF2B5EF4-FFF2-40B4-BE49-F238E27FC236}">
+                <a16:creationId xmlns:a16="http://schemas.microsoft.com/office/drawing/2014/main" id="{5571F6E6-6158-4EFF-B904-C7DC11D2C292}"/>
+              </a:ext>
+            </a:extLst>
+          </p:cNvPr>
+          <p:cNvGraphicFramePr>
+            <a:graphicFrameLocks/>
+          </p:cNvGraphicFramePr>
+          <p:nvPr>
+            <p:extLst>
+              <p:ext uri="{D42A27DB-BD31-4B8C-83A1-F6EECF244321}">
+                <p14:modId xmlns:p14="http://schemas.microsoft.com/office/powerpoint/2010/main" val="2275389318"/>
+              </p:ext>
+            </p:extLst>
+          </p:nvPr>
+        </p:nvGraphicFramePr>
+        <p:xfrm>
+          <a:off x="6594947" y="962333"/>
+          <a:ext cx="4570963" cy="2749861"/>
+        </p:xfrm>
+        <a:graphic>
+          <a:graphicData uri="http://schemas.openxmlformats.org/drawingml/2006/chart">
+            <c:chart xmlns:c="http://schemas.openxmlformats.org/drawingml/2006/chart" xmlns:r="http://schemas.openxmlformats.org/officeDocument/2006/relationships" r:id="rId3"/>
+          </a:graphicData>
+        </a:graphic>
+      </p:graphicFrame>
+      <p:graphicFrame>
+        <p:nvGraphicFramePr>
+          <p:cNvPr id="13316" name="Chart 13315">
+            <a:extLst>
+              <a:ext uri="{FF2B5EF4-FFF2-40B4-BE49-F238E27FC236}">
+                <a16:creationId xmlns:a16="http://schemas.microsoft.com/office/drawing/2014/main" id="{12C2A7C9-6B06-4472-BAD3-6D82C48672B5}"/>
+              </a:ext>
+            </a:extLst>
+          </p:cNvPr>
+          <p:cNvGraphicFramePr>
+            <a:graphicFrameLocks/>
+          </p:cNvGraphicFramePr>
+          <p:nvPr>
+            <p:extLst>
+              <p:ext uri="{D42A27DB-BD31-4B8C-83A1-F6EECF244321}">
+                <p14:modId xmlns:p14="http://schemas.microsoft.com/office/powerpoint/2010/main" val="777714762"/>
+              </p:ext>
+            </p:extLst>
+          </p:nvPr>
+        </p:nvGraphicFramePr>
+        <p:xfrm>
+          <a:off x="6594947" y="3974283"/>
+          <a:ext cx="4570963" cy="2749861"/>
+        </p:xfrm>
+        <a:graphic>
+          <a:graphicData uri="http://schemas.openxmlformats.org/drawingml/2006/chart">
+            <c:chart xmlns:c="http://schemas.openxmlformats.org/drawingml/2006/chart" xmlns:r="http://schemas.openxmlformats.org/officeDocument/2006/relationships" r:id="rId4"/>
+          </a:graphicData>
+        </a:graphic>
+      </p:graphicFrame>
+      <p:graphicFrame>
+        <p:nvGraphicFramePr>
+          <p:cNvPr id="13317" name="Chart 13316">
+            <a:extLst>
+              <a:ext uri="{FF2B5EF4-FFF2-40B4-BE49-F238E27FC236}">
+                <a16:creationId xmlns:a16="http://schemas.microsoft.com/office/drawing/2014/main" id="{B73691D9-BF69-4C82-8F6F-F722594E8E2F}"/>
+              </a:ext>
+            </a:extLst>
+          </p:cNvPr>
+          <p:cNvGraphicFramePr>
+            <a:graphicFrameLocks/>
+          </p:cNvGraphicFramePr>
+          <p:nvPr>
+            <p:extLst>
+              <p:ext uri="{D42A27DB-BD31-4B8C-83A1-F6EECF244321}">
+                <p14:modId xmlns:p14="http://schemas.microsoft.com/office/powerpoint/2010/main" val="1993614269"/>
+              </p:ext>
+            </p:extLst>
+          </p:nvPr>
+        </p:nvGraphicFramePr>
+        <p:xfrm>
+          <a:off x="686441" y="3974284"/>
+          <a:ext cx="4570963" cy="2749860"/>
+        </p:xfrm>
+        <a:graphic>
+          <a:graphicData uri="http://schemas.openxmlformats.org/drawingml/2006/chart">
+            <c:chart xmlns:c="http://schemas.openxmlformats.org/drawingml/2006/chart" xmlns:r="http://schemas.openxmlformats.org/officeDocument/2006/relationships" r:id="rId5"/>
+          </a:graphicData>
+        </a:graphic>
+      </p:graphicFrame>
+      <p:graphicFrame>
+        <p:nvGraphicFramePr>
+          <p:cNvPr id="13319" name="Chart 13318">
+            <a:extLst>
+              <a:ext uri="{FF2B5EF4-FFF2-40B4-BE49-F238E27FC236}">
+                <a16:creationId xmlns:a16="http://schemas.microsoft.com/office/drawing/2014/main" id="{DA0C4E16-E1CF-6F67-ACA0-CCEFAF28738F}"/>
+              </a:ext>
+            </a:extLst>
+          </p:cNvPr>
+          <p:cNvGraphicFramePr>
+            <a:graphicFrameLocks/>
+          </p:cNvGraphicFramePr>
+          <p:nvPr>
+            <p:extLst>
+              <p:ext uri="{D42A27DB-BD31-4B8C-83A1-F6EECF244321}">
+                <p14:modId xmlns:p14="http://schemas.microsoft.com/office/powerpoint/2010/main" val="2112793461"/>
+              </p:ext>
+            </p:extLst>
+          </p:nvPr>
+        </p:nvGraphicFramePr>
+        <p:xfrm>
+          <a:off x="686441" y="962333"/>
+          <a:ext cx="4570963" cy="2749860"/>
+        </p:xfrm>
+        <a:graphic>
+          <a:graphicData uri="http://schemas.openxmlformats.org/drawingml/2006/chart">
+            <c:chart xmlns:c="http://schemas.openxmlformats.org/drawingml/2006/chart" xmlns:r="http://schemas.openxmlformats.org/officeDocument/2006/relationships" r:id="rId6"/>
+          </a:graphicData>
+        </a:graphic>
+      </p:graphicFrame>
     </p:spTree>
     <p:extLst>
       <p:ext uri="{BB962C8B-B14F-4D97-AF65-F5344CB8AC3E}">
@@ -7054,7 +13409,7 @@
                 </a:solidFill>
                 <a:latin typeface="Cascadia Mono" panose="020B0609020000020004" pitchFamily="49" charset="0"/>
               </a:rPr>
-              <a:t>//Sawtooth:</a:t>
+              <a:t>//square</a:t>
             </a:r>
             <a:endParaRPr lang="en-GB" sz="1800" dirty="0">
               <a:solidFill>
@@ -7071,7 +13426,7 @@
                 </a:solidFill>
                 <a:latin typeface="Cascadia Mono" panose="020B0609020000020004" pitchFamily="49" charset="0"/>
               </a:rPr>
-              <a:t>        </a:t>
+              <a:t>      </a:t>
             </a:r>
             <a:r>
               <a:rPr lang="en-GB" sz="1800" dirty="0">
@@ -7125,36 +13480,18 @@
                 </a:solidFill>
                 <a:latin typeface="Cascadia Mono" panose="020B0609020000020004" pitchFamily="49" charset="0"/>
               </a:rPr>
-              <a:t> 0.5f + </a:t>
-            </a:r>
-            <a:r>
-              <a:rPr lang="en-GB" sz="1800" dirty="0">
-                <a:solidFill>
-                  <a:srgbClr val="808080"/>
-                </a:solidFill>
-                <a:latin typeface="Cascadia Mono" panose="020B0609020000020004" pitchFamily="49" charset="0"/>
-              </a:rPr>
-              <a:t>phase</a:t>
-            </a:r>
-            <a:r>
-              <a:rPr lang="en-GB" sz="1800" dirty="0">
-                <a:solidFill>
-                  <a:srgbClr val="000000"/>
-                </a:solidFill>
-                <a:latin typeface="Cascadia Mono" panose="020B0609020000020004" pitchFamily="49" charset="0"/>
-              </a:rPr>
-              <a:t>;</a:t>
-            </a:r>
-          </a:p>
-          <a:p>
-            <a:r>
-              <a:rPr lang="en-GB" sz="1800" dirty="0">
-                <a:solidFill>
-                  <a:srgbClr val="000000"/>
-                </a:solidFill>
-                <a:latin typeface="Cascadia Mono" panose="020B0609020000020004" pitchFamily="49" charset="0"/>
-              </a:rPr>
-              <a:t>        </a:t>
+              <a:t> 1.0f;</a:t>
+            </a:r>
+          </a:p>
+          <a:p>
+            <a:r>
+              <a:rPr lang="en-GB" sz="1800" dirty="0">
+                <a:solidFill>
+                  <a:srgbClr val="000000"/>
+                </a:solidFill>
+                <a:latin typeface="Cascadia Mono" panose="020B0609020000020004" pitchFamily="49" charset="0"/>
+              </a:rPr>
+              <a:t>      </a:t>
             </a:r>
             <a:r>
               <a:rPr lang="en-GB" sz="1800" dirty="0">
@@ -7190,25 +13527,7 @@
                 </a:solidFill>
                 <a:latin typeface="Cascadia Mono" panose="020B0609020000020004" pitchFamily="49" charset="0"/>
               </a:rPr>
-              <a:t> </a:t>
-            </a:r>
-            <a:r>
-              <a:rPr lang="en-GB" sz="1800" dirty="0">
-                <a:solidFill>
-                  <a:srgbClr val="808080"/>
-                </a:solidFill>
-                <a:latin typeface="Cascadia Mono" panose="020B0609020000020004" pitchFamily="49" charset="0"/>
-              </a:rPr>
-              <a:t>phase</a:t>
-            </a:r>
-            <a:r>
-              <a:rPr lang="en-GB" sz="1800" dirty="0">
-                <a:solidFill>
-                  <a:srgbClr val="000000"/>
-                </a:solidFill>
-                <a:latin typeface="Cascadia Mono" panose="020B0609020000020004" pitchFamily="49" charset="0"/>
-              </a:rPr>
-              <a:t> - 0.5f;</a:t>
+              <a:t> 0.0f;</a:t>
             </a:r>
           </a:p>
           <a:p>
@@ -7246,25 +13565,7 @@
                 </a:solidFill>
                 <a:latin typeface="Cascadia Mono" panose="020B0609020000020004" pitchFamily="49" charset="0"/>
               </a:rPr>
-              <a:t>//</a:t>
-            </a:r>
-            <a:r>
-              <a:rPr lang="en-GB" sz="1800" dirty="0" err="1">
-                <a:solidFill>
-                  <a:srgbClr val="008000"/>
-                </a:solidFill>
-                <a:latin typeface="Cascadia Mono" panose="020B0609020000020004" pitchFamily="49" charset="0"/>
-              </a:rPr>
-              <a:t>InverseSawtooth</a:t>
-            </a:r>
-            <a:r>
-              <a:rPr lang="en-GB" sz="1800" dirty="0">
-                <a:solidFill>
-                  <a:srgbClr val="008000"/>
-                </a:solidFill>
-                <a:latin typeface="Cascadia Mono" panose="020B0609020000020004" pitchFamily="49" charset="0"/>
-              </a:rPr>
-              <a:t>:</a:t>
+              <a:t>//Sawtooth:</a:t>
             </a:r>
             <a:endParaRPr lang="en-GB" sz="1800" dirty="0">
               <a:solidFill>
@@ -7317,7 +13618,7 @@
                 </a:solidFill>
                 <a:latin typeface="Cascadia Mono" panose="020B0609020000020004" pitchFamily="49" charset="0"/>
               </a:rPr>
-              <a:t> &lt; 0.5f) r</a:t>
+              <a:t> &lt; 0.5f) </a:t>
             </a:r>
             <a:r>
               <a:rPr lang="en-GB" sz="1800" dirty="0">
@@ -7326,16 +13627,16 @@
                 </a:solidFill>
                 <a:latin typeface="Cascadia Mono" panose="020B0609020000020004" pitchFamily="49" charset="0"/>
               </a:rPr>
-              <a:t>eturn</a:t>
-            </a:r>
-            <a:r>
-              <a:rPr lang="en-GB" sz="1800" dirty="0">
-                <a:solidFill>
-                  <a:srgbClr val="000000"/>
-                </a:solidFill>
-                <a:latin typeface="Cascadia Mono" panose="020B0609020000020004" pitchFamily="49" charset="0"/>
-              </a:rPr>
-              <a:t> 0.5f - </a:t>
+              <a:t>return</a:t>
+            </a:r>
+            <a:r>
+              <a:rPr lang="en-GB" sz="1800" dirty="0">
+                <a:solidFill>
+                  <a:srgbClr val="000000"/>
+                </a:solidFill>
+                <a:latin typeface="Cascadia Mono" panose="020B0609020000020004" pitchFamily="49" charset="0"/>
+              </a:rPr>
+              <a:t> 0.5f + </a:t>
             </a:r>
             <a:r>
               <a:rPr lang="en-GB" sz="1800" dirty="0">
@@ -7400,7 +13701,7 @@
                 </a:solidFill>
                 <a:latin typeface="Cascadia Mono" panose="020B0609020000020004" pitchFamily="49" charset="0"/>
               </a:rPr>
-              <a:t> 1.5f - </a:t>
+              <a:t> </a:t>
             </a:r>
             <a:r>
               <a:rPr lang="en-GB" sz="1800" dirty="0">
@@ -7418,7 +13719,7 @@
                 </a:solidFill>
                 <a:latin typeface="Cascadia Mono" panose="020B0609020000020004" pitchFamily="49" charset="0"/>
               </a:rPr>
-              <a:t>;</a:t>
+              <a:t> - 0.5f;</a:t>
             </a:r>
           </a:p>
           <a:p>
